--- a/OOPExam/06 Methods, parameters, scope and properties.pptx
+++ b/OOPExam/06 Methods, parameters, scope and properties.pptx
@@ -4,6 +4,9 @@
   <p:sldMasterIdLst>
     <p:sldMasterId id="2147483648" r:id="rId1"/>
   </p:sldMasterIdLst>
+  <p:notesMasterIdLst>
+    <p:notesMasterId r:id="rId11"/>
+  </p:notesMasterIdLst>
   <p:sldIdLst>
     <p:sldId id="256" r:id="rId2"/>
     <p:sldId id="257" r:id="rId3"/>
@@ -113,6 +116,565 @@
     </a:lvl9pPr>
   </p:defaultTextStyle>
 </p:presentation>
+</file>
+
+<file path=ppt/notesMasters/notesMaster1.xml><?xml version="1.0" encoding="utf-8"?>
+<p:notesMaster xmlns:a="http://schemas.openxmlformats.org/drawingml/2006/main" xmlns:r="http://schemas.openxmlformats.org/officeDocument/2006/relationships" xmlns:p="http://schemas.openxmlformats.org/presentationml/2006/main">
+  <p:cSld>
+    <p:bg>
+      <p:bgRef idx="1001">
+        <a:schemeClr val="bg1"/>
+      </p:bgRef>
+    </p:bg>
+    <p:spTree>
+      <p:nvGrpSpPr>
+        <p:cNvPr id="1" name=""/>
+        <p:cNvGrpSpPr/>
+        <p:nvPr/>
+      </p:nvGrpSpPr>
+      <p:grpSpPr>
+        <a:xfrm>
+          <a:off x="0" y="0"/>
+          <a:ext cx="0" cy="0"/>
+          <a:chOff x="0" y="0"/>
+          <a:chExt cx="0" cy="0"/>
+        </a:xfrm>
+      </p:grpSpPr>
+      <p:sp>
+        <p:nvSpPr>
+          <p:cNvPr id="2" name="Header Placeholder 1"/>
+          <p:cNvSpPr>
+            <a:spLocks noGrp="1"/>
+          </p:cNvSpPr>
+          <p:nvPr>
+            <p:ph type="hdr" sz="quarter"/>
+          </p:nvPr>
+        </p:nvSpPr>
+        <p:spPr>
+          <a:xfrm>
+            <a:off x="0" y="0"/>
+            <a:ext cx="2971800" cy="457200"/>
+          </a:xfrm>
+          <a:prstGeom prst="rect">
+            <a:avLst/>
+          </a:prstGeom>
+        </p:spPr>
+        <p:txBody>
+          <a:bodyPr vert="horz" lIns="91440" tIns="45720" rIns="91440" bIns="45720" rtlCol="0"/>
+          <a:lstStyle>
+            <a:lvl1pPr algn="l">
+              <a:defRPr sz="1200"/>
+            </a:lvl1pPr>
+          </a:lstStyle>
+          <a:p>
+            <a:endParaRPr lang="en-US"/>
+          </a:p>
+        </p:txBody>
+      </p:sp>
+      <p:sp>
+        <p:nvSpPr>
+          <p:cNvPr id="3" name="Date Placeholder 2"/>
+          <p:cNvSpPr>
+            <a:spLocks noGrp="1"/>
+          </p:cNvSpPr>
+          <p:nvPr>
+            <p:ph type="dt" idx="1"/>
+          </p:nvPr>
+        </p:nvSpPr>
+        <p:spPr>
+          <a:xfrm>
+            <a:off x="3884613" y="0"/>
+            <a:ext cx="2971800" cy="457200"/>
+          </a:xfrm>
+          <a:prstGeom prst="rect">
+            <a:avLst/>
+          </a:prstGeom>
+        </p:spPr>
+        <p:txBody>
+          <a:bodyPr vert="horz" lIns="91440" tIns="45720" rIns="91440" bIns="45720" rtlCol="0"/>
+          <a:lstStyle>
+            <a:lvl1pPr algn="r">
+              <a:defRPr sz="1200"/>
+            </a:lvl1pPr>
+          </a:lstStyle>
+          <a:p>
+            <a:fld id="{C1CD3A25-823B-4BBE-807B-09C859F752B0}" type="datetimeFigureOut">
+              <a:rPr lang="en-US" smtClean="0"/>
+              <a:t>1/12/2010</a:t>
+            </a:fld>
+            <a:endParaRPr lang="en-US"/>
+          </a:p>
+        </p:txBody>
+      </p:sp>
+      <p:sp>
+        <p:nvSpPr>
+          <p:cNvPr id="4" name="Slide Image Placeholder 3"/>
+          <p:cNvSpPr>
+            <a:spLocks noGrp="1" noRot="1" noChangeAspect="1"/>
+          </p:cNvSpPr>
+          <p:nvPr>
+            <p:ph type="sldImg" idx="2"/>
+          </p:nvPr>
+        </p:nvSpPr>
+        <p:spPr>
+          <a:xfrm>
+            <a:off x="1143000" y="685800"/>
+            <a:ext cx="4572000" cy="3429000"/>
+          </a:xfrm>
+          <a:prstGeom prst="rect">
+            <a:avLst/>
+          </a:prstGeom>
+          <a:noFill/>
+          <a:ln w="12700">
+            <a:solidFill>
+              <a:prstClr val="black"/>
+            </a:solidFill>
+          </a:ln>
+        </p:spPr>
+        <p:txBody>
+          <a:bodyPr vert="horz" lIns="91440" tIns="45720" rIns="91440" bIns="45720" rtlCol="0" anchor="ctr"/>
+          <a:lstStyle/>
+          <a:p>
+            <a:endParaRPr lang="en-US"/>
+          </a:p>
+        </p:txBody>
+      </p:sp>
+      <p:sp>
+        <p:nvSpPr>
+          <p:cNvPr id="5" name="Notes Placeholder 4"/>
+          <p:cNvSpPr>
+            <a:spLocks noGrp="1"/>
+          </p:cNvSpPr>
+          <p:nvPr>
+            <p:ph type="body" sz="quarter" idx="3"/>
+          </p:nvPr>
+        </p:nvSpPr>
+        <p:spPr>
+          <a:xfrm>
+            <a:off x="685800" y="4343400"/>
+            <a:ext cx="5486400" cy="4114800"/>
+          </a:xfrm>
+          <a:prstGeom prst="rect">
+            <a:avLst/>
+          </a:prstGeom>
+        </p:spPr>
+        <p:txBody>
+          <a:bodyPr vert="horz" lIns="91440" tIns="45720" rIns="91440" bIns="45720" rtlCol="0">
+            <a:normAutofit/>
+          </a:bodyPr>
+          <a:lstStyle/>
+          <a:p>
+            <a:pPr lvl="0"/>
+            <a:r>
+              <a:rPr lang="en-US" smtClean="0"/>
+              <a:t>Click to edit Master text styles</a:t>
+            </a:r>
+          </a:p>
+          <a:p>
+            <a:pPr lvl="1"/>
+            <a:r>
+              <a:rPr lang="en-US" smtClean="0"/>
+              <a:t>Second level</a:t>
+            </a:r>
+          </a:p>
+          <a:p>
+            <a:pPr lvl="2"/>
+            <a:r>
+              <a:rPr lang="en-US" smtClean="0"/>
+              <a:t>Third level</a:t>
+            </a:r>
+          </a:p>
+          <a:p>
+            <a:pPr lvl="3"/>
+            <a:r>
+              <a:rPr lang="en-US" smtClean="0"/>
+              <a:t>Fourth level</a:t>
+            </a:r>
+          </a:p>
+          <a:p>
+            <a:pPr lvl="4"/>
+            <a:r>
+              <a:rPr lang="en-US" smtClean="0"/>
+              <a:t>Fifth level</a:t>
+            </a:r>
+            <a:endParaRPr lang="en-US"/>
+          </a:p>
+        </p:txBody>
+      </p:sp>
+      <p:sp>
+        <p:nvSpPr>
+          <p:cNvPr id="6" name="Footer Placeholder 5"/>
+          <p:cNvSpPr>
+            <a:spLocks noGrp="1"/>
+          </p:cNvSpPr>
+          <p:nvPr>
+            <p:ph type="ftr" sz="quarter" idx="4"/>
+          </p:nvPr>
+        </p:nvSpPr>
+        <p:spPr>
+          <a:xfrm>
+            <a:off x="0" y="8685213"/>
+            <a:ext cx="2971800" cy="457200"/>
+          </a:xfrm>
+          <a:prstGeom prst="rect">
+            <a:avLst/>
+          </a:prstGeom>
+        </p:spPr>
+        <p:txBody>
+          <a:bodyPr vert="horz" lIns="91440" tIns="45720" rIns="91440" bIns="45720" rtlCol="0" anchor="b"/>
+          <a:lstStyle>
+            <a:lvl1pPr algn="l">
+              <a:defRPr sz="1200"/>
+            </a:lvl1pPr>
+          </a:lstStyle>
+          <a:p>
+            <a:endParaRPr lang="en-US"/>
+          </a:p>
+        </p:txBody>
+      </p:sp>
+      <p:sp>
+        <p:nvSpPr>
+          <p:cNvPr id="7" name="Slide Number Placeholder 6"/>
+          <p:cNvSpPr>
+            <a:spLocks noGrp="1"/>
+          </p:cNvSpPr>
+          <p:nvPr>
+            <p:ph type="sldNum" sz="quarter" idx="5"/>
+          </p:nvPr>
+        </p:nvSpPr>
+        <p:spPr>
+          <a:xfrm>
+            <a:off x="3884613" y="8685213"/>
+            <a:ext cx="2971800" cy="457200"/>
+          </a:xfrm>
+          <a:prstGeom prst="rect">
+            <a:avLst/>
+          </a:prstGeom>
+        </p:spPr>
+        <p:txBody>
+          <a:bodyPr vert="horz" lIns="91440" tIns="45720" rIns="91440" bIns="45720" rtlCol="0" anchor="b"/>
+          <a:lstStyle>
+            <a:lvl1pPr algn="r">
+              <a:defRPr sz="1200"/>
+            </a:lvl1pPr>
+          </a:lstStyle>
+          <a:p>
+            <a:fld id="{AAB3DF41-A1DD-40C2-81C2-7C757221A446}" type="slidenum">
+              <a:rPr lang="en-US" smtClean="0"/>
+              <a:t>‹#›</a:t>
+            </a:fld>
+            <a:endParaRPr lang="en-US"/>
+          </a:p>
+        </p:txBody>
+      </p:sp>
+    </p:spTree>
+  </p:cSld>
+  <p:clrMap bg1="lt1" tx1="dk1" bg2="lt2" tx2="dk2" accent1="accent1" accent2="accent2" accent3="accent3" accent4="accent4" accent5="accent5" accent6="accent6" hlink="hlink" folHlink="folHlink"/>
+  <p:notesStyle>
+    <a:lvl1pPr marL="0" algn="l" defTabSz="914400" rtl="0" eaLnBrk="1" latinLnBrk="0" hangingPunct="1">
+      <a:defRPr sz="1200" kern="1200">
+        <a:solidFill>
+          <a:schemeClr val="tx1"/>
+        </a:solidFill>
+        <a:latin typeface="+mn-lt"/>
+        <a:ea typeface="+mn-ea"/>
+        <a:cs typeface="+mn-cs"/>
+      </a:defRPr>
+    </a:lvl1pPr>
+    <a:lvl2pPr marL="457200" algn="l" defTabSz="914400" rtl="0" eaLnBrk="1" latinLnBrk="0" hangingPunct="1">
+      <a:defRPr sz="1200" kern="1200">
+        <a:solidFill>
+          <a:schemeClr val="tx1"/>
+        </a:solidFill>
+        <a:latin typeface="+mn-lt"/>
+        <a:ea typeface="+mn-ea"/>
+        <a:cs typeface="+mn-cs"/>
+      </a:defRPr>
+    </a:lvl2pPr>
+    <a:lvl3pPr marL="914400" algn="l" defTabSz="914400" rtl="0" eaLnBrk="1" latinLnBrk="0" hangingPunct="1">
+      <a:defRPr sz="1200" kern="1200">
+        <a:solidFill>
+          <a:schemeClr val="tx1"/>
+        </a:solidFill>
+        <a:latin typeface="+mn-lt"/>
+        <a:ea typeface="+mn-ea"/>
+        <a:cs typeface="+mn-cs"/>
+      </a:defRPr>
+    </a:lvl3pPr>
+    <a:lvl4pPr marL="1371600" algn="l" defTabSz="914400" rtl="0" eaLnBrk="1" latinLnBrk="0" hangingPunct="1">
+      <a:defRPr sz="1200" kern="1200">
+        <a:solidFill>
+          <a:schemeClr val="tx1"/>
+        </a:solidFill>
+        <a:latin typeface="+mn-lt"/>
+        <a:ea typeface="+mn-ea"/>
+        <a:cs typeface="+mn-cs"/>
+      </a:defRPr>
+    </a:lvl4pPr>
+    <a:lvl5pPr marL="1828800" algn="l" defTabSz="914400" rtl="0" eaLnBrk="1" latinLnBrk="0" hangingPunct="1">
+      <a:defRPr sz="1200" kern="1200">
+        <a:solidFill>
+          <a:schemeClr val="tx1"/>
+        </a:solidFill>
+        <a:latin typeface="+mn-lt"/>
+        <a:ea typeface="+mn-ea"/>
+        <a:cs typeface="+mn-cs"/>
+      </a:defRPr>
+    </a:lvl5pPr>
+    <a:lvl6pPr marL="2286000" algn="l" defTabSz="914400" rtl="0" eaLnBrk="1" latinLnBrk="0" hangingPunct="1">
+      <a:defRPr sz="1200" kern="1200">
+        <a:solidFill>
+          <a:schemeClr val="tx1"/>
+        </a:solidFill>
+        <a:latin typeface="+mn-lt"/>
+        <a:ea typeface="+mn-ea"/>
+        <a:cs typeface="+mn-cs"/>
+      </a:defRPr>
+    </a:lvl6pPr>
+    <a:lvl7pPr marL="2743200" algn="l" defTabSz="914400" rtl="0" eaLnBrk="1" latinLnBrk="0" hangingPunct="1">
+      <a:defRPr sz="1200" kern="1200">
+        <a:solidFill>
+          <a:schemeClr val="tx1"/>
+        </a:solidFill>
+        <a:latin typeface="+mn-lt"/>
+        <a:ea typeface="+mn-ea"/>
+        <a:cs typeface="+mn-cs"/>
+      </a:defRPr>
+    </a:lvl7pPr>
+    <a:lvl8pPr marL="3200400" algn="l" defTabSz="914400" rtl="0" eaLnBrk="1" latinLnBrk="0" hangingPunct="1">
+      <a:defRPr sz="1200" kern="1200">
+        <a:solidFill>
+          <a:schemeClr val="tx1"/>
+        </a:solidFill>
+        <a:latin typeface="+mn-lt"/>
+        <a:ea typeface="+mn-ea"/>
+        <a:cs typeface="+mn-cs"/>
+      </a:defRPr>
+    </a:lvl8pPr>
+    <a:lvl9pPr marL="3657600" algn="l" defTabSz="914400" rtl="0" eaLnBrk="1" latinLnBrk="0" hangingPunct="1">
+      <a:defRPr sz="1200" kern="1200">
+        <a:solidFill>
+          <a:schemeClr val="tx1"/>
+        </a:solidFill>
+        <a:latin typeface="+mn-lt"/>
+        <a:ea typeface="+mn-ea"/>
+        <a:cs typeface="+mn-cs"/>
+      </a:defRPr>
+    </a:lvl9pPr>
+  </p:notesStyle>
+</p:notesMaster>
+</file>
+
+<file path=ppt/notesSlides/notesSlide1.xml><?xml version="1.0" encoding="utf-8"?>
+<p:notes xmlns:a="http://schemas.openxmlformats.org/drawingml/2006/main" xmlns:r="http://schemas.openxmlformats.org/officeDocument/2006/relationships" xmlns:p="http://schemas.openxmlformats.org/presentationml/2006/main">
+  <p:cSld>
+    <p:spTree>
+      <p:nvGrpSpPr>
+        <p:cNvPr id="1" name=""/>
+        <p:cNvGrpSpPr/>
+        <p:nvPr/>
+      </p:nvGrpSpPr>
+      <p:grpSpPr>
+        <a:xfrm>
+          <a:off x="0" y="0"/>
+          <a:ext cx="0" cy="0"/>
+          <a:chOff x="0" y="0"/>
+          <a:chExt cx="0" cy="0"/>
+        </a:xfrm>
+      </p:grpSpPr>
+      <p:sp>
+        <p:nvSpPr>
+          <p:cNvPr id="2" name="Slide Image Placeholder 1"/>
+          <p:cNvSpPr>
+            <a:spLocks noGrp="1" noRot="1" noChangeAspect="1"/>
+          </p:cNvSpPr>
+          <p:nvPr>
+            <p:ph type="sldImg"/>
+          </p:nvPr>
+        </p:nvSpPr>
+        <p:spPr/>
+      </p:sp>
+      <p:sp>
+        <p:nvSpPr>
+          <p:cNvPr id="3" name="Notes Placeholder 2"/>
+          <p:cNvSpPr>
+            <a:spLocks noGrp="1"/>
+          </p:cNvSpPr>
+          <p:nvPr>
+            <p:ph type="body" idx="1"/>
+          </p:nvPr>
+        </p:nvSpPr>
+        <p:spPr/>
+        <p:txBody>
+          <a:bodyPr>
+            <a:normAutofit/>
+          </a:bodyPr>
+          <a:lstStyle/>
+          <a:p>
+            <a:r>
+              <a:rPr lang="en-US" sz="1200" kern="1200" dirty="0" smtClean="0">
+                <a:solidFill>
+                  <a:schemeClr val="tx1"/>
+                </a:solidFill>
+                <a:latin typeface="+mn-lt"/>
+                <a:ea typeface="+mn-ea"/>
+                <a:cs typeface="+mn-cs"/>
+              </a:rPr>
+              <a:t>Give an explanation for the concepts method, parameter scope and property</a:t>
+            </a:r>
+          </a:p>
+          <a:p>
+            <a:r>
+              <a:rPr lang="en-US" sz="1200" kern="1200" dirty="0" smtClean="0">
+                <a:solidFill>
+                  <a:schemeClr val="tx1"/>
+                </a:solidFill>
+                <a:latin typeface="+mn-lt"/>
+                <a:ea typeface="+mn-ea"/>
+                <a:cs typeface="+mn-cs"/>
+              </a:rPr>
+              <a:t> </a:t>
+            </a:r>
+          </a:p>
+          <a:p>
+            <a:r>
+              <a:rPr lang="en-US" sz="1200" kern="1200" dirty="0" smtClean="0">
+                <a:solidFill>
+                  <a:schemeClr val="tx1"/>
+                </a:solidFill>
+                <a:latin typeface="+mn-lt"/>
+                <a:ea typeface="+mn-ea"/>
+                <a:cs typeface="+mn-cs"/>
+              </a:rPr>
+              <a:t>Relevant theoretical decisions</a:t>
+            </a:r>
+          </a:p>
+          <a:p>
+            <a:pPr lvl="0"/>
+            <a:r>
+              <a:rPr lang="en-US" sz="1200" kern="1200" dirty="0" smtClean="0">
+                <a:solidFill>
+                  <a:schemeClr val="tx1"/>
+                </a:solidFill>
+                <a:latin typeface="+mn-lt"/>
+                <a:ea typeface="+mn-ea"/>
+                <a:cs typeface="+mn-cs"/>
+              </a:rPr>
+              <a:t>What is a method, when and how is it used?</a:t>
+            </a:r>
+          </a:p>
+          <a:p>
+            <a:pPr lvl="0"/>
+            <a:r>
+              <a:rPr lang="en-US" sz="1200" kern="1200" dirty="0" smtClean="0">
+                <a:solidFill>
+                  <a:schemeClr val="tx1"/>
+                </a:solidFill>
+                <a:latin typeface="+mn-lt"/>
+                <a:ea typeface="+mn-ea"/>
+                <a:cs typeface="+mn-cs"/>
+              </a:rPr>
+              <a:t>What kind of methods is common in C# programs?</a:t>
+            </a:r>
+          </a:p>
+          <a:p>
+            <a:pPr lvl="0"/>
+            <a:r>
+              <a:rPr lang="en-US" sz="1200" kern="1200" dirty="0" smtClean="0">
+                <a:solidFill>
+                  <a:schemeClr val="tx1"/>
+                </a:solidFill>
+                <a:latin typeface="+mn-lt"/>
+                <a:ea typeface="+mn-ea"/>
+                <a:cs typeface="+mn-cs"/>
+              </a:rPr>
+              <a:t>What is the difference between arguments and parameters?</a:t>
+            </a:r>
+          </a:p>
+          <a:p>
+            <a:pPr lvl="0"/>
+            <a:r>
+              <a:rPr lang="en-US" sz="1200" kern="1200" dirty="0" smtClean="0">
+                <a:solidFill>
+                  <a:schemeClr val="tx1"/>
+                </a:solidFill>
+                <a:latin typeface="+mn-lt"/>
+                <a:ea typeface="+mn-ea"/>
+                <a:cs typeface="+mn-cs"/>
+              </a:rPr>
+              <a:t>What is the difference between value and reference parameters?</a:t>
+            </a:r>
+          </a:p>
+          <a:p>
+            <a:pPr lvl="0"/>
+            <a:r>
+              <a:rPr lang="en-US" sz="1200" kern="1200" dirty="0" smtClean="0">
+                <a:solidFill>
+                  <a:schemeClr val="tx1"/>
+                </a:solidFill>
+                <a:latin typeface="+mn-lt"/>
+                <a:ea typeface="+mn-ea"/>
+                <a:cs typeface="+mn-cs"/>
+              </a:rPr>
+              <a:t>What is meant by the word scope?</a:t>
+            </a:r>
+          </a:p>
+          <a:p>
+            <a:pPr lvl="0"/>
+            <a:r>
+              <a:rPr lang="en-US" sz="1200" kern="1200" dirty="0" smtClean="0">
+                <a:solidFill>
+                  <a:schemeClr val="tx1"/>
+                </a:solidFill>
+                <a:latin typeface="+mn-lt"/>
+                <a:ea typeface="+mn-ea"/>
+                <a:cs typeface="+mn-cs"/>
+              </a:rPr>
+              <a:t>What are properties, how and why are they used or useful?</a:t>
+            </a:r>
+            <a:endParaRPr lang="en-US" sz="1200" kern="1200" smtClean="0">
+              <a:solidFill>
+                <a:schemeClr val="tx1"/>
+              </a:solidFill>
+              <a:latin typeface="+mn-lt"/>
+              <a:ea typeface="+mn-ea"/>
+              <a:cs typeface="+mn-cs"/>
+            </a:endParaRPr>
+          </a:p>
+          <a:p>
+            <a:endParaRPr lang="en-US"/>
+          </a:p>
+        </p:txBody>
+      </p:sp>
+      <p:sp>
+        <p:nvSpPr>
+          <p:cNvPr id="4" name="Slide Number Placeholder 3"/>
+          <p:cNvSpPr>
+            <a:spLocks noGrp="1"/>
+          </p:cNvSpPr>
+          <p:nvPr>
+            <p:ph type="sldNum" sz="quarter" idx="10"/>
+          </p:nvPr>
+        </p:nvSpPr>
+        <p:spPr/>
+        <p:txBody>
+          <a:bodyPr/>
+          <a:lstStyle/>
+          <a:p>
+            <a:fld id="{AAB3DF41-A1DD-40C2-81C2-7C757221A446}" type="slidenum">
+              <a:rPr lang="en-US" smtClean="0"/>
+              <a:t>1</a:t>
+            </a:fld>
+            <a:endParaRPr lang="en-US"/>
+          </a:p>
+        </p:txBody>
+      </p:sp>
+    </p:spTree>
+  </p:cSld>
+  <p:clrMapOvr>
+    <a:masterClrMapping/>
+  </p:clrMapOvr>
+</p:notes>
 </file>
 
 <file path=ppt/slideLayouts/slideLayout1.xml><?xml version="1.0" encoding="utf-8"?>
@@ -4091,4 +4653,287 @@
   <a:objectDefaults/>
   <a:extraClrSchemeLst/>
 </a:theme>
+</file>
+
+<file path=ppt/theme/theme2.xml><?xml version="1.0" encoding="utf-8"?>
+<a:theme xmlns:a="http://schemas.openxmlformats.org/drawingml/2006/main" name="Office Theme">
+  <a:themeElements>
+    <a:clrScheme name="Office">
+      <a:dk1>
+        <a:sysClr val="windowText" lastClr="000000"/>
+      </a:dk1>
+      <a:lt1>
+        <a:sysClr val="window" lastClr="FFFFFF"/>
+      </a:lt1>
+      <a:dk2>
+        <a:srgbClr val="1F497D"/>
+      </a:dk2>
+      <a:lt2>
+        <a:srgbClr val="EEECE1"/>
+      </a:lt2>
+      <a:accent1>
+        <a:srgbClr val="4F81BD"/>
+      </a:accent1>
+      <a:accent2>
+        <a:srgbClr val="C0504D"/>
+      </a:accent2>
+      <a:accent3>
+        <a:srgbClr val="9BBB59"/>
+      </a:accent3>
+      <a:accent4>
+        <a:srgbClr val="8064A2"/>
+      </a:accent4>
+      <a:accent5>
+        <a:srgbClr val="4BACC6"/>
+      </a:accent5>
+      <a:accent6>
+        <a:srgbClr val="F79646"/>
+      </a:accent6>
+      <a:hlink>
+        <a:srgbClr val="0000FF"/>
+      </a:hlink>
+      <a:folHlink>
+        <a:srgbClr val="800080"/>
+      </a:folHlink>
+    </a:clrScheme>
+    <a:fontScheme name="Office">
+      <a:majorFont>
+        <a:latin typeface="Calibri"/>
+        <a:ea typeface=""/>
+        <a:cs typeface=""/>
+        <a:font script="Jpan" typeface="ＭＳ Ｐゴシック"/>
+        <a:font script="Hang" typeface="맑은 고딕"/>
+        <a:font script="Hans" typeface="宋体"/>
+        <a:font script="Hant" typeface="新細明體"/>
+        <a:font script="Arab" typeface="Times New Roman"/>
+        <a:font script="Hebr" typeface="Times New Roman"/>
+        <a:font script="Thai" typeface="Angsana New"/>
+        <a:font script="Ethi" typeface="Nyala"/>
+        <a:font script="Beng" typeface="Vrinda"/>
+        <a:font script="Gujr" typeface="Shruti"/>
+        <a:font script="Khmr" typeface="MoolBoran"/>
+        <a:font script="Knda" typeface="Tunga"/>
+        <a:font script="Guru" typeface="Raavi"/>
+        <a:font script="Cans" typeface="Euphemia"/>
+        <a:font script="Cher" typeface="Plantagenet Cherokee"/>
+        <a:font script="Yiii" typeface="Microsoft Yi Baiti"/>
+        <a:font script="Tibt" typeface="Microsoft Himalaya"/>
+        <a:font script="Thaa" typeface="MV Boli"/>
+        <a:font script="Deva" typeface="Mangal"/>
+        <a:font script="Telu" typeface="Gautami"/>
+        <a:font script="Taml" typeface="Latha"/>
+        <a:font script="Syrc" typeface="Estrangelo Edessa"/>
+        <a:font script="Orya" typeface="Kalinga"/>
+        <a:font script="Mlym" typeface="Kartika"/>
+        <a:font script="Laoo" typeface="DokChampa"/>
+        <a:font script="Sinh" typeface="Iskoola Pota"/>
+        <a:font script="Mong" typeface="Mongolian Baiti"/>
+        <a:font script="Viet" typeface="Times New Roman"/>
+        <a:font script="Uigh" typeface="Microsoft Uighur"/>
+      </a:majorFont>
+      <a:minorFont>
+        <a:latin typeface="Calibri"/>
+        <a:ea typeface=""/>
+        <a:cs typeface=""/>
+        <a:font script="Jpan" typeface="ＭＳ Ｐゴシック"/>
+        <a:font script="Hang" typeface="맑은 고딕"/>
+        <a:font script="Hans" typeface="宋体"/>
+        <a:font script="Hant" typeface="新細明體"/>
+        <a:font script="Arab" typeface="Arial"/>
+        <a:font script="Hebr" typeface="Arial"/>
+        <a:font script="Thai" typeface="Cordia New"/>
+        <a:font script="Ethi" typeface="Nyala"/>
+        <a:font script="Beng" typeface="Vrinda"/>
+        <a:font script="Gujr" typeface="Shruti"/>
+        <a:font script="Khmr" typeface="DaunPenh"/>
+        <a:font script="Knda" typeface="Tunga"/>
+        <a:font script="Guru" typeface="Raavi"/>
+        <a:font script="Cans" typeface="Euphemia"/>
+        <a:font script="Cher" typeface="Plantagenet Cherokee"/>
+        <a:font script="Yiii" typeface="Microsoft Yi Baiti"/>
+        <a:font script="Tibt" typeface="Microsoft Himalaya"/>
+        <a:font script="Thaa" typeface="MV Boli"/>
+        <a:font script="Deva" typeface="Mangal"/>
+        <a:font script="Telu" typeface="Gautami"/>
+        <a:font script="Taml" typeface="Latha"/>
+        <a:font script="Syrc" typeface="Estrangelo Edessa"/>
+        <a:font script="Orya" typeface="Kalinga"/>
+        <a:font script="Mlym" typeface="Kartika"/>
+        <a:font script="Laoo" typeface="DokChampa"/>
+        <a:font script="Sinh" typeface="Iskoola Pota"/>
+        <a:font script="Mong" typeface="Mongolian Baiti"/>
+        <a:font script="Viet" typeface="Arial"/>
+        <a:font script="Uigh" typeface="Microsoft Uighur"/>
+      </a:minorFont>
+    </a:fontScheme>
+    <a:fmtScheme name="Office">
+      <a:fillStyleLst>
+        <a:solidFill>
+          <a:schemeClr val="phClr"/>
+        </a:solidFill>
+        <a:gradFill rotWithShape="1">
+          <a:gsLst>
+            <a:gs pos="0">
+              <a:schemeClr val="phClr">
+                <a:tint val="50000"/>
+                <a:satMod val="300000"/>
+              </a:schemeClr>
+            </a:gs>
+            <a:gs pos="35000">
+              <a:schemeClr val="phClr">
+                <a:tint val="37000"/>
+                <a:satMod val="300000"/>
+              </a:schemeClr>
+            </a:gs>
+            <a:gs pos="100000">
+              <a:schemeClr val="phClr">
+                <a:tint val="15000"/>
+                <a:satMod val="350000"/>
+              </a:schemeClr>
+            </a:gs>
+          </a:gsLst>
+          <a:lin ang="16200000" scaled="1"/>
+        </a:gradFill>
+        <a:gradFill rotWithShape="1">
+          <a:gsLst>
+            <a:gs pos="0">
+              <a:schemeClr val="phClr">
+                <a:shade val="51000"/>
+                <a:satMod val="130000"/>
+              </a:schemeClr>
+            </a:gs>
+            <a:gs pos="80000">
+              <a:schemeClr val="phClr">
+                <a:shade val="93000"/>
+                <a:satMod val="130000"/>
+              </a:schemeClr>
+            </a:gs>
+            <a:gs pos="100000">
+              <a:schemeClr val="phClr">
+                <a:shade val="94000"/>
+                <a:satMod val="135000"/>
+              </a:schemeClr>
+            </a:gs>
+          </a:gsLst>
+          <a:lin ang="16200000" scaled="0"/>
+        </a:gradFill>
+      </a:fillStyleLst>
+      <a:lnStyleLst>
+        <a:ln w="9525" cap="flat" cmpd="sng" algn="ctr">
+          <a:solidFill>
+            <a:schemeClr val="phClr">
+              <a:shade val="95000"/>
+              <a:satMod val="105000"/>
+            </a:schemeClr>
+          </a:solidFill>
+          <a:prstDash val="solid"/>
+        </a:ln>
+        <a:ln w="25400" cap="flat" cmpd="sng" algn="ctr">
+          <a:solidFill>
+            <a:schemeClr val="phClr"/>
+          </a:solidFill>
+          <a:prstDash val="solid"/>
+        </a:ln>
+        <a:ln w="38100" cap="flat" cmpd="sng" algn="ctr">
+          <a:solidFill>
+            <a:schemeClr val="phClr"/>
+          </a:solidFill>
+          <a:prstDash val="solid"/>
+        </a:ln>
+      </a:lnStyleLst>
+      <a:effectStyleLst>
+        <a:effectStyle>
+          <a:effectLst>
+            <a:outerShdw blurRad="40000" dist="20000" dir="5400000" rotWithShape="0">
+              <a:srgbClr val="000000">
+                <a:alpha val="38000"/>
+              </a:srgbClr>
+            </a:outerShdw>
+          </a:effectLst>
+        </a:effectStyle>
+        <a:effectStyle>
+          <a:effectLst>
+            <a:outerShdw blurRad="40000" dist="23000" dir="5400000" rotWithShape="0">
+              <a:srgbClr val="000000">
+                <a:alpha val="35000"/>
+              </a:srgbClr>
+            </a:outerShdw>
+          </a:effectLst>
+        </a:effectStyle>
+        <a:effectStyle>
+          <a:effectLst>
+            <a:outerShdw blurRad="40000" dist="23000" dir="5400000" rotWithShape="0">
+              <a:srgbClr val="000000">
+                <a:alpha val="35000"/>
+              </a:srgbClr>
+            </a:outerShdw>
+          </a:effectLst>
+          <a:scene3d>
+            <a:camera prst="orthographicFront">
+              <a:rot lat="0" lon="0" rev="0"/>
+            </a:camera>
+            <a:lightRig rig="threePt" dir="t">
+              <a:rot lat="0" lon="0" rev="1200000"/>
+            </a:lightRig>
+          </a:scene3d>
+          <a:sp3d>
+            <a:bevelT w="63500" h="25400"/>
+          </a:sp3d>
+        </a:effectStyle>
+      </a:effectStyleLst>
+      <a:bgFillStyleLst>
+        <a:solidFill>
+          <a:schemeClr val="phClr"/>
+        </a:solidFill>
+        <a:gradFill rotWithShape="1">
+          <a:gsLst>
+            <a:gs pos="0">
+              <a:schemeClr val="phClr">
+                <a:tint val="40000"/>
+                <a:satMod val="350000"/>
+              </a:schemeClr>
+            </a:gs>
+            <a:gs pos="40000">
+              <a:schemeClr val="phClr">
+                <a:tint val="45000"/>
+                <a:shade val="99000"/>
+                <a:satMod val="350000"/>
+              </a:schemeClr>
+            </a:gs>
+            <a:gs pos="100000">
+              <a:schemeClr val="phClr">
+                <a:shade val="20000"/>
+                <a:satMod val="255000"/>
+              </a:schemeClr>
+            </a:gs>
+          </a:gsLst>
+          <a:path path="circle">
+            <a:fillToRect l="50000" t="-80000" r="50000" b="180000"/>
+          </a:path>
+        </a:gradFill>
+        <a:gradFill rotWithShape="1">
+          <a:gsLst>
+            <a:gs pos="0">
+              <a:schemeClr val="phClr">
+                <a:tint val="80000"/>
+                <a:satMod val="300000"/>
+              </a:schemeClr>
+            </a:gs>
+            <a:gs pos="100000">
+              <a:schemeClr val="phClr">
+                <a:shade val="30000"/>
+                <a:satMod val="200000"/>
+              </a:schemeClr>
+            </a:gs>
+          </a:gsLst>
+          <a:path path="circle">
+            <a:fillToRect l="50000" t="50000" r="50000" b="50000"/>
+          </a:path>
+        </a:gradFill>
+      </a:bgFillStyleLst>
+    </a:fmtScheme>
+  </a:themeElements>
+  <a:objectDefaults/>
+  <a:extraClrSchemeLst/>
+</a:theme>
 </file>
--- a/OOPExam/06 Methods, parameters, scope and properties.pptx
+++ b/OOPExam/06 Methods, parameters, scope and properties.pptx
@@ -5,18 +5,19 @@
     <p:sldMasterId id="2147483648" r:id="rId1"/>
   </p:sldMasterIdLst>
   <p:notesMasterIdLst>
-    <p:notesMasterId r:id="rId11"/>
+    <p:notesMasterId r:id="rId12"/>
   </p:notesMasterIdLst>
   <p:sldIdLst>
     <p:sldId id="256" r:id="rId2"/>
     <p:sldId id="257" r:id="rId3"/>
-    <p:sldId id="261" r:id="rId4"/>
-    <p:sldId id="259" r:id="rId5"/>
-    <p:sldId id="258" r:id="rId6"/>
-    <p:sldId id="264" r:id="rId7"/>
-    <p:sldId id="262" r:id="rId8"/>
-    <p:sldId id="260" r:id="rId9"/>
+    <p:sldId id="259" r:id="rId4"/>
+    <p:sldId id="261" r:id="rId5"/>
+    <p:sldId id="265" r:id="rId6"/>
+    <p:sldId id="258" r:id="rId7"/>
+    <p:sldId id="266" r:id="rId8"/>
+    <p:sldId id="262" r:id="rId9"/>
     <p:sldId id="263" r:id="rId10"/>
+    <p:sldId id="264" r:id="rId11"/>
   </p:sldIdLst>
   <p:sldSz cx="9144000" cy="6858000" type="screen4x3"/>
   <p:notesSz cx="6858000" cy="9144000"/>
@@ -200,7 +201,8 @@
           <a:p>
             <a:fld id="{C1CD3A25-823B-4BBE-807B-09C859F752B0}" type="datetimeFigureOut">
               <a:rPr lang="en-US" smtClean="0"/>
-              <a:t>1/12/2010</a:t>
+              <a:pPr/>
+              <a:t>1/19/2010</a:t>
             </a:fld>
             <a:endParaRPr lang="en-US"/>
           </a:p>
@@ -361,7 +363,8 @@
           <a:p>
             <a:fld id="{AAB3DF41-A1DD-40C2-81C2-7C757221A446}" type="slidenum">
               <a:rPr lang="en-US" smtClean="0"/>
-              <a:t>‹#›</a:t>
+              <a:pPr/>
+              <a:t>‹nr.›</a:t>
             </a:fld>
             <a:endParaRPr lang="en-US"/>
           </a:p>
@@ -632,23 +635,255 @@
               </a:rPr>
               <a:t>What are properties, how and why are they used or useful?</a:t>
             </a:r>
-            <a:endParaRPr lang="en-US" sz="1200" kern="1200" smtClean="0">
-              <a:solidFill>
-                <a:schemeClr val="tx1"/>
-              </a:solidFill>
-              <a:latin typeface="+mn-lt"/>
-              <a:ea typeface="+mn-ea"/>
-              <a:cs typeface="+mn-cs"/>
-            </a:endParaRPr>
-          </a:p>
-          <a:p>
+          </a:p>
+          <a:p>
+            <a:endParaRPr lang="en-US" dirty="0"/>
+          </a:p>
+        </p:txBody>
+      </p:sp>
+      <p:sp>
+        <p:nvSpPr>
+          <p:cNvPr id="4" name="Slide Number Placeholder 3"/>
+          <p:cNvSpPr>
+            <a:spLocks noGrp="1"/>
+          </p:cNvSpPr>
+          <p:nvPr>
+            <p:ph type="sldNum" sz="quarter" idx="10"/>
+          </p:nvPr>
+        </p:nvSpPr>
+        <p:spPr/>
+        <p:txBody>
+          <a:bodyPr/>
+          <a:lstStyle/>
+          <a:p>
+            <a:fld id="{AAB3DF41-A1DD-40C2-81C2-7C757221A446}" type="slidenum">
+              <a:rPr lang="en-US" smtClean="0"/>
+              <a:pPr/>
+              <a:t>1</a:t>
+            </a:fld>
             <a:endParaRPr lang="en-US"/>
           </a:p>
         </p:txBody>
       </p:sp>
-      <p:sp>
-        <p:nvSpPr>
-          <p:cNvPr id="4" name="Slide Number Placeholder 3"/>
+    </p:spTree>
+  </p:cSld>
+  <p:clrMapOvr>
+    <a:masterClrMapping/>
+  </p:clrMapOvr>
+</p:notes>
+</file>
+
+<file path=ppt/notesSlides/notesSlide2.xml><?xml version="1.0" encoding="utf-8"?>
+<p:notes xmlns:a="http://schemas.openxmlformats.org/drawingml/2006/main" xmlns:r="http://schemas.openxmlformats.org/officeDocument/2006/relationships" xmlns:p="http://schemas.openxmlformats.org/presentationml/2006/main">
+  <p:cSld>
+    <p:spTree>
+      <p:nvGrpSpPr>
+        <p:cNvPr id="1" name=""/>
+        <p:cNvGrpSpPr/>
+        <p:nvPr/>
+      </p:nvGrpSpPr>
+      <p:grpSpPr>
+        <a:xfrm>
+          <a:off x="0" y="0"/>
+          <a:ext cx="0" cy="0"/>
+          <a:chOff x="0" y="0"/>
+          <a:chExt cx="0" cy="0"/>
+        </a:xfrm>
+      </p:grpSpPr>
+      <p:sp>
+        <p:nvSpPr>
+          <p:cNvPr id="2" name="Pladsholder til diasbillede 1"/>
+          <p:cNvSpPr>
+            <a:spLocks noGrp="1" noRot="1" noChangeAspect="1"/>
+          </p:cNvSpPr>
+          <p:nvPr>
+            <p:ph type="sldImg"/>
+          </p:nvPr>
+        </p:nvSpPr>
+        <p:spPr/>
+      </p:sp>
+      <p:sp>
+        <p:nvSpPr>
+          <p:cNvPr id="3" name="Pladsholder til noter 2"/>
+          <p:cNvSpPr>
+            <a:spLocks noGrp="1"/>
+          </p:cNvSpPr>
+          <p:nvPr>
+            <p:ph type="body" idx="1"/>
+          </p:nvPr>
+        </p:nvSpPr>
+        <p:spPr/>
+        <p:txBody>
+          <a:bodyPr>
+            <a:normAutofit/>
+          </a:bodyPr>
+          <a:lstStyle/>
+          <a:p>
+            <a:pPr marL="0" marR="0" indent="0" algn="l" defTabSz="914400" rtl="0" eaLnBrk="1" fontAlgn="auto" latinLnBrk="0" hangingPunct="1">
+              <a:lnSpc>
+                <a:spcPct val="100000"/>
+              </a:lnSpc>
+              <a:spcBef>
+                <a:spcPts val="0"/>
+              </a:spcBef>
+              <a:spcAft>
+                <a:spcPts val="0"/>
+              </a:spcAft>
+              <a:buClrTx/>
+              <a:buSzTx/>
+              <a:buFontTx/>
+              <a:buNone/>
+              <a:tabLst/>
+              <a:defRPr/>
+            </a:pPr>
+            <a:r>
+              <a:rPr lang="en-US" dirty="0" smtClean="0"/>
+              <a:t>Our application uses list to contain the cards and the </a:t>
+            </a:r>
+            <a:r>
+              <a:rPr lang="en-US" dirty="0" err="1" smtClean="0"/>
+              <a:t>foreach</a:t>
+            </a:r>
+            <a:r>
+              <a:rPr lang="en-US" dirty="0" smtClean="0"/>
+              <a:t> statement to manage the cards</a:t>
+            </a:r>
+          </a:p>
+          <a:p>
+            <a:pPr marL="0" marR="0" indent="0" algn="l" defTabSz="914400" rtl="0" eaLnBrk="1" fontAlgn="auto" latinLnBrk="0" hangingPunct="1">
+              <a:lnSpc>
+                <a:spcPct val="100000"/>
+              </a:lnSpc>
+              <a:spcBef>
+                <a:spcPts val="0"/>
+              </a:spcBef>
+              <a:spcAft>
+                <a:spcPts val="0"/>
+              </a:spcAft>
+              <a:buClrTx/>
+              <a:buSzTx/>
+              <a:buFontTx/>
+              <a:buNone/>
+              <a:tabLst/>
+              <a:defRPr/>
+            </a:pPr>
+            <a:endParaRPr lang="en-US" dirty="0" smtClean="0"/>
+          </a:p>
+          <a:p>
+            <a:pPr marL="0" marR="0" indent="0" algn="l" defTabSz="914400" rtl="0" eaLnBrk="1" fontAlgn="auto" latinLnBrk="0" hangingPunct="1">
+              <a:lnSpc>
+                <a:spcPct val="100000"/>
+              </a:lnSpc>
+              <a:spcBef>
+                <a:spcPts val="0"/>
+              </a:spcBef>
+              <a:spcAft>
+                <a:spcPts val="0"/>
+              </a:spcAft>
+              <a:buClrTx/>
+              <a:buSzTx/>
+              <a:buFontTx/>
+              <a:buNone/>
+              <a:tabLst/>
+              <a:defRPr/>
+            </a:pPr>
+            <a:r>
+              <a:rPr lang="en-US" dirty="0" smtClean="0"/>
+              <a:t>Our application contains a</a:t>
+            </a:r>
+            <a:r>
+              <a:rPr lang="en-US" baseline="0" dirty="0" smtClean="0"/>
+              <a:t> simple card class, and a deck class.</a:t>
+            </a:r>
+          </a:p>
+          <a:p>
+            <a:pPr marL="0" marR="0" indent="0" algn="l" defTabSz="914400" rtl="0" eaLnBrk="1" fontAlgn="auto" latinLnBrk="0" hangingPunct="1">
+              <a:lnSpc>
+                <a:spcPct val="100000"/>
+              </a:lnSpc>
+              <a:spcBef>
+                <a:spcPts val="0"/>
+              </a:spcBef>
+              <a:spcAft>
+                <a:spcPts val="0"/>
+              </a:spcAft>
+              <a:buClrTx/>
+              <a:buSzTx/>
+              <a:buFontTx/>
+              <a:buNone/>
+              <a:tabLst/>
+              <a:defRPr/>
+            </a:pPr>
+            <a:endParaRPr lang="en-US" baseline="0" dirty="0" smtClean="0"/>
+          </a:p>
+          <a:p>
+            <a:pPr marL="0" marR="0" indent="0" algn="l" defTabSz="914400" rtl="0" eaLnBrk="1" fontAlgn="auto" latinLnBrk="0" hangingPunct="1">
+              <a:lnSpc>
+                <a:spcPct val="100000"/>
+              </a:lnSpc>
+              <a:spcBef>
+                <a:spcPts val="0"/>
+              </a:spcBef>
+              <a:spcAft>
+                <a:spcPts val="0"/>
+              </a:spcAft>
+              <a:buClrTx/>
+              <a:buSzTx/>
+              <a:buFontTx/>
+              <a:buNone/>
+              <a:tabLst/>
+              <a:defRPr/>
+            </a:pPr>
+            <a:r>
+              <a:rPr lang="en-US" baseline="0" dirty="0" smtClean="0"/>
+              <a:t>A deck of cards is a list that contains objects of the type card.</a:t>
+            </a:r>
+          </a:p>
+          <a:p>
+            <a:pPr marL="0" marR="0" indent="0" algn="l" defTabSz="914400" rtl="0" eaLnBrk="1" fontAlgn="auto" latinLnBrk="0" hangingPunct="1">
+              <a:lnSpc>
+                <a:spcPct val="100000"/>
+              </a:lnSpc>
+              <a:spcBef>
+                <a:spcPts val="0"/>
+              </a:spcBef>
+              <a:spcAft>
+                <a:spcPts val="0"/>
+              </a:spcAft>
+              <a:buClrTx/>
+              <a:buSzTx/>
+              <a:buFontTx/>
+              <a:buNone/>
+              <a:tabLst/>
+              <a:defRPr/>
+            </a:pPr>
+            <a:endParaRPr lang="en-US" baseline="0" dirty="0" smtClean="0"/>
+          </a:p>
+          <a:p>
+            <a:pPr marL="0" marR="0" indent="0" algn="l" defTabSz="914400" rtl="0" eaLnBrk="1" fontAlgn="auto" latinLnBrk="0" hangingPunct="1">
+              <a:lnSpc>
+                <a:spcPct val="100000"/>
+              </a:lnSpc>
+              <a:spcBef>
+                <a:spcPts val="0"/>
+              </a:spcBef>
+              <a:spcAft>
+                <a:spcPts val="0"/>
+              </a:spcAft>
+              <a:buClrTx/>
+              <a:buSzTx/>
+              <a:buFontTx/>
+              <a:buNone/>
+              <a:tabLst/>
+              <a:defRPr/>
+            </a:pPr>
+            <a:endParaRPr lang="en-US" dirty="0" smtClean="0"/>
+          </a:p>
+        </p:txBody>
+      </p:sp>
+      <p:sp>
+        <p:nvSpPr>
+          <p:cNvPr id="4" name="Pladsholder til diasnummer 3"/>
           <p:cNvSpPr>
             <a:spLocks noGrp="1"/>
           </p:cNvSpPr>
@@ -661,9 +896,10 @@
           <a:bodyPr/>
           <a:lstStyle/>
           <a:p>
-            <a:fld id="{AAB3DF41-A1DD-40C2-81C2-7C757221A446}" type="slidenum">
-              <a:rPr lang="en-US" smtClean="0"/>
-              <a:t>1</a:t>
+            <a:fld id="{41BD0771-8E2D-46E3-8723-C8AF04A84B8E}" type="slidenum">
+              <a:rPr lang="en-US" smtClean="0"/>
+              <a:pPr/>
+              <a:t>9</a:t>
             </a:fld>
             <a:endParaRPr lang="en-US"/>
           </a:p>
@@ -859,7 +1095,7 @@
             <a:fld id="{3E57D7DC-7299-43C9-BAE2-F335855B8707}" type="datetimeFigureOut">
               <a:rPr lang="en-US" smtClean="0"/>
               <a:pPr/>
-              <a:t>1/12/2010</a:t>
+              <a:t>1/19/2010</a:t>
             </a:fld>
             <a:endParaRPr lang="da-DK"/>
           </a:p>
@@ -902,7 +1138,7 @@
             <a:fld id="{DD09C360-10AD-4B5E-BF9F-FAB61C3D4D92}" type="slidenum">
               <a:rPr lang="da-DK" smtClean="0"/>
               <a:pPr/>
-              <a:t>‹#›</a:t>
+              <a:t>‹nr.›</a:t>
             </a:fld>
             <a:endParaRPr lang="da-DK"/>
           </a:p>
@@ -1026,7 +1262,7 @@
             <a:fld id="{3E57D7DC-7299-43C9-BAE2-F335855B8707}" type="datetimeFigureOut">
               <a:rPr lang="en-US" smtClean="0"/>
               <a:pPr/>
-              <a:t>1/12/2010</a:t>
+              <a:t>1/19/2010</a:t>
             </a:fld>
             <a:endParaRPr lang="da-DK"/>
           </a:p>
@@ -1069,7 +1305,7 @@
             <a:fld id="{DD09C360-10AD-4B5E-BF9F-FAB61C3D4D92}" type="slidenum">
               <a:rPr lang="da-DK" smtClean="0"/>
               <a:pPr/>
-              <a:t>‹#›</a:t>
+              <a:t>‹nr.›</a:t>
             </a:fld>
             <a:endParaRPr lang="da-DK"/>
           </a:p>
@@ -1203,7 +1439,7 @@
             <a:fld id="{3E57D7DC-7299-43C9-BAE2-F335855B8707}" type="datetimeFigureOut">
               <a:rPr lang="en-US" smtClean="0"/>
               <a:pPr/>
-              <a:t>1/12/2010</a:t>
+              <a:t>1/19/2010</a:t>
             </a:fld>
             <a:endParaRPr lang="da-DK"/>
           </a:p>
@@ -1246,7 +1482,7 @@
             <a:fld id="{DD09C360-10AD-4B5E-BF9F-FAB61C3D4D92}" type="slidenum">
               <a:rPr lang="da-DK" smtClean="0"/>
               <a:pPr/>
-              <a:t>‹#›</a:t>
+              <a:t>‹nr.›</a:t>
             </a:fld>
             <a:endParaRPr lang="da-DK"/>
           </a:p>
@@ -1370,7 +1606,7 @@
             <a:fld id="{3E57D7DC-7299-43C9-BAE2-F335855B8707}" type="datetimeFigureOut">
               <a:rPr lang="en-US" smtClean="0"/>
               <a:pPr/>
-              <a:t>1/12/2010</a:t>
+              <a:t>1/19/2010</a:t>
             </a:fld>
             <a:endParaRPr lang="da-DK"/>
           </a:p>
@@ -1413,7 +1649,7 @@
             <a:fld id="{DD09C360-10AD-4B5E-BF9F-FAB61C3D4D92}" type="slidenum">
               <a:rPr lang="da-DK" smtClean="0"/>
               <a:pPr/>
-              <a:t>‹#›</a:t>
+              <a:t>‹nr.›</a:t>
             </a:fld>
             <a:endParaRPr lang="da-DK"/>
           </a:p>
@@ -1613,7 +1849,7 @@
             <a:fld id="{3E57D7DC-7299-43C9-BAE2-F335855B8707}" type="datetimeFigureOut">
               <a:rPr lang="en-US" smtClean="0"/>
               <a:pPr/>
-              <a:t>1/12/2010</a:t>
+              <a:t>1/19/2010</a:t>
             </a:fld>
             <a:endParaRPr lang="da-DK"/>
           </a:p>
@@ -1656,7 +1892,7 @@
             <a:fld id="{DD09C360-10AD-4B5E-BF9F-FAB61C3D4D92}" type="slidenum">
               <a:rPr lang="da-DK" smtClean="0"/>
               <a:pPr/>
-              <a:t>‹#›</a:t>
+              <a:t>‹nr.›</a:t>
             </a:fld>
             <a:endParaRPr lang="da-DK"/>
           </a:p>
@@ -1898,7 +2134,7 @@
             <a:fld id="{3E57D7DC-7299-43C9-BAE2-F335855B8707}" type="datetimeFigureOut">
               <a:rPr lang="en-US" smtClean="0"/>
               <a:pPr/>
-              <a:t>1/12/2010</a:t>
+              <a:t>1/19/2010</a:t>
             </a:fld>
             <a:endParaRPr lang="da-DK"/>
           </a:p>
@@ -1941,7 +2177,7 @@
             <a:fld id="{DD09C360-10AD-4B5E-BF9F-FAB61C3D4D92}" type="slidenum">
               <a:rPr lang="da-DK" smtClean="0"/>
               <a:pPr/>
-              <a:t>‹#›</a:t>
+              <a:t>‹nr.›</a:t>
             </a:fld>
             <a:endParaRPr lang="da-DK"/>
           </a:p>
@@ -2317,7 +2553,7 @@
             <a:fld id="{3E57D7DC-7299-43C9-BAE2-F335855B8707}" type="datetimeFigureOut">
               <a:rPr lang="en-US" smtClean="0"/>
               <a:pPr/>
-              <a:t>1/12/2010</a:t>
+              <a:t>1/19/2010</a:t>
             </a:fld>
             <a:endParaRPr lang="da-DK"/>
           </a:p>
@@ -2360,7 +2596,7 @@
             <a:fld id="{DD09C360-10AD-4B5E-BF9F-FAB61C3D4D92}" type="slidenum">
               <a:rPr lang="da-DK" smtClean="0"/>
               <a:pPr/>
-              <a:t>‹#›</a:t>
+              <a:t>‹nr.›</a:t>
             </a:fld>
             <a:endParaRPr lang="da-DK"/>
           </a:p>
@@ -2432,7 +2668,7 @@
             <a:fld id="{3E57D7DC-7299-43C9-BAE2-F335855B8707}" type="datetimeFigureOut">
               <a:rPr lang="en-US" smtClean="0"/>
               <a:pPr/>
-              <a:t>1/12/2010</a:t>
+              <a:t>1/19/2010</a:t>
             </a:fld>
             <a:endParaRPr lang="da-DK"/>
           </a:p>
@@ -2475,7 +2711,7 @@
             <a:fld id="{DD09C360-10AD-4B5E-BF9F-FAB61C3D4D92}" type="slidenum">
               <a:rPr lang="da-DK" smtClean="0"/>
               <a:pPr/>
-              <a:t>‹#›</a:t>
+              <a:t>‹nr.›</a:t>
             </a:fld>
             <a:endParaRPr lang="da-DK"/>
           </a:p>
@@ -2524,7 +2760,7 @@
             <a:fld id="{3E57D7DC-7299-43C9-BAE2-F335855B8707}" type="datetimeFigureOut">
               <a:rPr lang="en-US" smtClean="0"/>
               <a:pPr/>
-              <a:t>1/12/2010</a:t>
+              <a:t>1/19/2010</a:t>
             </a:fld>
             <a:endParaRPr lang="da-DK"/>
           </a:p>
@@ -2567,7 +2803,7 @@
             <a:fld id="{DD09C360-10AD-4B5E-BF9F-FAB61C3D4D92}" type="slidenum">
               <a:rPr lang="da-DK" smtClean="0"/>
               <a:pPr/>
-              <a:t>‹#›</a:t>
+              <a:t>‹nr.›</a:t>
             </a:fld>
             <a:endParaRPr lang="da-DK"/>
           </a:p>
@@ -2798,7 +3034,7 @@
             <a:fld id="{3E57D7DC-7299-43C9-BAE2-F335855B8707}" type="datetimeFigureOut">
               <a:rPr lang="en-US" smtClean="0"/>
               <a:pPr/>
-              <a:t>1/12/2010</a:t>
+              <a:t>1/19/2010</a:t>
             </a:fld>
             <a:endParaRPr lang="da-DK"/>
           </a:p>
@@ -2841,7 +3077,7 @@
             <a:fld id="{DD09C360-10AD-4B5E-BF9F-FAB61C3D4D92}" type="slidenum">
               <a:rPr lang="da-DK" smtClean="0"/>
               <a:pPr/>
-              <a:t>‹#›</a:t>
+              <a:t>‹nr.›</a:t>
             </a:fld>
             <a:endParaRPr lang="da-DK"/>
           </a:p>
@@ -3048,7 +3284,7 @@
             <a:fld id="{3E57D7DC-7299-43C9-BAE2-F335855B8707}" type="datetimeFigureOut">
               <a:rPr lang="en-US" smtClean="0"/>
               <a:pPr/>
-              <a:t>1/12/2010</a:t>
+              <a:t>1/19/2010</a:t>
             </a:fld>
             <a:endParaRPr lang="da-DK"/>
           </a:p>
@@ -3091,7 +3327,7 @@
             <a:fld id="{DD09C360-10AD-4B5E-BF9F-FAB61C3D4D92}" type="slidenum">
               <a:rPr lang="da-DK" smtClean="0"/>
               <a:pPr/>
-              <a:t>‹#›</a:t>
+              <a:t>‹nr.›</a:t>
             </a:fld>
             <a:endParaRPr lang="da-DK"/>
           </a:p>
@@ -3258,7 +3494,7 @@
             <a:fld id="{3E57D7DC-7299-43C9-BAE2-F335855B8707}" type="datetimeFigureOut">
               <a:rPr lang="en-US" smtClean="0"/>
               <a:pPr/>
-              <a:t>1/12/2010</a:t>
+              <a:t>1/19/2010</a:t>
             </a:fld>
             <a:endParaRPr lang="da-DK"/>
           </a:p>
@@ -3337,7 +3573,7 @@
             <a:fld id="{DD09C360-10AD-4B5E-BF9F-FAB61C3D4D92}" type="slidenum">
               <a:rPr lang="da-DK" smtClean="0"/>
               <a:pPr/>
-              <a:t>‹#›</a:t>
+              <a:t>‹nr.›</a:t>
             </a:fld>
             <a:endParaRPr lang="da-DK"/>
           </a:p>
@@ -3681,6 +3917,73 @@
 </p:sld>
 </file>
 
+<file path=ppt/slides/slide10.xml><?xml version="1.0" encoding="utf-8"?>
+<p:sld xmlns:a="http://schemas.openxmlformats.org/drawingml/2006/main" xmlns:r="http://schemas.openxmlformats.org/officeDocument/2006/relationships" xmlns:p="http://schemas.openxmlformats.org/presentationml/2006/main">
+  <p:cSld>
+    <p:spTree>
+      <p:nvGrpSpPr>
+        <p:cNvPr id="1" name=""/>
+        <p:cNvGrpSpPr/>
+        <p:nvPr/>
+      </p:nvGrpSpPr>
+      <p:grpSpPr>
+        <a:xfrm>
+          <a:off x="0" y="0"/>
+          <a:ext cx="0" cy="0"/>
+          <a:chOff x="0" y="0"/>
+          <a:chExt cx="0" cy="0"/>
+        </a:xfrm>
+      </p:grpSpPr>
+      <p:sp>
+        <p:nvSpPr>
+          <p:cNvPr id="2" name="Title 1"/>
+          <p:cNvSpPr>
+            <a:spLocks noGrp="1"/>
+          </p:cNvSpPr>
+          <p:nvPr>
+            <p:ph type="title"/>
+          </p:nvPr>
+        </p:nvSpPr>
+        <p:spPr/>
+        <p:txBody>
+          <a:bodyPr/>
+          <a:lstStyle/>
+          <a:p>
+            <a:r>
+              <a:rPr lang="en-US" dirty="0" smtClean="0"/>
+              <a:t>Questions?</a:t>
+            </a:r>
+            <a:endParaRPr lang="en-US" dirty="0"/>
+          </a:p>
+        </p:txBody>
+      </p:sp>
+      <p:sp>
+        <p:nvSpPr>
+          <p:cNvPr id="3" name="Content Placeholder 2"/>
+          <p:cNvSpPr>
+            <a:spLocks noGrp="1"/>
+          </p:cNvSpPr>
+          <p:nvPr>
+            <p:ph idx="1"/>
+          </p:nvPr>
+        </p:nvSpPr>
+        <p:spPr/>
+        <p:txBody>
+          <a:bodyPr/>
+          <a:lstStyle/>
+          <a:p>
+            <a:endParaRPr lang="da-DK" dirty="0"/>
+          </a:p>
+        </p:txBody>
+      </p:sp>
+    </p:spTree>
+  </p:cSld>
+  <p:clrMapOvr>
+    <a:masterClrMapping/>
+  </p:clrMapOvr>
+</p:sld>
+</file>
+
 <file path=ppt/slides/slide2.xml><?xml version="1.0" encoding="utf-8"?>
 <p:sld xmlns:a="http://schemas.openxmlformats.org/drawingml/2006/main" xmlns:r="http://schemas.openxmlformats.org/officeDocument/2006/relationships" xmlns:p="http://schemas.openxmlformats.org/presentationml/2006/main">
   <p:cSld>
@@ -3715,7 +4018,7 @@
           <a:p>
             <a:r>
               <a:rPr lang="en-US" dirty="0" smtClean="0"/>
-              <a:t>Class</a:t>
+              <a:t>Methods</a:t>
             </a:r>
             <a:endParaRPr lang="en-US" dirty="0"/>
           </a:p>
@@ -3782,7 +4085,7 @@
           <a:p>
             <a:r>
               <a:rPr lang="en-US" dirty="0" smtClean="0"/>
-              <a:t>Class Example and Visibility</a:t>
+              <a:t>Arguments</a:t>
             </a:r>
             <a:endParaRPr lang="en-US" dirty="0"/>
           </a:p>
@@ -3803,69 +4106,10 @@
           <a:bodyPr/>
           <a:lstStyle/>
           <a:p>
-            <a:endParaRPr lang="da-DK" dirty="0"/>
-          </a:p>
-        </p:txBody>
-      </p:sp>
-      <p:sp>
-        <p:nvSpPr>
-          <p:cNvPr id="4" name="TextBox 3"/>
-          <p:cNvSpPr txBox="1"/>
-          <p:nvPr/>
-        </p:nvSpPr>
-        <p:spPr>
-          <a:xfrm>
-            <a:off x="1500166" y="2500306"/>
-            <a:ext cx="2571768" cy="369332"/>
-          </a:xfrm>
-          <a:prstGeom prst="rect">
-            <a:avLst/>
-          </a:prstGeom>
-          <a:noFill/>
-        </p:spPr>
-        <p:txBody>
-          <a:bodyPr wrap="square" rtlCol="0">
-            <a:spAutoFit/>
-          </a:bodyPr>
-          <a:lstStyle/>
-          <a:p>
-            <a:endParaRPr lang="en-US" dirty="0"/>
-          </a:p>
-        </p:txBody>
-      </p:sp>
-      <p:pic>
-        <p:nvPicPr>
-          <p:cNvPr id="1028" name="Picture 4"/>
-          <p:cNvPicPr>
-            <a:picLocks noChangeAspect="1" noChangeArrowheads="1"/>
-          </p:cNvPicPr>
-          <p:nvPr/>
-        </p:nvPicPr>
-        <p:blipFill>
-          <a:blip r:embed="rId2"/>
-          <a:srcRect/>
-          <a:stretch>
-            <a:fillRect/>
-          </a:stretch>
-        </p:blipFill>
-        <p:spPr bwMode="auto">
-          <a:xfrm>
-            <a:off x="571472" y="2143116"/>
-            <a:ext cx="5648325" cy="4505325"/>
-          </a:xfrm>
-          <a:prstGeom prst="rect">
-            <a:avLst/>
-          </a:prstGeom>
-          <a:noFill/>
-          <a:ln w="9525">
-            <a:noFill/>
-            <a:miter lim="800000"/>
-            <a:headEnd/>
-            <a:tailEnd/>
-          </a:ln>
-          <a:effectLst/>
-        </p:spPr>
-      </p:pic>
+            <a:endParaRPr lang="en-US" dirty="0" smtClean="0"/>
+          </a:p>
+        </p:txBody>
+      </p:sp>
     </p:spTree>
   </p:cSld>
   <p:clrMapOvr>
@@ -3908,7 +4152,7 @@
           <a:p>
             <a:r>
               <a:rPr lang="en-US" dirty="0" smtClean="0"/>
-              <a:t>Interfaces</a:t>
+              <a:t>Parameters</a:t>
             </a:r>
             <a:endParaRPr lang="en-US" dirty="0"/>
           </a:p>
@@ -3929,65 +4173,36 @@
           <a:bodyPr/>
           <a:lstStyle/>
           <a:p>
-            <a:r>
-              <a:rPr lang="en-US" dirty="0" smtClean="0"/>
-              <a:t>“An </a:t>
-            </a:r>
-            <a:r>
-              <a:rPr lang="en-US" i="1" dirty="0" smtClean="0"/>
-              <a:t>interface is a contract that guarantees to a client how a class will behave”</a:t>
-            </a:r>
-          </a:p>
-          <a:p>
-            <a:endParaRPr lang="en-US" i="1" dirty="0" smtClean="0"/>
-          </a:p>
-          <a:p>
-            <a:r>
-              <a:rPr lang="en-US" dirty="0" smtClean="0"/>
-              <a:t>A Class can implement more the one interface</a:t>
-            </a:r>
-          </a:p>
-          <a:p>
-            <a:r>
-              <a:rPr lang="en-US" dirty="0" smtClean="0"/>
-              <a:t>Interfaces can be extended and combined</a:t>
-            </a:r>
-          </a:p>
-        </p:txBody>
-      </p:sp>
-      <p:pic>
-        <p:nvPicPr>
-          <p:cNvPr id="2050" name="Picture 2"/>
-          <p:cNvPicPr>
-            <a:picLocks noChangeAspect="1" noChangeArrowheads="1"/>
-          </p:cNvPicPr>
+            <a:endParaRPr lang="da-DK" dirty="0"/>
+          </a:p>
+        </p:txBody>
+      </p:sp>
+      <p:sp>
+        <p:nvSpPr>
+          <p:cNvPr id="4" name="TextBox 3"/>
+          <p:cNvSpPr txBox="1"/>
           <p:nvPr/>
-        </p:nvPicPr>
-        <p:blipFill>
-          <a:blip r:embed="rId2"/>
-          <a:srcRect/>
-          <a:stretch>
-            <a:fillRect/>
-          </a:stretch>
-        </p:blipFill>
-        <p:spPr bwMode="auto">
+        </p:nvSpPr>
+        <p:spPr>
           <a:xfrm>
-            <a:off x="3000364" y="5286388"/>
-            <a:ext cx="2967818" cy="1104902"/>
+            <a:off x="1500166" y="2500306"/>
+            <a:ext cx="2571768" cy="369332"/>
           </a:xfrm>
           <a:prstGeom prst="rect">
             <a:avLst/>
           </a:prstGeom>
           <a:noFill/>
-          <a:ln w="9525">
-            <a:noFill/>
-            <a:miter lim="800000"/>
-            <a:headEnd/>
-            <a:tailEnd/>
-          </a:ln>
-          <a:effectLst/>
         </p:spPr>
-      </p:pic>
+        <p:txBody>
+          <a:bodyPr wrap="square" rtlCol="0">
+            <a:spAutoFit/>
+          </a:bodyPr>
+          <a:lstStyle/>
+          <a:p>
+            <a:endParaRPr lang="en-US" dirty="0"/>
+          </a:p>
+        </p:txBody>
+      </p:sp>
     </p:spTree>
   </p:cSld>
   <p:clrMapOvr>
@@ -4030,7 +4245,7 @@
           <a:p>
             <a:r>
               <a:rPr lang="en-US" dirty="0" smtClean="0"/>
-              <a:t>Abstract Class</a:t>
+              <a:t>Value and Reference Parameters</a:t>
             </a:r>
             <a:endParaRPr lang="en-US" dirty="0"/>
           </a:p>
@@ -4051,7 +4266,33 @@
           <a:bodyPr/>
           <a:lstStyle/>
           <a:p>
-            <a:endParaRPr lang="da-DK"/>
+            <a:endParaRPr lang="da-DK" dirty="0"/>
+          </a:p>
+        </p:txBody>
+      </p:sp>
+      <p:sp>
+        <p:nvSpPr>
+          <p:cNvPr id="4" name="TextBox 3"/>
+          <p:cNvSpPr txBox="1"/>
+          <p:nvPr/>
+        </p:nvSpPr>
+        <p:spPr>
+          <a:xfrm>
+            <a:off x="1500166" y="2500306"/>
+            <a:ext cx="2571768" cy="369332"/>
+          </a:xfrm>
+          <a:prstGeom prst="rect">
+            <a:avLst/>
+          </a:prstGeom>
+          <a:noFill/>
+        </p:spPr>
+        <p:txBody>
+          <a:bodyPr wrap="square" rtlCol="0">
+            <a:spAutoFit/>
+          </a:bodyPr>
+          <a:lstStyle/>
+          <a:p>
+            <a:endParaRPr lang="en-US" dirty="0"/>
           </a:p>
         </p:txBody>
       </p:sp>
@@ -4097,7 +4338,7 @@
           <a:p>
             <a:r>
               <a:rPr lang="en-US" dirty="0" smtClean="0"/>
-              <a:t>Abstract Class Vs Interface</a:t>
+              <a:t>Scope</a:t>
             </a:r>
             <a:endParaRPr lang="en-US" dirty="0"/>
           </a:p>
@@ -4164,7 +4405,7 @@
           <a:p>
             <a:r>
               <a:rPr lang="en-US" dirty="0" smtClean="0"/>
-              <a:t>Garbage Collector</a:t>
+              <a:t>Properties</a:t>
             </a:r>
             <a:endParaRPr lang="en-US" dirty="0"/>
           </a:p>
@@ -4185,32 +4426,7 @@
           <a:bodyPr/>
           <a:lstStyle/>
           <a:p>
-            <a:r>
-              <a:rPr lang="en-US" dirty="0" smtClean="0"/>
-              <a:t>C# performs automatic garbage collection</a:t>
-            </a:r>
-          </a:p>
-          <a:p>
-            <a:pPr lvl="1"/>
-            <a:r>
-              <a:rPr lang="en-US" dirty="0" smtClean="0"/>
-              <a:t>Collection/removing objects that are marked as garbage</a:t>
-            </a:r>
-          </a:p>
-          <a:p>
-            <a:pPr lvl="1"/>
-            <a:r>
-              <a:rPr lang="en-US" dirty="0" smtClean="0"/>
-              <a:t>Object that no longer has a reference</a:t>
-            </a:r>
-          </a:p>
-          <a:p>
-            <a:pPr lvl="1"/>
-            <a:r>
-              <a:rPr lang="en-US" dirty="0" smtClean="0"/>
-              <a:t>C# programmers don’t need to worry about explicitly reclaiming memory that has become garbage </a:t>
-            </a:r>
-            <a:endParaRPr lang="en-US" dirty="0"/>
+            <a:endParaRPr lang="da-DK"/>
           </a:p>
         </p:txBody>
       </p:sp>
@@ -4256,39 +4472,93 @@
           <a:p>
             <a:r>
               <a:rPr lang="en-US" dirty="0" smtClean="0"/>
-              <a:t>Use</a:t>
-            </a:r>
+              <a:t>Our program</a:t>
+            </a:r>
+            <a:endParaRPr lang="en-US" dirty="0"/>
+          </a:p>
+        </p:txBody>
+      </p:sp>
+      <p:sp>
+        <p:nvSpPr>
+          <p:cNvPr id="3" name="Content Placeholder 2"/>
+          <p:cNvSpPr>
+            <a:spLocks noGrp="1"/>
+          </p:cNvSpPr>
+          <p:nvPr>
+            <p:ph idx="1"/>
+          </p:nvPr>
+        </p:nvSpPr>
+        <p:spPr/>
+        <p:txBody>
+          <a:bodyPr/>
+          <a:lstStyle/>
+          <a:p>
             <a:r>
               <a:rPr lang="da-DK" dirty="0" smtClean="0"/>
-              <a:t> i</a:t>
-            </a:r>
-            <a:r>
-              <a:rPr lang="en-US" dirty="0" smtClean="0"/>
-              <a:t>n our program</a:t>
-            </a:r>
-            <a:endParaRPr lang="en-US" dirty="0"/>
-          </a:p>
-        </p:txBody>
-      </p:sp>
-      <p:sp>
-        <p:nvSpPr>
-          <p:cNvPr id="3" name="Content Placeholder 2"/>
-          <p:cNvSpPr>
-            <a:spLocks noGrp="1"/>
-          </p:cNvSpPr>
-          <p:nvPr>
-            <p:ph idx="1"/>
-          </p:nvPr>
-        </p:nvSpPr>
-        <p:spPr/>
-        <p:txBody>
-          <a:bodyPr/>
-          <a:lstStyle/>
-          <a:p>
-            <a:endParaRPr lang="da-DK"/>
-          </a:p>
-        </p:txBody>
-      </p:sp>
+              <a:t>Black Jack Game</a:t>
+            </a:r>
+          </a:p>
+          <a:p>
+            <a:endParaRPr lang="da-DK" dirty="0" smtClean="0"/>
+          </a:p>
+          <a:p>
+            <a:r>
+              <a:rPr lang="da-DK" dirty="0" smtClean="0"/>
+              <a:t>Log</a:t>
+            </a:r>
+          </a:p>
+          <a:p>
+            <a:r>
+              <a:rPr lang="da-DK" dirty="0" smtClean="0"/>
+              <a:t>Save Log</a:t>
+            </a:r>
+          </a:p>
+          <a:p>
+            <a:r>
+              <a:rPr lang="da-DK" dirty="0" smtClean="0"/>
+              <a:t>Beting</a:t>
+            </a:r>
+          </a:p>
+          <a:p>
+            <a:r>
+              <a:rPr lang="da-DK" dirty="0" smtClean="0"/>
+              <a:t>Hit</a:t>
+            </a:r>
+          </a:p>
+          <a:p>
+            <a:r>
+              <a:rPr lang="da-DK" dirty="0" smtClean="0"/>
+              <a:t>Stand</a:t>
+            </a:r>
+          </a:p>
+        </p:txBody>
+      </p:sp>
+      <p:pic>
+        <p:nvPicPr>
+          <p:cNvPr id="1026" name="Picture 2" descr="C:\Users\Martin\Desktop\Personal\Civil 3 Semester\projectwork\OOPExam\appScreenshot.png"/>
+          <p:cNvPicPr>
+            <a:picLocks noChangeAspect="1" noChangeArrowheads="1"/>
+          </p:cNvPicPr>
+          <p:nvPr/>
+        </p:nvPicPr>
+        <p:blipFill>
+          <a:blip r:embed="rId2" cstate="print"/>
+          <a:srcRect/>
+          <a:stretch>
+            <a:fillRect/>
+          </a:stretch>
+        </p:blipFill>
+        <p:spPr bwMode="auto">
+          <a:xfrm>
+            <a:off x="2714612" y="2500306"/>
+            <a:ext cx="6207028" cy="3430838"/>
+          </a:xfrm>
+          <a:prstGeom prst="rect">
+            <a:avLst/>
+          </a:prstGeom>
+          <a:noFill/>
+        </p:spPr>
+      </p:pic>
     </p:spTree>
   </p:cSld>
   <p:clrMapOvr>
@@ -4314,6 +4584,38 @@
           <a:chExt cx="0" cy="0"/>
         </a:xfrm>
       </p:grpSpPr>
+      <p:pic>
+        <p:nvPicPr>
+          <p:cNvPr id="2052" name="Picture 4"/>
+          <p:cNvPicPr>
+            <a:picLocks noChangeAspect="1" noChangeArrowheads="1"/>
+          </p:cNvPicPr>
+          <p:nvPr/>
+        </p:nvPicPr>
+        <p:blipFill>
+          <a:blip r:embed="rId3" cstate="print"/>
+          <a:srcRect/>
+          <a:stretch>
+            <a:fillRect/>
+          </a:stretch>
+        </p:blipFill>
+        <p:spPr bwMode="auto">
+          <a:xfrm>
+            <a:off x="500034" y="2500306"/>
+            <a:ext cx="6219825" cy="2981325"/>
+          </a:xfrm>
+          <a:prstGeom prst="rect">
+            <a:avLst/>
+          </a:prstGeom>
+          <a:noFill/>
+          <a:ln w="9525">
+            <a:noFill/>
+            <a:miter lim="800000"/>
+            <a:headEnd/>
+            <a:tailEnd/>
+          </a:ln>
+        </p:spPr>
+      </p:pic>
       <p:sp>
         <p:nvSpPr>
           <p:cNvPr id="2" name="Title 1"/>
@@ -4331,39 +4633,69 @@
           <a:p>
             <a:r>
               <a:rPr lang="en-US" dirty="0" smtClean="0"/>
-              <a:t>Use</a:t>
-            </a:r>
-            <a:r>
-              <a:rPr lang="da-DK" dirty="0" smtClean="0"/>
-              <a:t> i</a:t>
-            </a:r>
+              <a:t>Our program</a:t>
+            </a:r>
+            <a:endParaRPr lang="en-US" dirty="0"/>
+          </a:p>
+        </p:txBody>
+      </p:sp>
+      <p:sp>
+        <p:nvSpPr>
+          <p:cNvPr id="3" name="Content Placeholder 2"/>
+          <p:cNvSpPr>
+            <a:spLocks noGrp="1"/>
+          </p:cNvSpPr>
+          <p:nvPr>
+            <p:ph idx="1"/>
+          </p:nvPr>
+        </p:nvSpPr>
+        <p:spPr/>
+        <p:txBody>
+          <a:bodyPr/>
+          <a:lstStyle/>
+          <a:p>
             <a:r>
               <a:rPr lang="en-US" dirty="0" smtClean="0"/>
-              <a:t>n our program</a:t>
+              <a:t>List and </a:t>
+            </a:r>
+            <a:r>
+              <a:rPr lang="en-US" dirty="0" err="1" smtClean="0"/>
+              <a:t>foreach</a:t>
+            </a:r>
+            <a:r>
+              <a:rPr lang="en-US" dirty="0" smtClean="0"/>
+              <a:t> in our application</a:t>
             </a:r>
             <a:endParaRPr lang="en-US" dirty="0"/>
           </a:p>
         </p:txBody>
       </p:sp>
-      <p:sp>
-        <p:nvSpPr>
-          <p:cNvPr id="3" name="Content Placeholder 2"/>
-          <p:cNvSpPr>
-            <a:spLocks noGrp="1"/>
-          </p:cNvSpPr>
-          <p:nvPr>
-            <p:ph idx="1"/>
-          </p:nvPr>
-        </p:nvSpPr>
-        <p:spPr/>
-        <p:txBody>
-          <a:bodyPr/>
-          <a:lstStyle/>
-          <a:p>
-            <a:endParaRPr lang="da-DK"/>
-          </a:p>
-        </p:txBody>
-      </p:sp>
+      <p:pic>
+        <p:nvPicPr>
+          <p:cNvPr id="2050" name="Picture 2" descr="C:\Users\Martin\Desktop\Personal\Civil 3 Semester\projectwork\OOPExam\classDiagram.png"/>
+          <p:cNvPicPr>
+            <a:picLocks noChangeAspect="1" noChangeArrowheads="1"/>
+          </p:cNvPicPr>
+          <p:nvPr/>
+        </p:nvPicPr>
+        <p:blipFill>
+          <a:blip r:embed="rId4" cstate="print"/>
+          <a:srcRect/>
+          <a:stretch>
+            <a:fillRect/>
+          </a:stretch>
+        </p:blipFill>
+        <p:spPr bwMode="auto">
+          <a:xfrm>
+            <a:off x="4500562" y="3357562"/>
+            <a:ext cx="4430954" cy="3286148"/>
+          </a:xfrm>
+          <a:prstGeom prst="rect">
+            <a:avLst/>
+          </a:prstGeom>
+          <a:noFill/>
+        </p:spPr>
+      </p:pic>
     </p:spTree>
   </p:cSld>
   <p:clrMapOvr>

--- a/OOPExam/06 Methods, parameters, scope and properties.pptx
+++ b/OOPExam/06 Methods, parameters, scope and properties.pptx
@@ -10,11 +10,11 @@
   <p:sldIdLst>
     <p:sldId id="256" r:id="rId2"/>
     <p:sldId id="257" r:id="rId3"/>
-    <p:sldId id="259" r:id="rId4"/>
-    <p:sldId id="261" r:id="rId5"/>
-    <p:sldId id="265" r:id="rId6"/>
-    <p:sldId id="258" r:id="rId7"/>
-    <p:sldId id="266" r:id="rId8"/>
+    <p:sldId id="261" r:id="rId4"/>
+    <p:sldId id="265" r:id="rId5"/>
+    <p:sldId id="258" r:id="rId6"/>
+    <p:sldId id="266" r:id="rId7"/>
+    <p:sldId id="267" r:id="rId8"/>
     <p:sldId id="262" r:id="rId9"/>
     <p:sldId id="263" r:id="rId10"/>
     <p:sldId id="264" r:id="rId11"/>
@@ -202,7 +202,7 @@
             <a:fld id="{C1CD3A25-823B-4BBE-807B-09C859F752B0}" type="datetimeFigureOut">
               <a:rPr lang="en-US" smtClean="0"/>
               <a:pPr/>
-              <a:t>1/19/2010</a:t>
+              <a:t>1/20/2010</a:t>
             </a:fld>
             <a:endParaRPr lang="en-US"/>
           </a:p>
@@ -719,6 +719,88 @@
           </a:bodyPr>
           <a:lstStyle/>
           <a:p>
+            <a:endParaRPr lang="en-US" dirty="0"/>
+          </a:p>
+        </p:txBody>
+      </p:sp>
+      <p:sp>
+        <p:nvSpPr>
+          <p:cNvPr id="4" name="Pladsholder til diasnummer 3"/>
+          <p:cNvSpPr>
+            <a:spLocks noGrp="1"/>
+          </p:cNvSpPr>
+          <p:nvPr>
+            <p:ph type="sldNum" sz="quarter" idx="10"/>
+          </p:nvPr>
+        </p:nvSpPr>
+        <p:spPr/>
+        <p:txBody>
+          <a:bodyPr/>
+          <a:lstStyle/>
+          <a:p>
+            <a:fld id="{AAB3DF41-A1DD-40C2-81C2-7C757221A446}" type="slidenum">
+              <a:rPr lang="en-US" smtClean="0"/>
+              <a:pPr/>
+              <a:t>7</a:t>
+            </a:fld>
+            <a:endParaRPr lang="en-US"/>
+          </a:p>
+        </p:txBody>
+      </p:sp>
+    </p:spTree>
+  </p:cSld>
+  <p:clrMapOvr>
+    <a:masterClrMapping/>
+  </p:clrMapOvr>
+</p:notes>
+</file>
+
+<file path=ppt/notesSlides/notesSlide3.xml><?xml version="1.0" encoding="utf-8"?>
+<p:notes xmlns:a="http://schemas.openxmlformats.org/drawingml/2006/main" xmlns:r="http://schemas.openxmlformats.org/officeDocument/2006/relationships" xmlns:p="http://schemas.openxmlformats.org/presentationml/2006/main">
+  <p:cSld>
+    <p:spTree>
+      <p:nvGrpSpPr>
+        <p:cNvPr id="1" name=""/>
+        <p:cNvGrpSpPr/>
+        <p:nvPr/>
+      </p:nvGrpSpPr>
+      <p:grpSpPr>
+        <a:xfrm>
+          <a:off x="0" y="0"/>
+          <a:ext cx="0" cy="0"/>
+          <a:chOff x="0" y="0"/>
+          <a:chExt cx="0" cy="0"/>
+        </a:xfrm>
+      </p:grpSpPr>
+      <p:sp>
+        <p:nvSpPr>
+          <p:cNvPr id="2" name="Pladsholder til diasbillede 1"/>
+          <p:cNvSpPr>
+            <a:spLocks noGrp="1" noRot="1" noChangeAspect="1"/>
+          </p:cNvSpPr>
+          <p:nvPr>
+            <p:ph type="sldImg"/>
+          </p:nvPr>
+        </p:nvSpPr>
+        <p:spPr/>
+      </p:sp>
+      <p:sp>
+        <p:nvSpPr>
+          <p:cNvPr id="3" name="Pladsholder til noter 2"/>
+          <p:cNvSpPr>
+            <a:spLocks noGrp="1"/>
+          </p:cNvSpPr>
+          <p:nvPr>
+            <p:ph type="body" idx="1"/>
+          </p:nvPr>
+        </p:nvSpPr>
+        <p:spPr/>
+        <p:txBody>
+          <a:bodyPr>
+            <a:normAutofit/>
+          </a:bodyPr>
+          <a:lstStyle/>
+          <a:p>
             <a:pPr marL="0" marR="0" indent="0" algn="l" defTabSz="914400" rtl="0" eaLnBrk="1" fontAlgn="auto" latinLnBrk="0" hangingPunct="1">
               <a:lnSpc>
                 <a:spcPct val="100000"/>
@@ -1095,7 +1177,7 @@
             <a:fld id="{3E57D7DC-7299-43C9-BAE2-F335855B8707}" type="datetimeFigureOut">
               <a:rPr lang="en-US" smtClean="0"/>
               <a:pPr/>
-              <a:t>1/19/2010</a:t>
+              <a:t>1/20/2010</a:t>
             </a:fld>
             <a:endParaRPr lang="da-DK"/>
           </a:p>
@@ -1262,7 +1344,7 @@
             <a:fld id="{3E57D7DC-7299-43C9-BAE2-F335855B8707}" type="datetimeFigureOut">
               <a:rPr lang="en-US" smtClean="0"/>
               <a:pPr/>
-              <a:t>1/19/2010</a:t>
+              <a:t>1/20/2010</a:t>
             </a:fld>
             <a:endParaRPr lang="da-DK"/>
           </a:p>
@@ -1439,7 +1521,7 @@
             <a:fld id="{3E57D7DC-7299-43C9-BAE2-F335855B8707}" type="datetimeFigureOut">
               <a:rPr lang="en-US" smtClean="0"/>
               <a:pPr/>
-              <a:t>1/19/2010</a:t>
+              <a:t>1/20/2010</a:t>
             </a:fld>
             <a:endParaRPr lang="da-DK"/>
           </a:p>
@@ -1606,7 +1688,7 @@
             <a:fld id="{3E57D7DC-7299-43C9-BAE2-F335855B8707}" type="datetimeFigureOut">
               <a:rPr lang="en-US" smtClean="0"/>
               <a:pPr/>
-              <a:t>1/19/2010</a:t>
+              <a:t>1/20/2010</a:t>
             </a:fld>
             <a:endParaRPr lang="da-DK"/>
           </a:p>
@@ -1849,7 +1931,7 @@
             <a:fld id="{3E57D7DC-7299-43C9-BAE2-F335855B8707}" type="datetimeFigureOut">
               <a:rPr lang="en-US" smtClean="0"/>
               <a:pPr/>
-              <a:t>1/19/2010</a:t>
+              <a:t>1/20/2010</a:t>
             </a:fld>
             <a:endParaRPr lang="da-DK"/>
           </a:p>
@@ -2134,7 +2216,7 @@
             <a:fld id="{3E57D7DC-7299-43C9-BAE2-F335855B8707}" type="datetimeFigureOut">
               <a:rPr lang="en-US" smtClean="0"/>
               <a:pPr/>
-              <a:t>1/19/2010</a:t>
+              <a:t>1/20/2010</a:t>
             </a:fld>
             <a:endParaRPr lang="da-DK"/>
           </a:p>
@@ -2553,7 +2635,7 @@
             <a:fld id="{3E57D7DC-7299-43C9-BAE2-F335855B8707}" type="datetimeFigureOut">
               <a:rPr lang="en-US" smtClean="0"/>
               <a:pPr/>
-              <a:t>1/19/2010</a:t>
+              <a:t>1/20/2010</a:t>
             </a:fld>
             <a:endParaRPr lang="da-DK"/>
           </a:p>
@@ -2668,7 +2750,7 @@
             <a:fld id="{3E57D7DC-7299-43C9-BAE2-F335855B8707}" type="datetimeFigureOut">
               <a:rPr lang="en-US" smtClean="0"/>
               <a:pPr/>
-              <a:t>1/19/2010</a:t>
+              <a:t>1/20/2010</a:t>
             </a:fld>
             <a:endParaRPr lang="da-DK"/>
           </a:p>
@@ -2760,7 +2842,7 @@
             <a:fld id="{3E57D7DC-7299-43C9-BAE2-F335855B8707}" type="datetimeFigureOut">
               <a:rPr lang="en-US" smtClean="0"/>
               <a:pPr/>
-              <a:t>1/19/2010</a:t>
+              <a:t>1/20/2010</a:t>
             </a:fld>
             <a:endParaRPr lang="da-DK"/>
           </a:p>
@@ -3034,7 +3116,7 @@
             <a:fld id="{3E57D7DC-7299-43C9-BAE2-F335855B8707}" type="datetimeFigureOut">
               <a:rPr lang="en-US" smtClean="0"/>
               <a:pPr/>
-              <a:t>1/19/2010</a:t>
+              <a:t>1/20/2010</a:t>
             </a:fld>
             <a:endParaRPr lang="da-DK"/>
           </a:p>
@@ -3284,7 +3366,7 @@
             <a:fld id="{3E57D7DC-7299-43C9-BAE2-F335855B8707}" type="datetimeFigureOut">
               <a:rPr lang="en-US" smtClean="0"/>
               <a:pPr/>
-              <a:t>1/19/2010</a:t>
+              <a:t>1/20/2010</a:t>
             </a:fld>
             <a:endParaRPr lang="da-DK"/>
           </a:p>
@@ -3494,7 +3576,7 @@
             <a:fld id="{3E57D7DC-7299-43C9-BAE2-F335855B8707}" type="datetimeFigureOut">
               <a:rPr lang="en-US" smtClean="0"/>
               <a:pPr/>
-              <a:t>1/19/2010</a:t>
+              <a:t>1/20/2010</a:t>
             </a:fld>
             <a:endParaRPr lang="da-DK"/>
           </a:p>
@@ -4085,7 +4167,7 @@
           <a:p>
             <a:r>
               <a:rPr lang="en-US" dirty="0" smtClean="0"/>
-              <a:t>Arguments</a:t>
+              <a:t>Parameters and Arguments</a:t>
             </a:r>
             <a:endParaRPr lang="en-US" dirty="0"/>
           </a:p>
@@ -4106,7 +4188,33 @@
           <a:bodyPr/>
           <a:lstStyle/>
           <a:p>
-            <a:endParaRPr lang="en-US" dirty="0" smtClean="0"/>
+            <a:endParaRPr lang="da-DK" dirty="0"/>
+          </a:p>
+        </p:txBody>
+      </p:sp>
+      <p:sp>
+        <p:nvSpPr>
+          <p:cNvPr id="4" name="TextBox 3"/>
+          <p:cNvSpPr txBox="1"/>
+          <p:nvPr/>
+        </p:nvSpPr>
+        <p:spPr>
+          <a:xfrm>
+            <a:off x="1500166" y="2500306"/>
+            <a:ext cx="2571768" cy="369332"/>
+          </a:xfrm>
+          <a:prstGeom prst="rect">
+            <a:avLst/>
+          </a:prstGeom>
+          <a:noFill/>
+        </p:spPr>
+        <p:txBody>
+          <a:bodyPr wrap="square" rtlCol="0">
+            <a:spAutoFit/>
+          </a:bodyPr>
+          <a:lstStyle/>
+          <a:p>
+            <a:endParaRPr lang="en-US" dirty="0"/>
           </a:p>
         </p:txBody>
       </p:sp>
@@ -4152,7 +4260,7 @@
           <a:p>
             <a:r>
               <a:rPr lang="en-US" dirty="0" smtClean="0"/>
-              <a:t>Parameters</a:t>
+              <a:t>Value and Reference Parameters</a:t>
             </a:r>
             <a:endParaRPr lang="en-US" dirty="0"/>
           </a:p>
@@ -4245,7 +4353,7 @@
           <a:p>
             <a:r>
               <a:rPr lang="en-US" dirty="0" smtClean="0"/>
-              <a:t>Value and Reference Parameters</a:t>
+              <a:t>Scope</a:t>
             </a:r>
             <a:endParaRPr lang="en-US" dirty="0"/>
           </a:p>
@@ -4266,33 +4374,7 @@
           <a:bodyPr/>
           <a:lstStyle/>
           <a:p>
-            <a:endParaRPr lang="da-DK" dirty="0"/>
-          </a:p>
-        </p:txBody>
-      </p:sp>
-      <p:sp>
-        <p:nvSpPr>
-          <p:cNvPr id="4" name="TextBox 3"/>
-          <p:cNvSpPr txBox="1"/>
-          <p:nvPr/>
-        </p:nvSpPr>
-        <p:spPr>
-          <a:xfrm>
-            <a:off x="1500166" y="2500306"/>
-            <a:ext cx="2571768" cy="369332"/>
-          </a:xfrm>
-          <a:prstGeom prst="rect">
-            <a:avLst/>
-          </a:prstGeom>
-          <a:noFill/>
-        </p:spPr>
-        <p:txBody>
-          <a:bodyPr wrap="square" rtlCol="0">
-            <a:spAutoFit/>
-          </a:bodyPr>
-          <a:lstStyle/>
-          <a:p>
-            <a:endParaRPr lang="en-US" dirty="0"/>
+            <a:endParaRPr lang="da-DK"/>
           </a:p>
         </p:txBody>
       </p:sp>
@@ -4338,7 +4420,7 @@
           <a:p>
             <a:r>
               <a:rPr lang="en-US" dirty="0" smtClean="0"/>
-              <a:t>Scope</a:t>
+              <a:t>Properties</a:t>
             </a:r>
             <a:endParaRPr lang="en-US" dirty="0"/>
           </a:p>
@@ -4404,10 +4486,10 @@
           <a:lstStyle/>
           <a:p>
             <a:r>
-              <a:rPr lang="en-US" dirty="0" smtClean="0"/>
-              <a:t>Properties</a:t>
-            </a:r>
-            <a:endParaRPr lang="en-US" dirty="0"/>
+              <a:rPr lang="en-US" smtClean="0"/>
+              <a:t>Excerpt from our program</a:t>
+            </a:r>
+            <a:endParaRPr lang="en-US"/>
           </a:p>
         </p:txBody>
       </p:sp>
@@ -4426,10 +4508,82 @@
           <a:bodyPr/>
           <a:lstStyle/>
           <a:p>
-            <a:endParaRPr lang="da-DK"/>
-          </a:p>
-        </p:txBody>
-      </p:sp>
+            <a:r>
+              <a:rPr lang="en-US" smtClean="0"/>
+              <a:t>A method within our BlackJackWindow </a:t>
+            </a:r>
+            <a:r>
+              <a:rPr lang="en-US" smtClean="0"/>
+              <a:t>class</a:t>
+            </a:r>
+            <a:endParaRPr lang="en-US"/>
+          </a:p>
+        </p:txBody>
+      </p:sp>
+      <p:pic>
+        <p:nvPicPr>
+          <p:cNvPr id="1026" name="Picture 2"/>
+          <p:cNvPicPr>
+            <a:picLocks noChangeAspect="1" noChangeArrowheads="1"/>
+          </p:cNvPicPr>
+          <p:nvPr/>
+        </p:nvPicPr>
+        <p:blipFill>
+          <a:blip r:embed="rId3" cstate="print"/>
+          <a:srcRect/>
+          <a:stretch>
+            <a:fillRect/>
+          </a:stretch>
+        </p:blipFill>
+        <p:spPr bwMode="auto">
+          <a:xfrm>
+            <a:off x="285720" y="3429000"/>
+            <a:ext cx="4799844" cy="2143140"/>
+          </a:xfrm>
+          <a:prstGeom prst="rect">
+            <a:avLst/>
+          </a:prstGeom>
+          <a:noFill/>
+          <a:ln w="9525">
+            <a:noFill/>
+            <a:miter lim="800000"/>
+            <a:headEnd/>
+            <a:tailEnd/>
+          </a:ln>
+        </p:spPr>
+      </p:pic>
+      <p:pic>
+        <p:nvPicPr>
+          <p:cNvPr id="1027" name="Picture 3"/>
+          <p:cNvPicPr>
+            <a:picLocks noChangeAspect="1" noChangeArrowheads="1"/>
+          </p:cNvPicPr>
+          <p:nvPr/>
+        </p:nvPicPr>
+        <p:blipFill>
+          <a:blip r:embed="rId4" cstate="print"/>
+          <a:srcRect/>
+          <a:stretch>
+            <a:fillRect/>
+          </a:stretch>
+        </p:blipFill>
+        <p:spPr bwMode="auto">
+          <a:xfrm>
+            <a:off x="5257800" y="2500306"/>
+            <a:ext cx="3886200" cy="2895600"/>
+          </a:xfrm>
+          <a:prstGeom prst="rect">
+            <a:avLst/>
+          </a:prstGeom>
+          <a:noFill/>
+          <a:ln w="9525">
+            <a:noFill/>
+            <a:miter lim="800000"/>
+            <a:headEnd/>
+            <a:tailEnd/>
+          </a:ln>
+        </p:spPr>
+      </p:pic>
     </p:spTree>
   </p:cSld>
   <p:clrMapOvr>

--- a/OOPExam/06 Methods, parameters, scope and properties.pptx
+++ b/OOPExam/06 Methods, parameters, scope and properties.pptx
@@ -719,6 +719,45 @@
           </a:bodyPr>
           <a:lstStyle/>
           <a:p>
+            <a:r>
+              <a:rPr lang="en-US" dirty="0" smtClean="0"/>
+              <a:t>Throughout this book, we use public fields extensively to keep the examples free of distraction. In a real application, you would typically favor public properties over public fields, in order to promote encapsulation.</a:t>
+            </a:r>
+          </a:p>
+          <a:p>
+            <a:endParaRPr lang="en-US" dirty="0" smtClean="0"/>
+          </a:p>
+          <a:p>
+            <a:r>
+              <a:rPr lang="en-US" dirty="0" smtClean="0"/>
+              <a:t>Properties look like fields from the outside but act like methods on the inside.</a:t>
+            </a:r>
+          </a:p>
+          <a:p>
+            <a:endParaRPr lang="en-US" dirty="0" smtClean="0"/>
+          </a:p>
+          <a:p>
+            <a:r>
+              <a:rPr lang="en-US" dirty="0" smtClean="0"/>
+              <a:t>A property is declared like a field, but with a { get {} set {} } block added. get and set denote property </a:t>
+            </a:r>
+            <a:r>
+              <a:rPr lang="en-US" dirty="0" err="1" smtClean="0"/>
+              <a:t>accessors</a:t>
+            </a:r>
+            <a:r>
+              <a:rPr lang="en-US" dirty="0" smtClean="0"/>
+              <a:t>.</a:t>
+            </a:r>
+          </a:p>
+          <a:p>
+            <a:endParaRPr lang="en-US" dirty="0" smtClean="0"/>
+          </a:p>
+          <a:p>
+            <a:r>
+              <a:rPr lang="en-US" dirty="0" smtClean="0"/>
+              <a:t>Although properties are accessed in the same way as fields, they differ in that they give the implementer complete control over getting and setting its value. This control enables the implementer to choose whatever internal representation is needed, without exposing the internal details to the user of the property.</a:t>
+            </a:r>
             <a:endParaRPr lang="en-US" dirty="0"/>
           </a:p>
         </p:txBody>
@@ -741,7 +780,7 @@
             <a:fld id="{AAB3DF41-A1DD-40C2-81C2-7C757221A446}" type="slidenum">
               <a:rPr lang="en-US" smtClean="0"/>
               <a:pPr/>
-              <a:t>7</a:t>
+              <a:t>6</a:t>
             </a:fld>
             <a:endParaRPr lang="en-US"/>
           </a:p>
@@ -756,6 +795,88 @@
 </file>
 
 <file path=ppt/notesSlides/notesSlide3.xml><?xml version="1.0" encoding="utf-8"?>
+<p:notes xmlns:a="http://schemas.openxmlformats.org/drawingml/2006/main" xmlns:r="http://schemas.openxmlformats.org/officeDocument/2006/relationships" xmlns:p="http://schemas.openxmlformats.org/presentationml/2006/main">
+  <p:cSld>
+    <p:spTree>
+      <p:nvGrpSpPr>
+        <p:cNvPr id="1" name=""/>
+        <p:cNvGrpSpPr/>
+        <p:nvPr/>
+      </p:nvGrpSpPr>
+      <p:grpSpPr>
+        <a:xfrm>
+          <a:off x="0" y="0"/>
+          <a:ext cx="0" cy="0"/>
+          <a:chOff x="0" y="0"/>
+          <a:chExt cx="0" cy="0"/>
+        </a:xfrm>
+      </p:grpSpPr>
+      <p:sp>
+        <p:nvSpPr>
+          <p:cNvPr id="2" name="Pladsholder til diasbillede 1"/>
+          <p:cNvSpPr>
+            <a:spLocks noGrp="1" noRot="1" noChangeAspect="1"/>
+          </p:cNvSpPr>
+          <p:nvPr>
+            <p:ph type="sldImg"/>
+          </p:nvPr>
+        </p:nvSpPr>
+        <p:spPr/>
+      </p:sp>
+      <p:sp>
+        <p:nvSpPr>
+          <p:cNvPr id="3" name="Pladsholder til noter 2"/>
+          <p:cNvSpPr>
+            <a:spLocks noGrp="1"/>
+          </p:cNvSpPr>
+          <p:nvPr>
+            <p:ph type="body" idx="1"/>
+          </p:nvPr>
+        </p:nvSpPr>
+        <p:spPr/>
+        <p:txBody>
+          <a:bodyPr>
+            <a:normAutofit/>
+          </a:bodyPr>
+          <a:lstStyle/>
+          <a:p>
+            <a:endParaRPr lang="en-US" dirty="0"/>
+          </a:p>
+        </p:txBody>
+      </p:sp>
+      <p:sp>
+        <p:nvSpPr>
+          <p:cNvPr id="4" name="Pladsholder til diasnummer 3"/>
+          <p:cNvSpPr>
+            <a:spLocks noGrp="1"/>
+          </p:cNvSpPr>
+          <p:nvPr>
+            <p:ph type="sldNum" sz="quarter" idx="10"/>
+          </p:nvPr>
+        </p:nvSpPr>
+        <p:spPr/>
+        <p:txBody>
+          <a:bodyPr/>
+          <a:lstStyle/>
+          <a:p>
+            <a:fld id="{AAB3DF41-A1DD-40C2-81C2-7C757221A446}" type="slidenum">
+              <a:rPr lang="en-US" smtClean="0"/>
+              <a:pPr/>
+              <a:t>7</a:t>
+            </a:fld>
+            <a:endParaRPr lang="en-US"/>
+          </a:p>
+        </p:txBody>
+      </p:sp>
+    </p:spTree>
+  </p:cSld>
+  <p:clrMapOvr>
+    <a:masterClrMapping/>
+  </p:clrMapOvr>
+</p:notes>
+</file>
+
+<file path=ppt/notesSlides/notesSlide4.xml><?xml version="1.0" encoding="utf-8"?>
 <p:notes xmlns:a="http://schemas.openxmlformats.org/drawingml/2006/main" xmlns:r="http://schemas.openxmlformats.org/officeDocument/2006/relationships" xmlns:p="http://schemas.openxmlformats.org/presentationml/2006/main">
   <p:cSld>
     <p:spTree>
@@ -4419,29 +4540,380 @@
           <a:lstStyle/>
           <a:p>
             <a:r>
+              <a:rPr lang="en-US" smtClean="0"/>
+              <a:t>Properties</a:t>
+            </a:r>
+            <a:endParaRPr lang="en-US"/>
+          </a:p>
+        </p:txBody>
+      </p:sp>
+      <p:sp>
+        <p:nvSpPr>
+          <p:cNvPr id="3" name="Content Placeholder 2"/>
+          <p:cNvSpPr>
+            <a:spLocks noGrp="1"/>
+          </p:cNvSpPr>
+          <p:nvPr>
+            <p:ph idx="1"/>
+          </p:nvPr>
+        </p:nvSpPr>
+        <p:spPr>
+          <a:xfrm>
+            <a:off x="457200" y="1600201"/>
+            <a:ext cx="8229600" cy="2185990"/>
+          </a:xfrm>
+        </p:spPr>
+        <p:txBody>
+          <a:bodyPr/>
+          <a:lstStyle/>
+          <a:p>
+            <a:r>
               <a:rPr lang="en-US" dirty="0" smtClean="0"/>
-              <a:t>Properties</a:t>
-            </a:r>
-            <a:endParaRPr lang="en-US" dirty="0"/>
-          </a:p>
-        </p:txBody>
-      </p:sp>
-      <p:sp>
-        <p:nvSpPr>
-          <p:cNvPr id="3" name="Content Placeholder 2"/>
-          <p:cNvSpPr>
-            <a:spLocks noGrp="1"/>
-          </p:cNvSpPr>
-          <p:nvPr>
-            <p:ph idx="1"/>
-          </p:nvPr>
-        </p:nvSpPr>
-        <p:spPr/>
-        <p:txBody>
-          <a:bodyPr/>
-          <a:lstStyle/>
-          <a:p>
-            <a:endParaRPr lang="da-DK"/>
+              <a:t>Many examples uses field</a:t>
+            </a:r>
+            <a:r>
+              <a:rPr lang="en-US" dirty="0" smtClean="0"/>
+              <a:t>s though properties are more practical</a:t>
+            </a:r>
+            <a:endParaRPr lang="en-US" dirty="0" smtClean="0"/>
+          </a:p>
+          <a:p>
+            <a:r>
+              <a:rPr lang="en-US" dirty="0" smtClean="0"/>
+              <a:t>A property is declared like a </a:t>
+            </a:r>
+            <a:r>
+              <a:rPr lang="en-US" dirty="0" smtClean="0"/>
+              <a:t>field</a:t>
+            </a:r>
+          </a:p>
+          <a:p>
+            <a:pPr lvl="1"/>
+            <a:r>
+              <a:rPr lang="en-US" sz="2000" dirty="0" smtClean="0"/>
+              <a:t>but </a:t>
+            </a:r>
+            <a:r>
+              <a:rPr lang="en-US" sz="2000" dirty="0" smtClean="0"/>
+              <a:t>with a { </a:t>
+            </a:r>
+            <a:r>
+              <a:rPr lang="en-US" sz="2000" dirty="0" smtClean="0"/>
+              <a:t> get </a:t>
+            </a:r>
+            <a:r>
+              <a:rPr lang="en-US" sz="2000" dirty="0" smtClean="0"/>
+              <a:t>{} set </a:t>
+            </a:r>
+            <a:r>
+              <a:rPr lang="en-US" sz="2000" dirty="0" smtClean="0"/>
+              <a:t>{}  } </a:t>
+            </a:r>
+            <a:r>
+              <a:rPr lang="en-US" sz="2000" dirty="0" smtClean="0"/>
+              <a:t>block </a:t>
+            </a:r>
+            <a:r>
+              <a:rPr lang="en-US" sz="2000" dirty="0" smtClean="0"/>
+              <a:t>added</a:t>
+            </a:r>
+          </a:p>
+          <a:p>
+            <a:pPr lvl="1"/>
+            <a:endParaRPr lang="en-US" sz="2000" dirty="0" smtClean="0"/>
+          </a:p>
+        </p:txBody>
+      </p:sp>
+      <p:pic>
+        <p:nvPicPr>
+          <p:cNvPr id="1026" name="Picture 2"/>
+          <p:cNvPicPr>
+            <a:picLocks noChangeAspect="1" noChangeArrowheads="1"/>
+          </p:cNvPicPr>
+          <p:nvPr/>
+        </p:nvPicPr>
+        <p:blipFill>
+          <a:blip r:embed="rId3" cstate="print"/>
+          <a:srcRect/>
+          <a:stretch>
+            <a:fillRect/>
+          </a:stretch>
+        </p:blipFill>
+        <p:spPr bwMode="auto">
+          <a:xfrm>
+            <a:off x="5000628" y="3929066"/>
+            <a:ext cx="3931094" cy="2090741"/>
+          </a:xfrm>
+          <a:prstGeom prst="rect">
+            <a:avLst/>
+          </a:prstGeom>
+          <a:noFill/>
+          <a:ln w="9525">
+            <a:noFill/>
+            <a:miter lim="800000"/>
+            <a:headEnd/>
+            <a:tailEnd/>
+          </a:ln>
+        </p:spPr>
+      </p:pic>
+      <p:sp>
+        <p:nvSpPr>
+          <p:cNvPr id="6" name="Content Placeholder 2"/>
+          <p:cNvSpPr txBox="1">
+            <a:spLocks/>
+          </p:cNvSpPr>
+          <p:nvPr/>
+        </p:nvSpPr>
+        <p:spPr>
+          <a:xfrm>
+            <a:off x="214282" y="4071943"/>
+            <a:ext cx="5000660" cy="2071702"/>
+          </a:xfrm>
+          <a:prstGeom prst="rect">
+            <a:avLst/>
+          </a:prstGeom>
+        </p:spPr>
+        <p:txBody>
+          <a:bodyPr vert="horz" lIns="91440" tIns="45720" rIns="91440" bIns="45720" rtlCol="0">
+            <a:normAutofit/>
+          </a:bodyPr>
+          <a:lstStyle/>
+          <a:p>
+            <a:pPr marL="342900" marR="0" lvl="0" indent="-342900" algn="l" defTabSz="914400" rtl="0" eaLnBrk="1" fontAlgn="auto" latinLnBrk="0" hangingPunct="1">
+              <a:lnSpc>
+                <a:spcPct val="100000"/>
+              </a:lnSpc>
+              <a:spcBef>
+                <a:spcPct val="20000"/>
+              </a:spcBef>
+              <a:spcAft>
+                <a:spcPts val="0"/>
+              </a:spcAft>
+              <a:buClrTx/>
+              <a:buSzTx/>
+              <a:buFont typeface="Arial" pitchFamily="34" charset="0"/>
+              <a:buChar char="•"/>
+              <a:tabLst/>
+              <a:defRPr/>
+            </a:pPr>
+            <a:r>
+              <a:rPr kumimoji="0" lang="en-US" sz="2400" b="0" i="0" u="none" strike="noStrike" kern="1200" cap="none" spc="0" normalizeH="0" baseline="0" noProof="0" dirty="0" smtClean="0">
+                <a:ln>
+                  <a:noFill/>
+                </a:ln>
+                <a:solidFill>
+                  <a:schemeClr val="tx1"/>
+                </a:solidFill>
+                <a:effectLst/>
+                <a:uLnTx/>
+                <a:uFillTx/>
+                <a:latin typeface="+mn-lt"/>
+                <a:ea typeface="+mn-ea"/>
+                <a:cs typeface="+mn-cs"/>
+              </a:rPr>
+              <a:t>The implementer has total access</a:t>
+            </a:r>
+          </a:p>
+          <a:p>
+            <a:pPr marL="342900" marR="0" lvl="0" indent="-342900" algn="l" defTabSz="914400" rtl="0" eaLnBrk="1" fontAlgn="auto" latinLnBrk="0" hangingPunct="1">
+              <a:lnSpc>
+                <a:spcPct val="100000"/>
+              </a:lnSpc>
+              <a:spcBef>
+                <a:spcPct val="20000"/>
+              </a:spcBef>
+              <a:spcAft>
+                <a:spcPts val="0"/>
+              </a:spcAft>
+              <a:buClrTx/>
+              <a:buSzTx/>
+              <a:buFont typeface="Arial" pitchFamily="34" charset="0"/>
+              <a:buChar char="•"/>
+              <a:tabLst/>
+              <a:defRPr/>
+            </a:pPr>
+            <a:r>
+              <a:rPr kumimoji="0" lang="en-US" sz="2400" b="0" i="0" u="none" strike="noStrike" kern="1200" cap="none" spc="0" normalizeH="0" baseline="0" noProof="0" dirty="0" smtClean="0">
+                <a:ln>
+                  <a:noFill/>
+                </a:ln>
+                <a:solidFill>
+                  <a:schemeClr val="tx1"/>
+                </a:solidFill>
+                <a:effectLst/>
+                <a:uLnTx/>
+                <a:uFillTx/>
+                <a:latin typeface="+mn-lt"/>
+                <a:ea typeface="+mn-ea"/>
+                <a:cs typeface="+mn-cs"/>
+              </a:rPr>
+              <a:t>But fields is</a:t>
+            </a:r>
+            <a:r>
+              <a:rPr kumimoji="0" lang="en-US" sz="2400" b="0" i="0" u="none" strike="noStrike" kern="1200" cap="none" spc="0" normalizeH="0" noProof="0" dirty="0" smtClean="0">
+                <a:ln>
+                  <a:noFill/>
+                </a:ln>
+                <a:solidFill>
+                  <a:schemeClr val="tx1"/>
+                </a:solidFill>
+                <a:effectLst/>
+                <a:uLnTx/>
+                <a:uFillTx/>
+                <a:latin typeface="+mn-lt"/>
+                <a:ea typeface="+mn-ea"/>
+                <a:cs typeface="+mn-cs"/>
+              </a:rPr>
+              <a:t> </a:t>
+            </a:r>
+            <a:r>
+              <a:rPr kumimoji="0" lang="en-US" sz="2400" b="0" i="0" u="none" strike="noStrike" kern="1200" cap="none" spc="0" normalizeH="0" baseline="0" noProof="0" dirty="0" smtClean="0">
+                <a:ln>
+                  <a:noFill/>
+                </a:ln>
+                <a:solidFill>
+                  <a:schemeClr val="tx1"/>
+                </a:solidFill>
+                <a:effectLst/>
+                <a:uLnTx/>
+                <a:uFillTx/>
+                <a:latin typeface="+mn-lt"/>
+                <a:ea typeface="+mn-ea"/>
+                <a:cs typeface="+mn-cs"/>
+              </a:rPr>
+              <a:t>encapsulate from</a:t>
+            </a:r>
+            <a:r>
+              <a:rPr kumimoji="0" lang="en-US" sz="2400" b="0" i="0" u="none" strike="noStrike" kern="1200" cap="none" spc="0" normalizeH="0" noProof="0" dirty="0" smtClean="0">
+                <a:ln>
+                  <a:noFill/>
+                </a:ln>
+                <a:solidFill>
+                  <a:schemeClr val="tx1"/>
+                </a:solidFill>
+                <a:effectLst/>
+                <a:uLnTx/>
+                <a:uFillTx/>
+                <a:latin typeface="+mn-lt"/>
+                <a:ea typeface="+mn-ea"/>
+                <a:cs typeface="+mn-cs"/>
+              </a:rPr>
+              <a:t> t</a:t>
+            </a:r>
+            <a:r>
+              <a:rPr kumimoji="0" lang="en-US" sz="2400" b="0" i="0" u="none" strike="noStrike" kern="1200" cap="none" spc="0" normalizeH="0" baseline="0" noProof="0" dirty="0" smtClean="0">
+                <a:ln>
+                  <a:noFill/>
+                </a:ln>
+                <a:solidFill>
+                  <a:schemeClr val="tx1"/>
+                </a:solidFill>
+                <a:effectLst/>
+                <a:uLnTx/>
+                <a:uFillTx/>
+                <a:latin typeface="+mn-lt"/>
+                <a:ea typeface="+mn-ea"/>
+                <a:cs typeface="+mn-cs"/>
+              </a:rPr>
+              <a:t>he user, securing</a:t>
+            </a:r>
+            <a:r>
+              <a:rPr kumimoji="0" lang="en-US" sz="2400" b="0" i="0" u="none" strike="noStrike" kern="1200" cap="none" spc="0" normalizeH="0" noProof="0" dirty="0" smtClean="0">
+                <a:ln>
+                  <a:noFill/>
+                </a:ln>
+                <a:solidFill>
+                  <a:schemeClr val="tx1"/>
+                </a:solidFill>
+                <a:effectLst/>
+                <a:uLnTx/>
+                <a:uFillTx/>
+                <a:latin typeface="+mn-lt"/>
+                <a:ea typeface="+mn-ea"/>
+                <a:cs typeface="+mn-cs"/>
+              </a:rPr>
+              <a:t> robustness</a:t>
+            </a:r>
+            <a:endParaRPr kumimoji="0" lang="en-US" sz="2400" b="0" i="0" u="none" strike="noStrike" kern="1200" cap="none" spc="0" normalizeH="0" baseline="0" noProof="0" dirty="0" smtClean="0">
+              <a:ln>
+                <a:noFill/>
+              </a:ln>
+              <a:solidFill>
+                <a:schemeClr val="tx1"/>
+              </a:solidFill>
+              <a:effectLst/>
+              <a:uLnTx/>
+              <a:uFillTx/>
+              <a:latin typeface="+mn-lt"/>
+              <a:ea typeface="+mn-ea"/>
+              <a:cs typeface="+mn-cs"/>
+            </a:endParaRPr>
+          </a:p>
+          <a:p>
+            <a:pPr marL="742950" marR="0" lvl="1" indent="-285750" algn="l" defTabSz="914400" rtl="0" eaLnBrk="1" fontAlgn="auto" latinLnBrk="0" hangingPunct="1">
+              <a:lnSpc>
+                <a:spcPct val="100000"/>
+              </a:lnSpc>
+              <a:spcBef>
+                <a:spcPct val="20000"/>
+              </a:spcBef>
+              <a:spcAft>
+                <a:spcPts val="0"/>
+              </a:spcAft>
+              <a:buClrTx/>
+              <a:buSzTx/>
+              <a:buFont typeface="Arial" pitchFamily="34" charset="0"/>
+              <a:buChar char="–"/>
+              <a:tabLst/>
+              <a:defRPr/>
+            </a:pPr>
+            <a:endParaRPr kumimoji="0" lang="en-US" sz="2000" b="0" i="0" u="none" strike="noStrike" kern="1200" cap="none" spc="0" normalizeH="0" baseline="0" noProof="0" dirty="0" smtClean="0">
+              <a:ln>
+                <a:noFill/>
+              </a:ln>
+              <a:solidFill>
+                <a:schemeClr val="tx1"/>
+              </a:solidFill>
+              <a:effectLst/>
+              <a:uLnTx/>
+              <a:uFillTx/>
+              <a:latin typeface="+mn-lt"/>
+              <a:ea typeface="+mn-ea"/>
+              <a:cs typeface="+mn-cs"/>
+            </a:endParaRPr>
+          </a:p>
+          <a:p>
+            <a:pPr marL="742950" marR="0" lvl="1" indent="-285750" algn="l" defTabSz="914400" rtl="0" eaLnBrk="1" fontAlgn="auto" latinLnBrk="0" hangingPunct="1">
+              <a:lnSpc>
+                <a:spcPct val="100000"/>
+              </a:lnSpc>
+              <a:spcBef>
+                <a:spcPct val="20000"/>
+              </a:spcBef>
+              <a:spcAft>
+                <a:spcPts val="0"/>
+              </a:spcAft>
+              <a:buClrTx/>
+              <a:buSzTx/>
+              <a:buFont typeface="Arial" pitchFamily="34" charset="0"/>
+              <a:buChar char="–"/>
+              <a:tabLst/>
+              <a:defRPr/>
+            </a:pPr>
+            <a:endParaRPr kumimoji="0" lang="en-US" sz="2000" b="0" i="0" u="none" strike="noStrike" kern="1200" cap="none" spc="0" normalizeH="0" baseline="0" noProof="0" dirty="0" smtClean="0">
+              <a:ln>
+                <a:noFill/>
+              </a:ln>
+              <a:solidFill>
+                <a:schemeClr val="tx1"/>
+              </a:solidFill>
+              <a:effectLst/>
+              <a:uLnTx/>
+              <a:uFillTx/>
+              <a:latin typeface="+mn-lt"/>
+              <a:ea typeface="+mn-ea"/>
+              <a:cs typeface="+mn-cs"/>
+            </a:endParaRPr>
           </a:p>
         </p:txBody>
       </p:sp>
@@ -4509,14 +4981,32 @@
           <a:lstStyle/>
           <a:p>
             <a:r>
-              <a:rPr lang="en-US" smtClean="0"/>
-              <a:t>A method within our BlackJackWindow </a:t>
-            </a:r>
-            <a:r>
-              <a:rPr lang="en-US" smtClean="0"/>
+              <a:rPr lang="en-US" dirty="0" smtClean="0"/>
+              <a:t>A method within our </a:t>
+            </a:r>
+            <a:r>
+              <a:rPr lang="en-US" dirty="0" err="1" smtClean="0"/>
+              <a:t>BlackJackWindow</a:t>
+            </a:r>
+            <a:r>
+              <a:rPr lang="en-US" dirty="0" smtClean="0"/>
+              <a:t> </a:t>
+            </a:r>
+            <a:r>
+              <a:rPr lang="en-US" dirty="0" smtClean="0"/>
               <a:t>class</a:t>
             </a:r>
-            <a:endParaRPr lang="en-US"/>
+          </a:p>
+          <a:p>
+            <a:r>
+              <a:rPr lang="en-US" dirty="0" smtClean="0"/>
+              <a:t>P</a:t>
+            </a:r>
+            <a:r>
+              <a:rPr lang="en-US" dirty="0" smtClean="0"/>
+              <a:t>roperties in Card class</a:t>
+            </a:r>
+            <a:endParaRPr lang="en-US" dirty="0"/>
           </a:p>
         </p:txBody>
       </p:sp>

--- a/OOPExam/06 Methods, parameters, scope and properties.pptx
+++ b/OOPExam/06 Methods, parameters, scope and properties.pptx
@@ -5,19 +5,20 @@
     <p:sldMasterId id="2147483648" r:id="rId1"/>
   </p:sldMasterIdLst>
   <p:notesMasterIdLst>
-    <p:notesMasterId r:id="rId12"/>
+    <p:notesMasterId r:id="rId13"/>
   </p:notesMasterIdLst>
   <p:sldIdLst>
     <p:sldId id="256" r:id="rId2"/>
     <p:sldId id="257" r:id="rId3"/>
-    <p:sldId id="261" r:id="rId4"/>
-    <p:sldId id="265" r:id="rId5"/>
-    <p:sldId id="258" r:id="rId6"/>
-    <p:sldId id="266" r:id="rId7"/>
-    <p:sldId id="267" r:id="rId8"/>
-    <p:sldId id="262" r:id="rId9"/>
-    <p:sldId id="263" r:id="rId10"/>
-    <p:sldId id="264" r:id="rId11"/>
+    <p:sldId id="268" r:id="rId4"/>
+    <p:sldId id="261" r:id="rId5"/>
+    <p:sldId id="265" r:id="rId6"/>
+    <p:sldId id="258" r:id="rId7"/>
+    <p:sldId id="266" r:id="rId8"/>
+    <p:sldId id="267" r:id="rId9"/>
+    <p:sldId id="262" r:id="rId10"/>
+    <p:sldId id="263" r:id="rId11"/>
+    <p:sldId id="264" r:id="rId12"/>
   </p:sldIdLst>
   <p:sldSz cx="9144000" cy="6858000" type="screen4x3"/>
   <p:notesSz cx="6858000" cy="9144000"/>
@@ -719,18 +720,60 @@
           </a:bodyPr>
           <a:lstStyle/>
           <a:p>
+            <a:pPr marL="0" marR="0" indent="0" algn="l" defTabSz="914400" rtl="0" eaLnBrk="1" fontAlgn="auto" latinLnBrk="0" hangingPunct="1">
+              <a:lnSpc>
+                <a:spcPct val="100000"/>
+              </a:lnSpc>
+              <a:spcBef>
+                <a:spcPts val="0"/>
+              </a:spcBef>
+              <a:spcAft>
+                <a:spcPts val="0"/>
+              </a:spcAft>
+              <a:buClrTx/>
+              <a:buSzTx/>
+              <a:buFontTx/>
+              <a:buNone/>
+              <a:tabLst/>
+              <a:defRPr/>
+            </a:pPr>
             <a:r>
               <a:rPr lang="en-US" dirty="0" smtClean="0"/>
-              <a:t>Throughout this book, we use public fields extensively to keep the examples free of distraction. In a real application, you would typically favor public properties over public fields, in order to promote encapsulation.</a:t>
+              <a:t>A method performs an action in a series of statements. </a:t>
             </a:r>
           </a:p>
           <a:p>
             <a:endParaRPr lang="en-US" dirty="0" smtClean="0"/>
           </a:p>
           <a:p>
+            <a:pPr marL="0" marR="0" indent="0" algn="l" defTabSz="914400" rtl="0" eaLnBrk="1" fontAlgn="auto" latinLnBrk="0" hangingPunct="1">
+              <a:lnSpc>
+                <a:spcPct val="100000"/>
+              </a:lnSpc>
+              <a:spcBef>
+                <a:spcPts val="0"/>
+              </a:spcBef>
+              <a:spcAft>
+                <a:spcPts val="0"/>
+              </a:spcAft>
+              <a:buClrTx/>
+              <a:buSzTx/>
+              <a:buFontTx/>
+              <a:buNone/>
+              <a:tabLst/>
+              <a:defRPr/>
+            </a:pPr>
             <a:r>
               <a:rPr lang="en-US" dirty="0" smtClean="0"/>
-              <a:t>Properties look like fields from the outside but act like methods on the inside.</a:t>
+              <a:t>Parameters:</a:t>
+            </a:r>
+            <a:r>
+              <a:rPr lang="en-US" baseline="0" dirty="0" smtClean="0"/>
+              <a:t> </a:t>
+            </a:r>
+            <a:r>
+              <a:rPr lang="en-US" dirty="0" smtClean="0"/>
+              <a:t> A method can receive input data from the caller by specifying parameters, and output can send data back to the caller by specifying a return type</a:t>
             </a:r>
           </a:p>
           <a:p>
@@ -739,24 +782,38 @@
           <a:p>
             <a:r>
               <a:rPr lang="en-US" dirty="0" smtClean="0"/>
-              <a:t>A property is declared like a field, but with a { get {} set {} } block added. get and set denote property </a:t>
-            </a:r>
-            <a:r>
-              <a:rPr lang="en-US" dirty="0" err="1" smtClean="0"/>
-              <a:t>accessors</a:t>
-            </a:r>
-            <a:r>
-              <a:rPr lang="en-US" dirty="0" smtClean="0"/>
-              <a:t>.</a:t>
-            </a:r>
-          </a:p>
-          <a:p>
-            <a:endParaRPr lang="en-US" dirty="0" smtClean="0"/>
-          </a:p>
-          <a:p>
-            <a:r>
-              <a:rPr lang="en-US" dirty="0" smtClean="0"/>
-              <a:t>Although properties are accessed in the same way as fields, they differ in that they give the implementer complete control over getting and setting its value. This control enables the implementer to choose whatever internal representation is needed, without exposing the internal details to the user of the property.</a:t>
+              <a:t>Return</a:t>
+            </a:r>
+            <a:r>
+              <a:rPr lang="en-US" baseline="0" dirty="0" smtClean="0"/>
+              <a:t> type:</a:t>
+            </a:r>
+          </a:p>
+          <a:p>
+            <a:endParaRPr lang="en-US" baseline="0" dirty="0" smtClean="0"/>
+          </a:p>
+          <a:p>
+            <a:r>
+              <a:rPr lang="en-US" baseline="0" dirty="0" smtClean="0"/>
+              <a:t>Static modifier:</a:t>
+            </a:r>
+          </a:p>
+          <a:p>
+            <a:endParaRPr lang="en-US" baseline="0" dirty="0" smtClean="0"/>
+          </a:p>
+          <a:p>
+            <a:r>
+              <a:rPr lang="en-US" baseline="0" dirty="0" smtClean="0"/>
+              <a:t>Access modifiers:</a:t>
+            </a:r>
+          </a:p>
+          <a:p>
+            <a:endParaRPr lang="en-US" baseline="0" dirty="0" smtClean="0"/>
+          </a:p>
+          <a:p>
+            <a:r>
+              <a:rPr lang="en-US" baseline="0" smtClean="0"/>
+              <a:t>Inheritance modifiers:</a:t>
             </a:r>
             <a:endParaRPr lang="en-US" dirty="0"/>
           </a:p>
@@ -780,7 +837,7 @@
             <a:fld id="{AAB3DF41-A1DD-40C2-81C2-7C757221A446}" type="slidenum">
               <a:rPr lang="en-US" smtClean="0"/>
               <a:pPr/>
-              <a:t>6</a:t>
+              <a:t>2</a:t>
             </a:fld>
             <a:endParaRPr lang="en-US"/>
           </a:p>
@@ -840,6 +897,96 @@
           </a:bodyPr>
           <a:lstStyle/>
           <a:p>
+            <a:r>
+              <a:rPr lang="en-US" dirty="0" smtClean="0"/>
+              <a:t>Parameters Vs</a:t>
+            </a:r>
+            <a:r>
+              <a:rPr lang="en-US" baseline="0" dirty="0" smtClean="0"/>
+              <a:t> Arguments: </a:t>
+            </a:r>
+            <a:r>
+              <a:rPr lang="en-US" dirty="0" smtClean="0"/>
+              <a:t>it's only a point of view problem. If you look from the caller's point of view, they're arguments. If you look from the </a:t>
+            </a:r>
+            <a:r>
+              <a:rPr lang="en-US" dirty="0" err="1" smtClean="0"/>
+              <a:t>callee's</a:t>
+            </a:r>
+            <a:r>
+              <a:rPr lang="en-US" dirty="0" smtClean="0"/>
+              <a:t> point of view, they're parameters.</a:t>
+            </a:r>
+          </a:p>
+          <a:p>
+            <a:endParaRPr lang="en-US" dirty="0" smtClean="0"/>
+          </a:p>
+          <a:p>
+            <a:r>
+              <a:rPr lang="en-US" b="1" dirty="0" smtClean="0"/>
+              <a:t>Parameter</a:t>
+            </a:r>
+            <a:r>
+              <a:rPr lang="en-US" dirty="0" smtClean="0"/>
+              <a:t> is variable in the declaration of function.</a:t>
+            </a:r>
+          </a:p>
+          <a:p>
+            <a:r>
+              <a:rPr lang="en-US" b="1" dirty="0" smtClean="0"/>
+              <a:t>Argument</a:t>
+            </a:r>
+            <a:r>
+              <a:rPr lang="en-US" dirty="0" smtClean="0"/>
+              <a:t> is the actual value of this variable that gets passed to function.</a:t>
+            </a:r>
+          </a:p>
+          <a:p>
+            <a:endParaRPr lang="en-US" dirty="0" smtClean="0"/>
+          </a:p>
+          <a:p>
+            <a:r>
+              <a:rPr lang="en-US" dirty="0" smtClean="0"/>
+              <a:t>void </a:t>
+            </a:r>
+            <a:r>
+              <a:rPr lang="en-US" dirty="0" err="1" smtClean="0"/>
+              <a:t>Foo</a:t>
+            </a:r>
+            <a:r>
+              <a:rPr lang="en-US" dirty="0" smtClean="0"/>
+              <a:t>(</a:t>
+            </a:r>
+            <a:r>
+              <a:rPr lang="en-US" dirty="0" err="1" smtClean="0"/>
+              <a:t>int</a:t>
+            </a:r>
+            <a:r>
+              <a:rPr lang="en-US" dirty="0" smtClean="0"/>
+              <a:t> x, </a:t>
+            </a:r>
+            <a:r>
+              <a:rPr lang="en-US" dirty="0" err="1" smtClean="0"/>
+              <a:t>int</a:t>
+            </a:r>
+            <a:r>
+              <a:rPr lang="en-US" dirty="0" smtClean="0"/>
+              <a:t> y); // x and y are parameters</a:t>
+            </a:r>
+            <a:br>
+              <a:rPr lang="en-US" dirty="0" smtClean="0"/>
+            </a:br>
+            <a:r>
+              <a:rPr lang="en-US" dirty="0" err="1" smtClean="0"/>
+              <a:t>Foo</a:t>
+            </a:r>
+            <a:r>
+              <a:rPr lang="en-US" dirty="0" smtClean="0"/>
+              <a:t>(1, 2);  // 1 and 2 are arguments</a:t>
+            </a:r>
+            <a:br>
+              <a:rPr lang="en-US" dirty="0" smtClean="0"/>
+            </a:br>
             <a:endParaRPr lang="en-US" dirty="0"/>
           </a:p>
         </p:txBody>
@@ -862,7 +1009,7 @@
             <a:fld id="{AAB3DF41-A1DD-40C2-81C2-7C757221A446}" type="slidenum">
               <a:rPr lang="en-US" smtClean="0"/>
               <a:pPr/>
-              <a:t>7</a:t>
+              <a:t>4</a:t>
             </a:fld>
             <a:endParaRPr lang="en-US"/>
           </a:p>
@@ -922,6 +1069,303 @@
           </a:bodyPr>
           <a:lstStyle/>
           <a:p>
+            <a:r>
+              <a:rPr lang="en-US" dirty="0" smtClean="0"/>
+              <a:t>Scope is the range in which a variable can be referenced.</a:t>
+            </a:r>
+            <a:endParaRPr lang="en-US" dirty="0"/>
+          </a:p>
+        </p:txBody>
+      </p:sp>
+      <p:sp>
+        <p:nvSpPr>
+          <p:cNvPr id="4" name="Pladsholder til diasnummer 3"/>
+          <p:cNvSpPr>
+            <a:spLocks noGrp="1"/>
+          </p:cNvSpPr>
+          <p:nvPr>
+            <p:ph type="sldNum" sz="quarter" idx="10"/>
+          </p:nvPr>
+        </p:nvSpPr>
+        <p:spPr/>
+        <p:txBody>
+          <a:bodyPr/>
+          <a:lstStyle/>
+          <a:p>
+            <a:fld id="{AAB3DF41-A1DD-40C2-81C2-7C757221A446}" type="slidenum">
+              <a:rPr lang="en-US" smtClean="0"/>
+              <a:pPr/>
+              <a:t>6</a:t>
+            </a:fld>
+            <a:endParaRPr lang="en-US"/>
+          </a:p>
+        </p:txBody>
+      </p:sp>
+    </p:spTree>
+  </p:cSld>
+  <p:clrMapOvr>
+    <a:masterClrMapping/>
+  </p:clrMapOvr>
+</p:notes>
+</file>
+
+<file path=ppt/notesSlides/notesSlide5.xml><?xml version="1.0" encoding="utf-8"?>
+<p:notes xmlns:a="http://schemas.openxmlformats.org/drawingml/2006/main" xmlns:r="http://schemas.openxmlformats.org/officeDocument/2006/relationships" xmlns:p="http://schemas.openxmlformats.org/presentationml/2006/main">
+  <p:cSld>
+    <p:spTree>
+      <p:nvGrpSpPr>
+        <p:cNvPr id="1" name=""/>
+        <p:cNvGrpSpPr/>
+        <p:nvPr/>
+      </p:nvGrpSpPr>
+      <p:grpSpPr>
+        <a:xfrm>
+          <a:off x="0" y="0"/>
+          <a:ext cx="0" cy="0"/>
+          <a:chOff x="0" y="0"/>
+          <a:chExt cx="0" cy="0"/>
+        </a:xfrm>
+      </p:grpSpPr>
+      <p:sp>
+        <p:nvSpPr>
+          <p:cNvPr id="2" name="Pladsholder til diasbillede 1"/>
+          <p:cNvSpPr>
+            <a:spLocks noGrp="1" noRot="1" noChangeAspect="1"/>
+          </p:cNvSpPr>
+          <p:nvPr>
+            <p:ph type="sldImg"/>
+          </p:nvPr>
+        </p:nvSpPr>
+        <p:spPr/>
+      </p:sp>
+      <p:sp>
+        <p:nvSpPr>
+          <p:cNvPr id="3" name="Pladsholder til noter 2"/>
+          <p:cNvSpPr>
+            <a:spLocks noGrp="1"/>
+          </p:cNvSpPr>
+          <p:nvPr>
+            <p:ph type="body" idx="1"/>
+          </p:nvPr>
+        </p:nvSpPr>
+        <p:spPr/>
+        <p:txBody>
+          <a:bodyPr>
+            <a:normAutofit/>
+          </a:bodyPr>
+          <a:lstStyle/>
+          <a:p>
+            <a:r>
+              <a:rPr lang="en-US" dirty="0" smtClean="0"/>
+              <a:t>Throughout this book, we use public fields extensively to keep the examples free of distraction. In a real application, you would typically favor public properties over public fields, in order to promote encapsulation.</a:t>
+            </a:r>
+          </a:p>
+          <a:p>
+            <a:endParaRPr lang="en-US" dirty="0" smtClean="0"/>
+          </a:p>
+          <a:p>
+            <a:r>
+              <a:rPr lang="en-US" dirty="0" smtClean="0"/>
+              <a:t>Properties look like fields from the outside but act like methods on the inside.</a:t>
+            </a:r>
+          </a:p>
+          <a:p>
+            <a:endParaRPr lang="en-US" dirty="0" smtClean="0"/>
+          </a:p>
+          <a:p>
+            <a:r>
+              <a:rPr lang="en-US" dirty="0" smtClean="0"/>
+              <a:t>A property is declared like a field, but with a { get {} set {} } block added. get and set denote property </a:t>
+            </a:r>
+            <a:r>
+              <a:rPr lang="en-US" dirty="0" err="1" smtClean="0"/>
+              <a:t>accessors</a:t>
+            </a:r>
+            <a:r>
+              <a:rPr lang="en-US" dirty="0" smtClean="0"/>
+              <a:t>.</a:t>
+            </a:r>
+          </a:p>
+          <a:p>
+            <a:endParaRPr lang="en-US" dirty="0" smtClean="0"/>
+          </a:p>
+          <a:p>
+            <a:r>
+              <a:rPr lang="en-US" dirty="0" smtClean="0"/>
+              <a:t>Although properties are accessed in the same way as fields, they differ in that they give the implementer complete control over getting and setting its value. This control enables the implementer to choose whatever internal representation is needed, without exposing the internal details to the user of the property.</a:t>
+            </a:r>
+            <a:endParaRPr lang="en-US" dirty="0"/>
+          </a:p>
+        </p:txBody>
+      </p:sp>
+      <p:sp>
+        <p:nvSpPr>
+          <p:cNvPr id="4" name="Pladsholder til diasnummer 3"/>
+          <p:cNvSpPr>
+            <a:spLocks noGrp="1"/>
+          </p:cNvSpPr>
+          <p:nvPr>
+            <p:ph type="sldNum" sz="quarter" idx="10"/>
+          </p:nvPr>
+        </p:nvSpPr>
+        <p:spPr/>
+        <p:txBody>
+          <a:bodyPr/>
+          <a:lstStyle/>
+          <a:p>
+            <a:fld id="{AAB3DF41-A1DD-40C2-81C2-7C757221A446}" type="slidenum">
+              <a:rPr lang="en-US" smtClean="0"/>
+              <a:pPr/>
+              <a:t>7</a:t>
+            </a:fld>
+            <a:endParaRPr lang="en-US"/>
+          </a:p>
+        </p:txBody>
+      </p:sp>
+    </p:spTree>
+  </p:cSld>
+  <p:clrMapOvr>
+    <a:masterClrMapping/>
+  </p:clrMapOvr>
+</p:notes>
+</file>
+
+<file path=ppt/notesSlides/notesSlide6.xml><?xml version="1.0" encoding="utf-8"?>
+<p:notes xmlns:a="http://schemas.openxmlformats.org/drawingml/2006/main" xmlns:r="http://schemas.openxmlformats.org/officeDocument/2006/relationships" xmlns:p="http://schemas.openxmlformats.org/presentationml/2006/main">
+  <p:cSld>
+    <p:spTree>
+      <p:nvGrpSpPr>
+        <p:cNvPr id="1" name=""/>
+        <p:cNvGrpSpPr/>
+        <p:nvPr/>
+      </p:nvGrpSpPr>
+      <p:grpSpPr>
+        <a:xfrm>
+          <a:off x="0" y="0"/>
+          <a:ext cx="0" cy="0"/>
+          <a:chOff x="0" y="0"/>
+          <a:chExt cx="0" cy="0"/>
+        </a:xfrm>
+      </p:grpSpPr>
+      <p:sp>
+        <p:nvSpPr>
+          <p:cNvPr id="2" name="Pladsholder til diasbillede 1"/>
+          <p:cNvSpPr>
+            <a:spLocks noGrp="1" noRot="1" noChangeAspect="1"/>
+          </p:cNvSpPr>
+          <p:nvPr>
+            <p:ph type="sldImg"/>
+          </p:nvPr>
+        </p:nvSpPr>
+        <p:spPr/>
+      </p:sp>
+      <p:sp>
+        <p:nvSpPr>
+          <p:cNvPr id="3" name="Pladsholder til noter 2"/>
+          <p:cNvSpPr>
+            <a:spLocks noGrp="1"/>
+          </p:cNvSpPr>
+          <p:nvPr>
+            <p:ph type="body" idx="1"/>
+          </p:nvPr>
+        </p:nvSpPr>
+        <p:spPr/>
+        <p:txBody>
+          <a:bodyPr>
+            <a:normAutofit/>
+          </a:bodyPr>
+          <a:lstStyle/>
+          <a:p>
+            <a:r>
+              <a:rPr lang="en-US" dirty="0" smtClean="0"/>
+              <a:t>Example of</a:t>
+            </a:r>
+            <a:r>
+              <a:rPr lang="en-US" baseline="0" dirty="0" smtClean="0"/>
+              <a:t> methods and properties in our application. The properties of Card class only have get, we don’t need set, since the fields are set in the constructor.</a:t>
+            </a:r>
+            <a:endParaRPr lang="en-US" dirty="0"/>
+          </a:p>
+        </p:txBody>
+      </p:sp>
+      <p:sp>
+        <p:nvSpPr>
+          <p:cNvPr id="4" name="Pladsholder til diasnummer 3"/>
+          <p:cNvSpPr>
+            <a:spLocks noGrp="1"/>
+          </p:cNvSpPr>
+          <p:nvPr>
+            <p:ph type="sldNum" sz="quarter" idx="10"/>
+          </p:nvPr>
+        </p:nvSpPr>
+        <p:spPr/>
+        <p:txBody>
+          <a:bodyPr/>
+          <a:lstStyle/>
+          <a:p>
+            <a:fld id="{AAB3DF41-A1DD-40C2-81C2-7C757221A446}" type="slidenum">
+              <a:rPr lang="en-US" smtClean="0"/>
+              <a:pPr/>
+              <a:t>8</a:t>
+            </a:fld>
+            <a:endParaRPr lang="en-US"/>
+          </a:p>
+        </p:txBody>
+      </p:sp>
+    </p:spTree>
+  </p:cSld>
+  <p:clrMapOvr>
+    <a:masterClrMapping/>
+  </p:clrMapOvr>
+</p:notes>
+</file>
+
+<file path=ppt/notesSlides/notesSlide7.xml><?xml version="1.0" encoding="utf-8"?>
+<p:notes xmlns:a="http://schemas.openxmlformats.org/drawingml/2006/main" xmlns:r="http://schemas.openxmlformats.org/officeDocument/2006/relationships" xmlns:p="http://schemas.openxmlformats.org/presentationml/2006/main">
+  <p:cSld>
+    <p:spTree>
+      <p:nvGrpSpPr>
+        <p:cNvPr id="1" name=""/>
+        <p:cNvGrpSpPr/>
+        <p:nvPr/>
+      </p:nvGrpSpPr>
+      <p:grpSpPr>
+        <a:xfrm>
+          <a:off x="0" y="0"/>
+          <a:ext cx="0" cy="0"/>
+          <a:chOff x="0" y="0"/>
+          <a:chExt cx="0" cy="0"/>
+        </a:xfrm>
+      </p:grpSpPr>
+      <p:sp>
+        <p:nvSpPr>
+          <p:cNvPr id="2" name="Pladsholder til diasbillede 1"/>
+          <p:cNvSpPr>
+            <a:spLocks noGrp="1" noRot="1" noChangeAspect="1"/>
+          </p:cNvSpPr>
+          <p:nvPr>
+            <p:ph type="sldImg"/>
+          </p:nvPr>
+        </p:nvSpPr>
+        <p:spPr/>
+      </p:sp>
+      <p:sp>
+        <p:nvSpPr>
+          <p:cNvPr id="3" name="Pladsholder til noter 2"/>
+          <p:cNvSpPr>
+            <a:spLocks noGrp="1"/>
+          </p:cNvSpPr>
+          <p:nvPr>
+            <p:ph type="body" idx="1"/>
+          </p:nvPr>
+        </p:nvSpPr>
+        <p:spPr/>
+        <p:txBody>
+          <a:bodyPr>
+            <a:normAutofit/>
+          </a:bodyPr>
+          <a:lstStyle/>
+          <a:p>
             <a:pPr marL="0" marR="0" indent="0" algn="l" defTabSz="914400" rtl="0" eaLnBrk="1" fontAlgn="auto" latinLnBrk="0" hangingPunct="1">
               <a:lnSpc>
                 <a:spcPct val="100000"/>
@@ -1102,7 +1546,7 @@
             <a:fld id="{41BD0771-8E2D-46E3-8723-C8AF04A84B8E}" type="slidenum">
               <a:rPr lang="en-US" smtClean="0"/>
               <a:pPr/>
-              <a:t>9</a:t>
+              <a:t>10</a:t>
             </a:fld>
             <a:endParaRPr lang="en-US"/>
           </a:p>
@@ -4137,6 +4581,143 @@
           <a:chExt cx="0" cy="0"/>
         </a:xfrm>
       </p:grpSpPr>
+      <p:pic>
+        <p:nvPicPr>
+          <p:cNvPr id="2052" name="Picture 4"/>
+          <p:cNvPicPr>
+            <a:picLocks noChangeAspect="1" noChangeArrowheads="1"/>
+          </p:cNvPicPr>
+          <p:nvPr/>
+        </p:nvPicPr>
+        <p:blipFill>
+          <a:blip r:embed="rId3" cstate="print"/>
+          <a:srcRect/>
+          <a:stretch>
+            <a:fillRect/>
+          </a:stretch>
+        </p:blipFill>
+        <p:spPr bwMode="auto">
+          <a:xfrm>
+            <a:off x="500034" y="2500306"/>
+            <a:ext cx="6219825" cy="2981325"/>
+          </a:xfrm>
+          <a:prstGeom prst="rect">
+            <a:avLst/>
+          </a:prstGeom>
+          <a:noFill/>
+          <a:ln w="9525">
+            <a:noFill/>
+            <a:miter lim="800000"/>
+            <a:headEnd/>
+            <a:tailEnd/>
+          </a:ln>
+        </p:spPr>
+      </p:pic>
+      <p:sp>
+        <p:nvSpPr>
+          <p:cNvPr id="2" name="Title 1"/>
+          <p:cNvSpPr>
+            <a:spLocks noGrp="1"/>
+          </p:cNvSpPr>
+          <p:nvPr>
+            <p:ph type="title"/>
+          </p:nvPr>
+        </p:nvSpPr>
+        <p:spPr/>
+        <p:txBody>
+          <a:bodyPr/>
+          <a:lstStyle/>
+          <a:p>
+            <a:r>
+              <a:rPr lang="en-US" dirty="0" smtClean="0"/>
+              <a:t>Our program</a:t>
+            </a:r>
+            <a:endParaRPr lang="en-US" dirty="0"/>
+          </a:p>
+        </p:txBody>
+      </p:sp>
+      <p:sp>
+        <p:nvSpPr>
+          <p:cNvPr id="3" name="Content Placeholder 2"/>
+          <p:cNvSpPr>
+            <a:spLocks noGrp="1"/>
+          </p:cNvSpPr>
+          <p:nvPr>
+            <p:ph idx="1"/>
+          </p:nvPr>
+        </p:nvSpPr>
+        <p:spPr/>
+        <p:txBody>
+          <a:bodyPr/>
+          <a:lstStyle/>
+          <a:p>
+            <a:r>
+              <a:rPr lang="en-US" dirty="0" smtClean="0"/>
+              <a:t>List and </a:t>
+            </a:r>
+            <a:r>
+              <a:rPr lang="en-US" dirty="0" err="1" smtClean="0"/>
+              <a:t>foreach</a:t>
+            </a:r>
+            <a:r>
+              <a:rPr lang="en-US" dirty="0" smtClean="0"/>
+              <a:t> in our application</a:t>
+            </a:r>
+            <a:endParaRPr lang="en-US" dirty="0"/>
+          </a:p>
+        </p:txBody>
+      </p:sp>
+      <p:pic>
+        <p:nvPicPr>
+          <p:cNvPr id="2050" name="Picture 2" descr="C:\Users\Martin\Desktop\Personal\Civil 3 Semester\projectwork\OOPExam\classDiagram.png"/>
+          <p:cNvPicPr>
+            <a:picLocks noChangeAspect="1" noChangeArrowheads="1"/>
+          </p:cNvPicPr>
+          <p:nvPr/>
+        </p:nvPicPr>
+        <p:blipFill>
+          <a:blip r:embed="rId4" cstate="print"/>
+          <a:srcRect/>
+          <a:stretch>
+            <a:fillRect/>
+          </a:stretch>
+        </p:blipFill>
+        <p:spPr bwMode="auto">
+          <a:xfrm>
+            <a:off x="4500562" y="3357562"/>
+            <a:ext cx="4430954" cy="3286148"/>
+          </a:xfrm>
+          <a:prstGeom prst="rect">
+            <a:avLst/>
+          </a:prstGeom>
+          <a:noFill/>
+        </p:spPr>
+      </p:pic>
+    </p:spTree>
+  </p:cSld>
+  <p:clrMapOvr>
+    <a:masterClrMapping/>
+  </p:clrMapOvr>
+</p:sld>
+</file>
+
+<file path=ppt/slides/slide11.xml><?xml version="1.0" encoding="utf-8"?>
+<p:sld xmlns:a="http://schemas.openxmlformats.org/drawingml/2006/main" xmlns:r="http://schemas.openxmlformats.org/officeDocument/2006/relationships" xmlns:p="http://schemas.openxmlformats.org/presentationml/2006/main">
+  <p:cSld>
+    <p:spTree>
+      <p:nvGrpSpPr>
+        <p:cNvPr id="1" name=""/>
+        <p:cNvGrpSpPr/>
+        <p:nvPr/>
+      </p:nvGrpSpPr>
+      <p:grpSpPr>
+        <a:xfrm>
+          <a:off x="0" y="0"/>
+          <a:ext cx="0" cy="0"/>
+          <a:chOff x="0" y="0"/>
+          <a:chExt cx="0" cy="0"/>
+        </a:xfrm>
+      </p:grpSpPr>
       <p:sp>
         <p:nvSpPr>
           <p:cNvPr id="2" name="Title 1"/>
@@ -4220,29 +4801,57 @@
           <a:lstStyle/>
           <a:p>
             <a:r>
+              <a:rPr lang="en-US" smtClean="0"/>
+              <a:t>Methods</a:t>
+            </a:r>
+            <a:endParaRPr lang="en-US"/>
+          </a:p>
+        </p:txBody>
+      </p:sp>
+      <p:sp>
+        <p:nvSpPr>
+          <p:cNvPr id="3" name="Content Placeholder 2"/>
+          <p:cNvSpPr>
+            <a:spLocks noGrp="1"/>
+          </p:cNvSpPr>
+          <p:nvPr>
+            <p:ph idx="1"/>
+          </p:nvPr>
+        </p:nvSpPr>
+        <p:spPr/>
+        <p:txBody>
+          <a:bodyPr/>
+          <a:lstStyle/>
+          <a:p>
+            <a:r>
               <a:rPr lang="en-US" dirty="0" smtClean="0"/>
-              <a:t>Methods</a:t>
+              <a:t>Parameters</a:t>
+            </a:r>
+          </a:p>
+          <a:p>
+            <a:r>
+              <a:rPr lang="en-US" dirty="0" smtClean="0"/>
+              <a:t>Return type</a:t>
+            </a:r>
+          </a:p>
+          <a:p>
+            <a:r>
+              <a:rPr lang="en-US" dirty="0" smtClean="0"/>
+              <a:t>Static modifier</a:t>
+            </a:r>
+          </a:p>
+          <a:p>
+            <a:r>
+              <a:rPr lang="en-US" dirty="0" smtClean="0"/>
+              <a:t>Access modifiers</a:t>
+            </a:r>
+          </a:p>
+          <a:p>
+            <a:r>
+              <a:rPr lang="en-US" dirty="0" smtClean="0"/>
+              <a:t>Inheritance modifiers</a:t>
             </a:r>
             <a:endParaRPr lang="en-US" dirty="0"/>
-          </a:p>
-        </p:txBody>
-      </p:sp>
-      <p:sp>
-        <p:nvSpPr>
-          <p:cNvPr id="3" name="Content Placeholder 2"/>
-          <p:cNvSpPr>
-            <a:spLocks noGrp="1"/>
-          </p:cNvSpPr>
-          <p:nvPr>
-            <p:ph idx="1"/>
-          </p:nvPr>
-        </p:nvSpPr>
-        <p:spPr/>
-        <p:txBody>
-          <a:bodyPr/>
-          <a:lstStyle/>
-          <a:p>
-            <a:endParaRPr lang="da-DK"/>
           </a:p>
         </p:txBody>
       </p:sp>
@@ -4288,7 +4897,7 @@
           <a:p>
             <a:r>
               <a:rPr lang="en-US" dirty="0" smtClean="0"/>
-              <a:t>Parameters and Arguments</a:t>
+              <a:t>Overloading Methods</a:t>
             </a:r>
             <a:endParaRPr lang="en-US" dirty="0"/>
           </a:p>
@@ -4309,36 +4918,42 @@
           <a:bodyPr/>
           <a:lstStyle/>
           <a:p>
-            <a:endParaRPr lang="da-DK" dirty="0"/>
-          </a:p>
-        </p:txBody>
-      </p:sp>
-      <p:sp>
-        <p:nvSpPr>
-          <p:cNvPr id="4" name="TextBox 3"/>
-          <p:cNvSpPr txBox="1"/>
+            <a:endParaRPr lang="da-DK"/>
+          </a:p>
+        </p:txBody>
+      </p:sp>
+      <p:pic>
+        <p:nvPicPr>
+          <p:cNvPr id="2050" name="Picture 2"/>
+          <p:cNvPicPr>
+            <a:picLocks noChangeAspect="1" noChangeArrowheads="1"/>
+          </p:cNvPicPr>
           <p:nvPr/>
-        </p:nvSpPr>
-        <p:spPr>
+        </p:nvPicPr>
+        <p:blipFill>
+          <a:blip r:embed="rId2" cstate="print"/>
+          <a:srcRect/>
+          <a:stretch>
+            <a:fillRect/>
+          </a:stretch>
+        </p:blipFill>
+        <p:spPr bwMode="auto">
           <a:xfrm>
-            <a:off x="1500166" y="2500306"/>
-            <a:ext cx="2571768" cy="369332"/>
+            <a:off x="2428860" y="4929198"/>
+            <a:ext cx="4067475" cy="890591"/>
           </a:xfrm>
           <a:prstGeom prst="rect">
             <a:avLst/>
           </a:prstGeom>
           <a:noFill/>
+          <a:ln w="9525">
+            <a:noFill/>
+            <a:miter lim="800000"/>
+            <a:headEnd/>
+            <a:tailEnd/>
+          </a:ln>
         </p:spPr>
-        <p:txBody>
-          <a:bodyPr wrap="square" rtlCol="0">
-            <a:spAutoFit/>
-          </a:bodyPr>
-          <a:lstStyle/>
-          <a:p>
-            <a:endParaRPr lang="en-US" dirty="0"/>
-          </a:p>
-        </p:txBody>
-      </p:sp>
+      </p:pic>
     </p:spTree>
   </p:cSld>
   <p:clrMapOvr>
@@ -4381,7 +4996,7 @@
           <a:p>
             <a:r>
               <a:rPr lang="en-US" dirty="0" smtClean="0"/>
-              <a:t>Value and Reference Parameters</a:t>
+              <a:t>Parameters and Arguments</a:t>
             </a:r>
             <a:endParaRPr lang="en-US" dirty="0"/>
           </a:p>
@@ -4401,6 +5016,36 @@
         <p:txBody>
           <a:bodyPr/>
           <a:lstStyle/>
+          <a:p>
+            <a:r>
+              <a:rPr lang="en-US" dirty="0" smtClean="0"/>
+              <a:t>These two terms are often used interchangeably</a:t>
+            </a:r>
+            <a:r>
+              <a:rPr lang="en-US" dirty="0" smtClean="0"/>
+              <a:t>;</a:t>
+            </a:r>
+          </a:p>
+          <a:p>
+            <a:r>
+              <a:rPr lang="en-US" b="1" dirty="0" smtClean="0"/>
+              <a:t>Parameter</a:t>
+            </a:r>
+            <a:r>
+              <a:rPr lang="en-US" dirty="0" smtClean="0"/>
+              <a:t> is variable in the declaration of function.</a:t>
+            </a:r>
+          </a:p>
+          <a:p>
+            <a:r>
+              <a:rPr lang="en-US" b="1" dirty="0" smtClean="0"/>
+              <a:t>Argument</a:t>
+            </a:r>
+            <a:r>
+              <a:rPr lang="en-US" dirty="0" smtClean="0"/>
+              <a:t> is the actual value of this variable that gets passed to function.</a:t>
+            </a:r>
+          </a:p>
           <a:p>
             <a:endParaRPr lang="da-DK" dirty="0"/>
           </a:p>
@@ -4474,7 +5119,7 @@
           <a:p>
             <a:r>
               <a:rPr lang="en-US" dirty="0" smtClean="0"/>
-              <a:t>Scope</a:t>
+              <a:t>Value and Reference Parameters</a:t>
             </a:r>
             <a:endParaRPr lang="en-US" dirty="0"/>
           </a:p>
@@ -4495,7 +5140,33 @@
           <a:bodyPr/>
           <a:lstStyle/>
           <a:p>
-            <a:endParaRPr lang="da-DK"/>
+            <a:endParaRPr lang="da-DK" dirty="0"/>
+          </a:p>
+        </p:txBody>
+      </p:sp>
+      <p:sp>
+        <p:nvSpPr>
+          <p:cNvPr id="4" name="TextBox 3"/>
+          <p:cNvSpPr txBox="1"/>
+          <p:nvPr/>
+        </p:nvSpPr>
+        <p:spPr>
+          <a:xfrm>
+            <a:off x="1500166" y="2500306"/>
+            <a:ext cx="2571768" cy="369332"/>
+          </a:xfrm>
+          <a:prstGeom prst="rect">
+            <a:avLst/>
+          </a:prstGeom>
+          <a:noFill/>
+        </p:spPr>
+        <p:txBody>
+          <a:bodyPr wrap="square" rtlCol="0">
+            <a:spAutoFit/>
+          </a:bodyPr>
+          <a:lstStyle/>
+          <a:p>
+            <a:endParaRPr lang="en-US" dirty="0"/>
           </a:p>
         </p:txBody>
       </p:sp>
@@ -4508,6 +5179,79 @@
 </file>
 
 <file path=ppt/slides/slide6.xml><?xml version="1.0" encoding="utf-8"?>
+<p:sld xmlns:a="http://schemas.openxmlformats.org/drawingml/2006/main" xmlns:r="http://schemas.openxmlformats.org/officeDocument/2006/relationships" xmlns:p="http://schemas.openxmlformats.org/presentationml/2006/main">
+  <p:cSld>
+    <p:spTree>
+      <p:nvGrpSpPr>
+        <p:cNvPr id="1" name=""/>
+        <p:cNvGrpSpPr/>
+        <p:nvPr/>
+      </p:nvGrpSpPr>
+      <p:grpSpPr>
+        <a:xfrm>
+          <a:off x="0" y="0"/>
+          <a:ext cx="0" cy="0"/>
+          <a:chOff x="0" y="0"/>
+          <a:chExt cx="0" cy="0"/>
+        </a:xfrm>
+      </p:grpSpPr>
+      <p:sp>
+        <p:nvSpPr>
+          <p:cNvPr id="2" name="Title 1"/>
+          <p:cNvSpPr>
+            <a:spLocks noGrp="1"/>
+          </p:cNvSpPr>
+          <p:nvPr>
+            <p:ph type="title"/>
+          </p:nvPr>
+        </p:nvSpPr>
+        <p:spPr/>
+        <p:txBody>
+          <a:bodyPr/>
+          <a:lstStyle/>
+          <a:p>
+            <a:r>
+              <a:rPr lang="en-US" dirty="0" smtClean="0"/>
+              <a:t>Scope</a:t>
+            </a:r>
+            <a:endParaRPr lang="en-US" dirty="0"/>
+          </a:p>
+        </p:txBody>
+      </p:sp>
+      <p:sp>
+        <p:nvSpPr>
+          <p:cNvPr id="3" name="Content Placeholder 2"/>
+          <p:cNvSpPr>
+            <a:spLocks noGrp="1"/>
+          </p:cNvSpPr>
+          <p:nvPr>
+            <p:ph idx="1"/>
+          </p:nvPr>
+        </p:nvSpPr>
+        <p:spPr/>
+        <p:txBody>
+          <a:bodyPr/>
+          <a:lstStyle/>
+          <a:p>
+            <a:r>
+              <a:rPr lang="en-US" dirty="0" smtClean="0"/>
+              <a:t>Scope is the range in which a variable can be referenced.</a:t>
+            </a:r>
+          </a:p>
+          <a:p>
+            <a:endParaRPr lang="da-DK" dirty="0"/>
+          </a:p>
+        </p:txBody>
+      </p:sp>
+    </p:spTree>
+  </p:cSld>
+  <p:clrMapOvr>
+    <a:masterClrMapping/>
+  </p:clrMapOvr>
+</p:sld>
+</file>
+
+<file path=ppt/slides/slide7.xml><?xml version="1.0" encoding="utf-8"?>
 <p:sld xmlns:a="http://schemas.openxmlformats.org/drawingml/2006/main" xmlns:r="http://schemas.openxmlformats.org/officeDocument/2006/relationships" xmlns:p="http://schemas.openxmlformats.org/presentationml/2006/main">
   <p:cSld>
     <p:spTree>
@@ -4925,7 +5669,7 @@
 </p:sld>
 </file>
 
-<file path=ppt/slides/slide7.xml><?xml version="1.0" encoding="utf-8"?>
+<file path=ppt/slides/slide8.xml><?xml version="1.0" encoding="utf-8"?>
 <p:sld xmlns:a="http://schemas.openxmlformats.org/drawingml/2006/main" xmlns:r="http://schemas.openxmlformats.org/officeDocument/2006/relationships" xmlns:p="http://schemas.openxmlformats.org/presentationml/2006/main">
   <p:cSld>
     <p:spTree>
@@ -5082,7 +5826,7 @@
 </p:sld>
 </file>
 
-<file path=ppt/slides/slide8.xml><?xml version="1.0" encoding="utf-8"?>
+<file path=ppt/slides/slide9.xml><?xml version="1.0" encoding="utf-8"?>
 <p:sld xmlns:a="http://schemas.openxmlformats.org/drawingml/2006/main" xmlns:r="http://schemas.openxmlformats.org/officeDocument/2006/relationships" xmlns:p="http://schemas.openxmlformats.org/presentationml/2006/main">
   <p:cSld>
     <p:spTree>
@@ -5196,143 +5940,6 @@
           <a:xfrm>
             <a:off x="2714612" y="2500306"/>
             <a:ext cx="6207028" cy="3430838"/>
-          </a:xfrm>
-          <a:prstGeom prst="rect">
-            <a:avLst/>
-          </a:prstGeom>
-          <a:noFill/>
-        </p:spPr>
-      </p:pic>
-    </p:spTree>
-  </p:cSld>
-  <p:clrMapOvr>
-    <a:masterClrMapping/>
-  </p:clrMapOvr>
-</p:sld>
-</file>
-
-<file path=ppt/slides/slide9.xml><?xml version="1.0" encoding="utf-8"?>
-<p:sld xmlns:a="http://schemas.openxmlformats.org/drawingml/2006/main" xmlns:r="http://schemas.openxmlformats.org/officeDocument/2006/relationships" xmlns:p="http://schemas.openxmlformats.org/presentationml/2006/main">
-  <p:cSld>
-    <p:spTree>
-      <p:nvGrpSpPr>
-        <p:cNvPr id="1" name=""/>
-        <p:cNvGrpSpPr/>
-        <p:nvPr/>
-      </p:nvGrpSpPr>
-      <p:grpSpPr>
-        <a:xfrm>
-          <a:off x="0" y="0"/>
-          <a:ext cx="0" cy="0"/>
-          <a:chOff x="0" y="0"/>
-          <a:chExt cx="0" cy="0"/>
-        </a:xfrm>
-      </p:grpSpPr>
-      <p:pic>
-        <p:nvPicPr>
-          <p:cNvPr id="2052" name="Picture 4"/>
-          <p:cNvPicPr>
-            <a:picLocks noChangeAspect="1" noChangeArrowheads="1"/>
-          </p:cNvPicPr>
-          <p:nvPr/>
-        </p:nvPicPr>
-        <p:blipFill>
-          <a:blip r:embed="rId3" cstate="print"/>
-          <a:srcRect/>
-          <a:stretch>
-            <a:fillRect/>
-          </a:stretch>
-        </p:blipFill>
-        <p:spPr bwMode="auto">
-          <a:xfrm>
-            <a:off x="500034" y="2500306"/>
-            <a:ext cx="6219825" cy="2981325"/>
-          </a:xfrm>
-          <a:prstGeom prst="rect">
-            <a:avLst/>
-          </a:prstGeom>
-          <a:noFill/>
-          <a:ln w="9525">
-            <a:noFill/>
-            <a:miter lim="800000"/>
-            <a:headEnd/>
-            <a:tailEnd/>
-          </a:ln>
-        </p:spPr>
-      </p:pic>
-      <p:sp>
-        <p:nvSpPr>
-          <p:cNvPr id="2" name="Title 1"/>
-          <p:cNvSpPr>
-            <a:spLocks noGrp="1"/>
-          </p:cNvSpPr>
-          <p:nvPr>
-            <p:ph type="title"/>
-          </p:nvPr>
-        </p:nvSpPr>
-        <p:spPr/>
-        <p:txBody>
-          <a:bodyPr/>
-          <a:lstStyle/>
-          <a:p>
-            <a:r>
-              <a:rPr lang="en-US" dirty="0" smtClean="0"/>
-              <a:t>Our program</a:t>
-            </a:r>
-            <a:endParaRPr lang="en-US" dirty="0"/>
-          </a:p>
-        </p:txBody>
-      </p:sp>
-      <p:sp>
-        <p:nvSpPr>
-          <p:cNvPr id="3" name="Content Placeholder 2"/>
-          <p:cNvSpPr>
-            <a:spLocks noGrp="1"/>
-          </p:cNvSpPr>
-          <p:nvPr>
-            <p:ph idx="1"/>
-          </p:nvPr>
-        </p:nvSpPr>
-        <p:spPr/>
-        <p:txBody>
-          <a:bodyPr/>
-          <a:lstStyle/>
-          <a:p>
-            <a:r>
-              <a:rPr lang="en-US" dirty="0" smtClean="0"/>
-              <a:t>List and </a:t>
-            </a:r>
-            <a:r>
-              <a:rPr lang="en-US" dirty="0" err="1" smtClean="0"/>
-              <a:t>foreach</a:t>
-            </a:r>
-            <a:r>
-              <a:rPr lang="en-US" dirty="0" smtClean="0"/>
-              <a:t> in our application</a:t>
-            </a:r>
-            <a:endParaRPr lang="en-US" dirty="0"/>
-          </a:p>
-        </p:txBody>
-      </p:sp>
-      <p:pic>
-        <p:nvPicPr>
-          <p:cNvPr id="2050" name="Picture 2" descr="C:\Users\Martin\Desktop\Personal\Civil 3 Semester\projectwork\OOPExam\classDiagram.png"/>
-          <p:cNvPicPr>
-            <a:picLocks noChangeAspect="1" noChangeArrowheads="1"/>
-          </p:cNvPicPr>
-          <p:nvPr/>
-        </p:nvPicPr>
-        <p:blipFill>
-          <a:blip r:embed="rId4" cstate="print"/>
-          <a:srcRect/>
-          <a:stretch>
-            <a:fillRect/>
-          </a:stretch>
-        </p:blipFill>
-        <p:spPr bwMode="auto">
-          <a:xfrm>
-            <a:off x="4500562" y="3357562"/>
-            <a:ext cx="4430954" cy="3286148"/>
           </a:xfrm>
           <a:prstGeom prst="rect">
             <a:avLst/>

--- a/OOPExam/06 Methods, parameters, scope and properties.pptx
+++ b/OOPExam/06 Methods, parameters, scope and properties.pptx
@@ -773,29 +773,68 @@
             </a:r>
             <a:r>
               <a:rPr lang="en-US" dirty="0" smtClean="0"/>
-              <a:t> A method can receive input data from the caller by specifying parameters, and output can send data back to the caller by specifying a return type</a:t>
-            </a:r>
-          </a:p>
-          <a:p>
+              <a:t> A method can receive input data from the caller by specifying parameters</a:t>
+            </a:r>
+          </a:p>
+          <a:p>
+            <a:pPr marL="0" marR="0" indent="0" algn="l" defTabSz="914400" rtl="0" eaLnBrk="1" fontAlgn="auto" latinLnBrk="0" hangingPunct="1">
+              <a:lnSpc>
+                <a:spcPct val="100000"/>
+              </a:lnSpc>
+              <a:spcBef>
+                <a:spcPts val="0"/>
+              </a:spcBef>
+              <a:spcAft>
+                <a:spcPts val="0"/>
+              </a:spcAft>
+              <a:buClrTx/>
+              <a:buSzTx/>
+              <a:buFontTx/>
+              <a:buNone/>
+              <a:tabLst/>
+              <a:defRPr/>
+            </a:pPr>
             <a:endParaRPr lang="en-US" dirty="0" smtClean="0"/>
           </a:p>
           <a:p>
+            <a:pPr marL="0" marR="0" indent="0" algn="l" defTabSz="914400" rtl="0" eaLnBrk="1" fontAlgn="auto" latinLnBrk="0" hangingPunct="1">
+              <a:lnSpc>
+                <a:spcPct val="100000"/>
+              </a:lnSpc>
+              <a:spcBef>
+                <a:spcPts val="0"/>
+              </a:spcBef>
+              <a:spcAft>
+                <a:spcPts val="0"/>
+              </a:spcAft>
+              <a:buClrTx/>
+              <a:buSzTx/>
+              <a:buFontTx/>
+              <a:buNone/>
+              <a:tabLst/>
+              <a:defRPr/>
+            </a:pPr>
             <a:r>
               <a:rPr lang="en-US" dirty="0" smtClean="0"/>
               <a:t>Return</a:t>
             </a:r>
             <a:r>
               <a:rPr lang="en-US" baseline="0" dirty="0" smtClean="0"/>
-              <a:t> type:</a:t>
-            </a:r>
-          </a:p>
-          <a:p>
+              <a:t> type: O</a:t>
+            </a:r>
+            <a:r>
+              <a:rPr lang="en-US" dirty="0" smtClean="0"/>
+              <a:t>utput can send data back to the caller by specifying a return type. A method can specify a void return type, indicating that it doesn't return any value to its caller.</a:t>
+            </a:r>
             <a:endParaRPr lang="en-US" baseline="0" dirty="0" smtClean="0"/>
           </a:p>
           <a:p>
+            <a:endParaRPr lang="en-US" baseline="0" dirty="0" smtClean="0"/>
+          </a:p>
+          <a:p>
             <a:r>
               <a:rPr lang="en-US" baseline="0" dirty="0" smtClean="0"/>
-              <a:t>Static modifier:</a:t>
+              <a:t>Static modifier: Static modifier makes the method static within the class. (same instance in each object)</a:t>
             </a:r>
           </a:p>
           <a:p>
@@ -804,7 +843,7 @@
           <a:p>
             <a:r>
               <a:rPr lang="en-US" baseline="0" dirty="0" smtClean="0"/>
-              <a:t>Access modifiers:</a:t>
+              <a:t>Access modifiers: Access modifiers define how the method can be accessed: public internal private protected</a:t>
             </a:r>
           </a:p>
           <a:p>
@@ -812,8 +851,12 @@
           </a:p>
           <a:p>
             <a:r>
+              <a:rPr lang="en-US" baseline="0" dirty="0" smtClean="0"/>
+              <a:t>Inheritance modifiers: Use </a:t>
+            </a:r>
+            <a:r>
               <a:rPr lang="en-US" baseline="0" smtClean="0"/>
-              <a:t>Inheritance modifiers:</a:t>
+              <a:t>for inheritance; new virtual abstract override sealed</a:t>
             </a:r>
             <a:endParaRPr lang="en-US" dirty="0"/>
           </a:p>
@@ -4924,7 +4967,7 @@
       </p:sp>
       <p:pic>
         <p:nvPicPr>
-          <p:cNvPr id="2050" name="Picture 2"/>
+          <p:cNvPr id="2051" name="Picture 3"/>
           <p:cNvPicPr>
             <a:picLocks noChangeAspect="1" noChangeArrowheads="1"/>
           </p:cNvPicPr>
@@ -4939,8 +4982,8 @@
         </p:blipFill>
         <p:spPr bwMode="auto">
           <a:xfrm>
-            <a:off x="2428860" y="4929198"/>
-            <a:ext cx="4067475" cy="890591"/>
+            <a:off x="2357422" y="3857628"/>
+            <a:ext cx="4283955" cy="2124078"/>
           </a:xfrm>
           <a:prstGeom prst="rect">
             <a:avLst/>

--- a/OOPExam/06 Methods, parameters, scope and properties.pptx
+++ b/OOPExam/06 Methods, parameters, scope and properties.pptx
@@ -852,11 +852,7 @@
           <a:p>
             <a:r>
               <a:rPr lang="en-US" baseline="0" dirty="0" smtClean="0"/>
-              <a:t>Inheritance modifiers: Use </a:t>
-            </a:r>
-            <a:r>
-              <a:rPr lang="en-US" baseline="0" smtClean="0"/>
-              <a:t>for inheritance; new virtual abstract override sealed</a:t>
+              <a:t>Inheritance modifiers: Use for inheritance; new virtual abstract override sealed</a:t>
             </a:r>
             <a:endParaRPr lang="en-US" dirty="0"/>
           </a:p>
@@ -942,23 +938,7 @@
           <a:p>
             <a:r>
               <a:rPr lang="en-US" dirty="0" smtClean="0"/>
-              <a:t>Parameters Vs</a:t>
-            </a:r>
-            <a:r>
-              <a:rPr lang="en-US" baseline="0" dirty="0" smtClean="0"/>
-              <a:t> Arguments: </a:t>
-            </a:r>
-            <a:r>
-              <a:rPr lang="en-US" dirty="0" smtClean="0"/>
-              <a:t>it's only a point of view problem. If you look from the caller's point of view, they're arguments. If you look from the </a:t>
-            </a:r>
-            <a:r>
-              <a:rPr lang="en-US" dirty="0" err="1" smtClean="0"/>
-              <a:t>callee's</a:t>
-            </a:r>
-            <a:r>
-              <a:rPr lang="en-US" dirty="0" smtClean="0"/>
-              <a:t> point of view, they're parameters.</a:t>
+              <a:t>A type may overload methods (have multiple methods with the same name), as long as the signatures are different. For example, the following methods can all coexist in the same type:</a:t>
             </a:r>
           </a:p>
           <a:p>
@@ -966,70 +946,9 @@
           </a:p>
           <a:p>
             <a:r>
-              <a:rPr lang="en-US" b="1" dirty="0" smtClean="0"/>
-              <a:t>Parameter</a:t>
-            </a:r>
-            <a:r>
-              <a:rPr lang="en-US" dirty="0" smtClean="0"/>
-              <a:t> is variable in the declaration of function.</a:t>
-            </a:r>
-          </a:p>
-          <a:p>
-            <a:r>
-              <a:rPr lang="en-US" b="1" dirty="0" smtClean="0"/>
-              <a:t>Argument</a:t>
-            </a:r>
-            <a:r>
-              <a:rPr lang="en-US" dirty="0" smtClean="0"/>
-              <a:t> is the actual value of this variable that gets passed to function.</a:t>
-            </a:r>
-          </a:p>
-          <a:p>
-            <a:endParaRPr lang="en-US" dirty="0" smtClean="0"/>
-          </a:p>
-          <a:p>
-            <a:r>
-              <a:rPr lang="en-US" dirty="0" smtClean="0"/>
-              <a:t>void </a:t>
-            </a:r>
-            <a:r>
-              <a:rPr lang="en-US" dirty="0" err="1" smtClean="0"/>
-              <a:t>Foo</a:t>
-            </a:r>
-            <a:r>
-              <a:rPr lang="en-US" dirty="0" smtClean="0"/>
-              <a:t>(</a:t>
-            </a:r>
-            <a:r>
-              <a:rPr lang="en-US" dirty="0" err="1" smtClean="0"/>
-              <a:t>int</a:t>
-            </a:r>
-            <a:r>
-              <a:rPr lang="en-US" dirty="0" smtClean="0"/>
-              <a:t> x, </a:t>
-            </a:r>
-            <a:r>
-              <a:rPr lang="en-US" dirty="0" err="1" smtClean="0"/>
-              <a:t>int</a:t>
-            </a:r>
-            <a:r>
-              <a:rPr lang="en-US" dirty="0" smtClean="0"/>
-              <a:t> y); // x and y are parameters</a:t>
-            </a:r>
-            <a:br>
-              <a:rPr lang="en-US" dirty="0" smtClean="0"/>
-            </a:br>
-            <a:r>
-              <a:rPr lang="en-US" dirty="0" err="1" smtClean="0"/>
-              <a:t>Foo</a:t>
-            </a:r>
-            <a:r>
-              <a:rPr lang="en-US" dirty="0" smtClean="0"/>
-              <a:t>(1, 2);  // 1 and 2 are arguments</a:t>
-            </a:r>
-            <a:br>
-              <a:rPr lang="en-US" dirty="0" smtClean="0"/>
-            </a:br>
+              <a:rPr lang="en-US" dirty="0" smtClean="0"/>
+              <a:t>Some pairs of methods cannot coexist in the same type, :</a:t>
+            </a:r>
             <a:endParaRPr lang="en-US" dirty="0"/>
           </a:p>
         </p:txBody>
@@ -1052,7 +971,7 @@
             <a:fld id="{AAB3DF41-A1DD-40C2-81C2-7C757221A446}" type="slidenum">
               <a:rPr lang="en-US" smtClean="0"/>
               <a:pPr/>
-              <a:t>4</a:t>
+              <a:t>3</a:t>
             </a:fld>
             <a:endParaRPr lang="en-US"/>
           </a:p>
@@ -1114,8 +1033,94 @@
           <a:p>
             <a:r>
               <a:rPr lang="en-US" dirty="0" smtClean="0"/>
-              <a:t>Scope is the range in which a variable can be referenced.</a:t>
-            </a:r>
+              <a:t>Parameters Vs</a:t>
+            </a:r>
+            <a:r>
+              <a:rPr lang="en-US" baseline="0" dirty="0" smtClean="0"/>
+              <a:t> Arguments: </a:t>
+            </a:r>
+            <a:r>
+              <a:rPr lang="en-US" dirty="0" smtClean="0"/>
+              <a:t>it's only a point of view problem. If you look from the caller's point of view, they're arguments. If you look from the </a:t>
+            </a:r>
+            <a:r>
+              <a:rPr lang="en-US" dirty="0" err="1" smtClean="0"/>
+              <a:t>callee's</a:t>
+            </a:r>
+            <a:r>
+              <a:rPr lang="en-US" dirty="0" smtClean="0"/>
+              <a:t> point of view, they're parameters.</a:t>
+            </a:r>
+          </a:p>
+          <a:p>
+            <a:endParaRPr lang="en-US" dirty="0" smtClean="0"/>
+          </a:p>
+          <a:p>
+            <a:r>
+              <a:rPr lang="en-US" b="1" dirty="0" smtClean="0"/>
+              <a:t>Parameter</a:t>
+            </a:r>
+            <a:r>
+              <a:rPr lang="en-US" dirty="0" smtClean="0"/>
+              <a:t> is variable in the declaration of function.</a:t>
+            </a:r>
+          </a:p>
+          <a:p>
+            <a:r>
+              <a:rPr lang="en-US" b="1" dirty="0" smtClean="0"/>
+              <a:t>Argument</a:t>
+            </a:r>
+            <a:r>
+              <a:rPr lang="en-US" dirty="0" smtClean="0"/>
+              <a:t> is the actual value of this variable that gets passed to function.</a:t>
+            </a:r>
+          </a:p>
+          <a:p>
+            <a:endParaRPr lang="en-US" dirty="0" smtClean="0"/>
+          </a:p>
+          <a:p>
+            <a:r>
+              <a:rPr lang="en-US" dirty="0" smtClean="0"/>
+              <a:t>void </a:t>
+            </a:r>
+            <a:r>
+              <a:rPr lang="en-US" dirty="0" err="1" smtClean="0"/>
+              <a:t>Foo</a:t>
+            </a:r>
+            <a:r>
+              <a:rPr lang="en-US" dirty="0" smtClean="0"/>
+              <a:t>(</a:t>
+            </a:r>
+            <a:r>
+              <a:rPr lang="en-US" dirty="0" err="1" smtClean="0"/>
+              <a:t>int</a:t>
+            </a:r>
+            <a:r>
+              <a:rPr lang="en-US" dirty="0" smtClean="0"/>
+              <a:t> x, </a:t>
+            </a:r>
+            <a:r>
+              <a:rPr lang="en-US" dirty="0" err="1" smtClean="0"/>
+              <a:t>int</a:t>
+            </a:r>
+            <a:r>
+              <a:rPr lang="en-US" dirty="0" smtClean="0"/>
+              <a:t> y); // x and y are parameters</a:t>
+            </a:r>
+            <a:br>
+              <a:rPr lang="en-US" dirty="0" smtClean="0"/>
+            </a:br>
+            <a:r>
+              <a:rPr lang="en-US" dirty="0" err="1" smtClean="0"/>
+              <a:t>Foo</a:t>
+            </a:r>
+            <a:r>
+              <a:rPr lang="en-US" dirty="0" smtClean="0"/>
+              <a:t>(1, 2);  // 1 and 2 are arguments</a:t>
+            </a:r>
+            <a:br>
+              <a:rPr lang="en-US" dirty="0" smtClean="0"/>
+            </a:br>
             <a:endParaRPr lang="en-US" dirty="0"/>
           </a:p>
         </p:txBody>
@@ -1138,7 +1143,7 @@
             <a:fld id="{AAB3DF41-A1DD-40C2-81C2-7C757221A446}" type="slidenum">
               <a:rPr lang="en-US" smtClean="0"/>
               <a:pPr/>
-              <a:t>6</a:t>
+              <a:t>4</a:t>
             </a:fld>
             <a:endParaRPr lang="en-US"/>
           </a:p>
@@ -1198,46 +1203,94 @@
           </a:bodyPr>
           <a:lstStyle/>
           <a:p>
-            <a:r>
-              <a:rPr lang="en-US" dirty="0" smtClean="0"/>
-              <a:t>Throughout this book, we use public fields extensively to keep the examples free of distraction. In a real application, you would typically favor public properties over public fields, in order to promote encapsulation.</a:t>
-            </a:r>
-          </a:p>
-          <a:p>
+            <a:pPr marL="0" marR="0" indent="0" algn="l" defTabSz="914400" rtl="0" eaLnBrk="1" fontAlgn="auto" latinLnBrk="0" hangingPunct="1">
+              <a:lnSpc>
+                <a:spcPct val="100000"/>
+              </a:lnSpc>
+              <a:spcBef>
+                <a:spcPts val="0"/>
+              </a:spcBef>
+              <a:spcAft>
+                <a:spcPts val="0"/>
+              </a:spcAft>
+              <a:buClrTx/>
+              <a:buSzTx/>
+              <a:buFontTx/>
+              <a:buNone/>
+              <a:tabLst/>
+              <a:defRPr/>
+            </a:pPr>
+            <a:r>
+              <a:rPr lang="en-US" sz="1200" kern="1200" baseline="0" dirty="0" smtClean="0">
+                <a:solidFill>
+                  <a:schemeClr val="tx1"/>
+                </a:solidFill>
+                <a:latin typeface="+mn-lt"/>
+                <a:ea typeface="+mn-ea"/>
+                <a:cs typeface="+mn-cs"/>
+              </a:rPr>
+              <a:t>Because you can’t return three values, perhaps you can pass in three parameters, let the method modify the parameters, and examine the result in the calling method.</a:t>
+            </a:r>
             <a:endParaRPr lang="en-US" dirty="0" smtClean="0"/>
           </a:p>
           <a:p>
-            <a:r>
-              <a:rPr lang="en-US" dirty="0" smtClean="0"/>
-              <a:t>Properties look like fields from the outside but act like methods on the inside.</a:t>
-            </a:r>
-          </a:p>
-          <a:p>
-            <a:endParaRPr lang="en-US" dirty="0" smtClean="0"/>
-          </a:p>
-          <a:p>
-            <a:r>
-              <a:rPr lang="en-US" dirty="0" smtClean="0"/>
-              <a:t>A property is declared like a field, but with a { get {} set {} } block added. get and set denote property </a:t>
-            </a:r>
-            <a:r>
-              <a:rPr lang="en-US" dirty="0" err="1" smtClean="0"/>
-              <a:t>accessors</a:t>
-            </a:r>
-            <a:r>
-              <a:rPr lang="en-US" dirty="0" smtClean="0"/>
-              <a:t>.</a:t>
-            </a:r>
-          </a:p>
-          <a:p>
-            <a:endParaRPr lang="en-US" dirty="0" smtClean="0"/>
-          </a:p>
-          <a:p>
-            <a:r>
-              <a:rPr lang="en-US" dirty="0" smtClean="0"/>
-              <a:t>Although properties are accessed in the same way as fields, they differ in that they give the implementer complete control over getting and setting its value. This control enables the implementer to choose whatever internal representation is needed, without exposing the internal details to the user of the property.</a:t>
-            </a:r>
-            <a:endParaRPr lang="en-US" dirty="0"/>
+            <a:endParaRPr lang="en-US" sz="1200" kern="1200" baseline="0" dirty="0" smtClean="0">
+              <a:solidFill>
+                <a:schemeClr val="tx1"/>
+              </a:solidFill>
+              <a:latin typeface="+mn-lt"/>
+              <a:ea typeface="+mn-ea"/>
+              <a:cs typeface="+mn-cs"/>
+            </a:endParaRPr>
+          </a:p>
+          <a:p>
+            <a:r>
+              <a:rPr lang="en-US" sz="1200" kern="1200" baseline="0" dirty="0" smtClean="0">
+                <a:solidFill>
+                  <a:schemeClr val="tx1"/>
+                </a:solidFill>
+                <a:latin typeface="+mn-lt"/>
+                <a:ea typeface="+mn-ea"/>
+                <a:cs typeface="+mn-cs"/>
+              </a:rPr>
+              <a:t>value types are passed into methods by value.</a:t>
+            </a:r>
+          </a:p>
+          <a:p>
+            <a:r>
+              <a:rPr lang="en-US" sz="1200" kern="1200" baseline="0" dirty="0" smtClean="0">
+                <a:solidFill>
+                  <a:schemeClr val="tx1"/>
+                </a:solidFill>
+                <a:latin typeface="+mn-lt"/>
+                <a:ea typeface="+mn-ea"/>
+                <a:cs typeface="+mn-cs"/>
+              </a:rPr>
+              <a:t>ref parameters are used to pass value types into a method by reference. This allows you to retrieve their modified values in the calling method.</a:t>
+            </a:r>
+          </a:p>
+          <a:p>
+            <a:r>
+              <a:rPr lang="en-US" sz="1200" kern="1200" baseline="0" dirty="0" smtClean="0">
+                <a:solidFill>
+                  <a:schemeClr val="tx1"/>
+                </a:solidFill>
+                <a:latin typeface="+mn-lt"/>
+                <a:ea typeface="+mn-ea"/>
+                <a:cs typeface="+mn-cs"/>
+              </a:rPr>
+              <a:t>out parameters are used only to return information from a method.  Does not have to be set</a:t>
+            </a:r>
+          </a:p>
+          <a:p>
+            <a:endParaRPr lang="en-US" sz="1200" kern="1200" baseline="0" dirty="0" smtClean="0">
+              <a:solidFill>
+                <a:schemeClr val="tx1"/>
+              </a:solidFill>
+              <a:latin typeface="+mn-lt"/>
+              <a:ea typeface="+mn-ea"/>
+              <a:cs typeface="+mn-cs"/>
+            </a:endParaRPr>
           </a:p>
         </p:txBody>
       </p:sp>
@@ -1259,7 +1312,7 @@
             <a:fld id="{AAB3DF41-A1DD-40C2-81C2-7C757221A446}" type="slidenum">
               <a:rPr lang="en-US" smtClean="0"/>
               <a:pPr/>
-              <a:t>7</a:t>
+              <a:t>5</a:t>
             </a:fld>
             <a:endParaRPr lang="en-US"/>
           </a:p>
@@ -1321,11 +1374,131 @@
           <a:p>
             <a:r>
               <a:rPr lang="en-US" dirty="0" smtClean="0"/>
-              <a:t>Example of</a:t>
+              <a:t>Scope is the range in which a variable can be referenced.</a:t>
+            </a:r>
+          </a:p>
+          <a:p>
+            <a:endParaRPr lang="en-US" dirty="0" smtClean="0"/>
+          </a:p>
+          <a:p>
+            <a:r>
+              <a:rPr lang="en-US" dirty="0" smtClean="0"/>
+              <a:t>Typically, scope is used to define the extent of </a:t>
+            </a:r>
+            <a:r>
+              <a:rPr lang="en-US" dirty="0" smtClean="0">
+                <a:hlinkClick r:id="rId3" tooltip="Information hiding"/>
+              </a:rPr>
+              <a:t>information hiding</a:t>
+            </a:r>
+            <a:r>
+              <a:rPr lang="en-US" dirty="0" smtClean="0"/>
+              <a:t>--that is, the visibility or accessibility of variables from different parts of the program.</a:t>
+            </a:r>
+          </a:p>
+          <a:p>
+            <a:endParaRPr lang="en-US" dirty="0" smtClean="0"/>
+          </a:p>
+          <a:p>
+            <a:r>
+              <a:rPr lang="en-US" dirty="0" smtClean="0"/>
+              <a:t>Scopes can:</a:t>
             </a:r>
             <a:r>
               <a:rPr lang="en-US" baseline="0" dirty="0" smtClean="0"/>
-              <a:t> methods and properties in our application. The properties of Card class only have get, we don’t need set, since the fields are set in the constructor.</a:t>
+              <a:t> </a:t>
+            </a:r>
+          </a:p>
+          <a:p>
+            <a:r>
+              <a:rPr lang="en-US" dirty="0" smtClean="0"/>
+              <a:t>contain </a:t>
+            </a:r>
+            <a:r>
+              <a:rPr lang="en-US" dirty="0" smtClean="0">
+                <a:hlinkClick r:id="rId4" tooltip="Declaration (computer science)"/>
+              </a:rPr>
+              <a:t>declarations</a:t>
+            </a:r>
+            <a:r>
+              <a:rPr lang="en-US" dirty="0" smtClean="0"/>
+              <a:t> or definitions of </a:t>
+            </a:r>
+            <a:r>
+              <a:rPr lang="en-US" dirty="0" smtClean="0">
+                <a:hlinkClick r:id="rId5" tooltip="Identifier"/>
+              </a:rPr>
+              <a:t>identifiers</a:t>
+            </a:r>
+            <a:r>
+              <a:rPr lang="en-US" dirty="0" smtClean="0"/>
+              <a:t>;</a:t>
+            </a:r>
+            <a:r>
+              <a:rPr lang="en-US" baseline="0" dirty="0" smtClean="0"/>
+              <a:t> </a:t>
+            </a:r>
+          </a:p>
+          <a:p>
+            <a:r>
+              <a:rPr lang="en-US" dirty="0" smtClean="0"/>
+              <a:t>contain </a:t>
+            </a:r>
+            <a:r>
+              <a:rPr lang="en-US" dirty="0" smtClean="0">
+                <a:hlinkClick r:id="rId6" tooltip="Statement (programming)"/>
+              </a:rPr>
+              <a:t>statements</a:t>
+            </a:r>
+            <a:r>
+              <a:rPr lang="en-US" dirty="0" smtClean="0"/>
+              <a:t> and/or </a:t>
+            </a:r>
+            <a:r>
+              <a:rPr lang="en-US" dirty="0" smtClean="0">
+                <a:hlinkClick r:id="rId7" tooltip="Expression (programming)"/>
+              </a:rPr>
+              <a:t>expressions</a:t>
+            </a:r>
+            <a:r>
+              <a:rPr lang="en-US" dirty="0" smtClean="0"/>
+              <a:t> which define an executable </a:t>
+            </a:r>
+            <a:r>
+              <a:rPr lang="en-US" dirty="0" smtClean="0">
+                <a:hlinkClick r:id="rId8" tooltip="Algorithm"/>
+              </a:rPr>
+              <a:t>algorithm</a:t>
+            </a:r>
+            <a:r>
+              <a:rPr lang="en-US" dirty="0" smtClean="0"/>
+              <a:t> or part thereof;</a:t>
+            </a:r>
+            <a:endParaRPr lang="en-US" baseline="0" dirty="0" smtClean="0"/>
+          </a:p>
+          <a:p>
+            <a:r>
+              <a:rPr lang="en-US" dirty="0" smtClean="0"/>
+              <a:t>nest or be nested.</a:t>
+            </a:r>
+          </a:p>
+          <a:p>
+            <a:endParaRPr lang="en-US" dirty="0" smtClean="0"/>
+          </a:p>
+          <a:p>
+            <a:r>
+              <a:rPr lang="en-US" dirty="0" smtClean="0"/>
+              <a:t>A </a:t>
+            </a:r>
+            <a:r>
+              <a:rPr lang="en-US" dirty="0" smtClean="0">
+                <a:hlinkClick r:id="rId9" tooltip="Namespace (programming)"/>
+              </a:rPr>
+              <a:t>namespace</a:t>
+            </a:r>
+            <a:r>
+              <a:rPr lang="en-US" dirty="0" smtClean="0"/>
+              <a:t> is a scope that uses the enclosing nature of the scope to group logically related identifiers under a single identifier. </a:t>
             </a:r>
             <a:endParaRPr lang="en-US" dirty="0"/>
           </a:p>
@@ -1349,7 +1522,7 @@
             <a:fld id="{AAB3DF41-A1DD-40C2-81C2-7C757221A446}" type="slidenum">
               <a:rPr lang="en-US" smtClean="0"/>
               <a:pPr/>
-              <a:t>8</a:t>
+              <a:t>6</a:t>
             </a:fld>
             <a:endParaRPr lang="en-US"/>
           </a:p>
@@ -1364,6 +1537,217 @@
 </file>
 
 <file path=ppt/notesSlides/notesSlide7.xml><?xml version="1.0" encoding="utf-8"?>
+<p:notes xmlns:a="http://schemas.openxmlformats.org/drawingml/2006/main" xmlns:r="http://schemas.openxmlformats.org/officeDocument/2006/relationships" xmlns:p="http://schemas.openxmlformats.org/presentationml/2006/main">
+  <p:cSld>
+    <p:spTree>
+      <p:nvGrpSpPr>
+        <p:cNvPr id="1" name=""/>
+        <p:cNvGrpSpPr/>
+        <p:nvPr/>
+      </p:nvGrpSpPr>
+      <p:grpSpPr>
+        <a:xfrm>
+          <a:off x="0" y="0"/>
+          <a:ext cx="0" cy="0"/>
+          <a:chOff x="0" y="0"/>
+          <a:chExt cx="0" cy="0"/>
+        </a:xfrm>
+      </p:grpSpPr>
+      <p:sp>
+        <p:nvSpPr>
+          <p:cNvPr id="2" name="Pladsholder til diasbillede 1"/>
+          <p:cNvSpPr>
+            <a:spLocks noGrp="1" noRot="1" noChangeAspect="1"/>
+          </p:cNvSpPr>
+          <p:nvPr>
+            <p:ph type="sldImg"/>
+          </p:nvPr>
+        </p:nvSpPr>
+        <p:spPr/>
+      </p:sp>
+      <p:sp>
+        <p:nvSpPr>
+          <p:cNvPr id="3" name="Pladsholder til noter 2"/>
+          <p:cNvSpPr>
+            <a:spLocks noGrp="1"/>
+          </p:cNvSpPr>
+          <p:nvPr>
+            <p:ph type="body" idx="1"/>
+          </p:nvPr>
+        </p:nvSpPr>
+        <p:spPr/>
+        <p:txBody>
+          <a:bodyPr>
+            <a:normAutofit/>
+          </a:bodyPr>
+          <a:lstStyle/>
+          <a:p>
+            <a:r>
+              <a:rPr lang="en-US" dirty="0" smtClean="0"/>
+              <a:t>Throughout this book, we use public fields extensively to keep the examples free of distraction. In a real application, you would typically favor public properties over public fields, in order to promote encapsulation.</a:t>
+            </a:r>
+          </a:p>
+          <a:p>
+            <a:endParaRPr lang="en-US" dirty="0" smtClean="0"/>
+          </a:p>
+          <a:p>
+            <a:r>
+              <a:rPr lang="en-US" dirty="0" smtClean="0"/>
+              <a:t>Properties look like fields from the outside but act like methods on the inside.</a:t>
+            </a:r>
+          </a:p>
+          <a:p>
+            <a:endParaRPr lang="en-US" dirty="0" smtClean="0"/>
+          </a:p>
+          <a:p>
+            <a:r>
+              <a:rPr lang="en-US" dirty="0" smtClean="0"/>
+              <a:t>A property is declared like a field, but with a { get {} set {} } block added. get and set denote property </a:t>
+            </a:r>
+            <a:r>
+              <a:rPr lang="en-US" dirty="0" err="1" smtClean="0"/>
+              <a:t>accessors</a:t>
+            </a:r>
+            <a:r>
+              <a:rPr lang="en-US" dirty="0" smtClean="0"/>
+              <a:t>.</a:t>
+            </a:r>
+          </a:p>
+          <a:p>
+            <a:endParaRPr lang="en-US" dirty="0" smtClean="0"/>
+          </a:p>
+          <a:p>
+            <a:r>
+              <a:rPr lang="en-US" dirty="0" smtClean="0"/>
+              <a:t>Although properties are accessed in the same way as fields, they differ in that they give the implementer complete control over getting and setting its value. This control enables the implementer to choose whatever internal representation is needed, without exposing the internal details to the user of the property.</a:t>
+            </a:r>
+            <a:endParaRPr lang="en-US" dirty="0"/>
+          </a:p>
+        </p:txBody>
+      </p:sp>
+      <p:sp>
+        <p:nvSpPr>
+          <p:cNvPr id="4" name="Pladsholder til diasnummer 3"/>
+          <p:cNvSpPr>
+            <a:spLocks noGrp="1"/>
+          </p:cNvSpPr>
+          <p:nvPr>
+            <p:ph type="sldNum" sz="quarter" idx="10"/>
+          </p:nvPr>
+        </p:nvSpPr>
+        <p:spPr/>
+        <p:txBody>
+          <a:bodyPr/>
+          <a:lstStyle/>
+          <a:p>
+            <a:fld id="{AAB3DF41-A1DD-40C2-81C2-7C757221A446}" type="slidenum">
+              <a:rPr lang="en-US" smtClean="0"/>
+              <a:pPr/>
+              <a:t>7</a:t>
+            </a:fld>
+            <a:endParaRPr lang="en-US"/>
+          </a:p>
+        </p:txBody>
+      </p:sp>
+    </p:spTree>
+  </p:cSld>
+  <p:clrMapOvr>
+    <a:masterClrMapping/>
+  </p:clrMapOvr>
+</p:notes>
+</file>
+
+<file path=ppt/notesSlides/notesSlide8.xml><?xml version="1.0" encoding="utf-8"?>
+<p:notes xmlns:a="http://schemas.openxmlformats.org/drawingml/2006/main" xmlns:r="http://schemas.openxmlformats.org/officeDocument/2006/relationships" xmlns:p="http://schemas.openxmlformats.org/presentationml/2006/main">
+  <p:cSld>
+    <p:spTree>
+      <p:nvGrpSpPr>
+        <p:cNvPr id="1" name=""/>
+        <p:cNvGrpSpPr/>
+        <p:nvPr/>
+      </p:nvGrpSpPr>
+      <p:grpSpPr>
+        <a:xfrm>
+          <a:off x="0" y="0"/>
+          <a:ext cx="0" cy="0"/>
+          <a:chOff x="0" y="0"/>
+          <a:chExt cx="0" cy="0"/>
+        </a:xfrm>
+      </p:grpSpPr>
+      <p:sp>
+        <p:nvSpPr>
+          <p:cNvPr id="2" name="Pladsholder til diasbillede 1"/>
+          <p:cNvSpPr>
+            <a:spLocks noGrp="1" noRot="1" noChangeAspect="1"/>
+          </p:cNvSpPr>
+          <p:nvPr>
+            <p:ph type="sldImg"/>
+          </p:nvPr>
+        </p:nvSpPr>
+        <p:spPr/>
+      </p:sp>
+      <p:sp>
+        <p:nvSpPr>
+          <p:cNvPr id="3" name="Pladsholder til noter 2"/>
+          <p:cNvSpPr>
+            <a:spLocks noGrp="1"/>
+          </p:cNvSpPr>
+          <p:nvPr>
+            <p:ph type="body" idx="1"/>
+          </p:nvPr>
+        </p:nvSpPr>
+        <p:spPr/>
+        <p:txBody>
+          <a:bodyPr>
+            <a:normAutofit/>
+          </a:bodyPr>
+          <a:lstStyle/>
+          <a:p>
+            <a:r>
+              <a:rPr lang="en-US" dirty="0" smtClean="0"/>
+              <a:t>Example of</a:t>
+            </a:r>
+            <a:r>
+              <a:rPr lang="en-US" baseline="0" dirty="0" smtClean="0"/>
+              <a:t> methods and properties in our application. The properties of Card class only have get, we don’t need set, since the fields are set in the constructor.</a:t>
+            </a:r>
+            <a:endParaRPr lang="en-US" dirty="0"/>
+          </a:p>
+        </p:txBody>
+      </p:sp>
+      <p:sp>
+        <p:nvSpPr>
+          <p:cNvPr id="4" name="Pladsholder til diasnummer 3"/>
+          <p:cNvSpPr>
+            <a:spLocks noGrp="1"/>
+          </p:cNvSpPr>
+          <p:nvPr>
+            <p:ph type="sldNum" sz="quarter" idx="10"/>
+          </p:nvPr>
+        </p:nvSpPr>
+        <p:spPr/>
+        <p:txBody>
+          <a:bodyPr/>
+          <a:lstStyle/>
+          <a:p>
+            <a:fld id="{AAB3DF41-A1DD-40C2-81C2-7C757221A446}" type="slidenum">
+              <a:rPr lang="en-US" smtClean="0"/>
+              <a:pPr/>
+              <a:t>8</a:t>
+            </a:fld>
+            <a:endParaRPr lang="en-US"/>
+          </a:p>
+        </p:txBody>
+      </p:sp>
+    </p:spTree>
+  </p:cSld>
+  <p:clrMapOvr>
+    <a:masterClrMapping/>
+  </p:clrMapOvr>
+</p:notes>
+</file>
+
+<file path=ppt/notesSlides/notesSlide9.xml><?xml version="1.0" encoding="utf-8"?>
 <p:notes xmlns:a="http://schemas.openxmlformats.org/drawingml/2006/main" xmlns:r="http://schemas.openxmlformats.org/officeDocument/2006/relationships" xmlns:p="http://schemas.openxmlformats.org/presentationml/2006/main">
   <p:cSld>
     <p:spTree>
@@ -4939,10 +5323,10 @@
           <a:lstStyle/>
           <a:p>
             <a:r>
-              <a:rPr lang="en-US" dirty="0" smtClean="0"/>
+              <a:rPr lang="en-US" smtClean="0"/>
               <a:t>Overloading Methods</a:t>
             </a:r>
-            <a:endParaRPr lang="en-US" dirty="0"/>
+            <a:endParaRPr lang="en-US"/>
           </a:p>
         </p:txBody>
       </p:sp>
@@ -4961,7 +5345,27 @@
           <a:bodyPr/>
           <a:lstStyle/>
           <a:p>
-            <a:endParaRPr lang="da-DK"/>
+            <a:r>
+              <a:rPr lang="en-US" smtClean="0"/>
+              <a:t>Method</a:t>
+            </a:r>
+            <a:r>
+              <a:rPr lang="en-US" smtClean="0"/>
+              <a:t>s in </a:t>
+            </a:r>
+            <a:r>
+              <a:rPr lang="en-US" smtClean="0"/>
+              <a:t>C</a:t>
+            </a:r>
+            <a:r>
+              <a:rPr lang="en-US" smtClean="0"/>
+              <a:t># can be </a:t>
+            </a:r>
+            <a:r>
+              <a:rPr lang="en-US" smtClean="0"/>
+              <a:t>overloaded</a:t>
+            </a:r>
+            <a:endParaRPr lang="en-US"/>
           </a:p>
         </p:txBody>
       </p:sp>
@@ -4974,7 +5378,7 @@
           <p:nvPr/>
         </p:nvPicPr>
         <p:blipFill>
-          <a:blip r:embed="rId2" cstate="print"/>
+          <a:blip r:embed="rId3" cstate="print"/>
           <a:srcRect/>
           <a:stretch>
             <a:fillRect/>
@@ -4982,7 +5386,7 @@
         </p:blipFill>
         <p:spPr bwMode="auto">
           <a:xfrm>
-            <a:off x="2357422" y="3857628"/>
+            <a:off x="2357422" y="3714752"/>
             <a:ext cx="4283955" cy="2124078"/>
           </a:xfrm>
           <a:prstGeom prst="rect">
@@ -5120,6 +5524,38 @@
           </a:p>
         </p:txBody>
       </p:sp>
+      <p:pic>
+        <p:nvPicPr>
+          <p:cNvPr id="4098" name="Picture 2"/>
+          <p:cNvPicPr>
+            <a:picLocks noChangeAspect="1" noChangeArrowheads="1"/>
+          </p:cNvPicPr>
+          <p:nvPr/>
+        </p:nvPicPr>
+        <p:blipFill>
+          <a:blip r:embed="rId3" cstate="print"/>
+          <a:srcRect/>
+          <a:stretch>
+            <a:fillRect/>
+          </a:stretch>
+        </p:blipFill>
+        <p:spPr bwMode="auto">
+          <a:xfrm>
+            <a:off x="1643042" y="5286388"/>
+            <a:ext cx="5380382" cy="757239"/>
+          </a:xfrm>
+          <a:prstGeom prst="rect">
+            <a:avLst/>
+          </a:prstGeom>
+          <a:noFill/>
+          <a:ln w="9525">
+            <a:noFill/>
+            <a:miter lim="800000"/>
+            <a:headEnd/>
+            <a:tailEnd/>
+          </a:ln>
+        </p:spPr>
+      </p:pic>
     </p:spTree>
   </p:cSld>
   <p:clrMapOvr>
@@ -5183,36 +5619,145 @@
           <a:bodyPr/>
           <a:lstStyle/>
           <a:p>
+            <a:r>
+              <a:rPr lang="en-US" dirty="0" smtClean="0"/>
+              <a:t>value </a:t>
+            </a:r>
+            <a:r>
+              <a:rPr lang="en-US" dirty="0" smtClean="0"/>
+              <a:t>types</a:t>
+            </a:r>
+          </a:p>
+          <a:p>
+            <a:endParaRPr lang="en-US" dirty="0" smtClean="0"/>
+          </a:p>
+          <a:p>
+            <a:r>
+              <a:rPr lang="en-US" dirty="0" smtClean="0"/>
+              <a:t>ref </a:t>
+            </a:r>
+            <a:r>
+              <a:rPr lang="en-US" dirty="0" smtClean="0"/>
+              <a:t>parameters</a:t>
+            </a:r>
+          </a:p>
+          <a:p>
+            <a:endParaRPr lang="en-US" dirty="0" smtClean="0"/>
+          </a:p>
+          <a:p>
+            <a:r>
+              <a:rPr lang="en-US" dirty="0" smtClean="0"/>
+              <a:t>out </a:t>
+            </a:r>
+            <a:r>
+              <a:rPr lang="en-US" dirty="0" smtClean="0"/>
+              <a:t>parameters</a:t>
+            </a:r>
+          </a:p>
+          <a:p>
+            <a:endParaRPr lang="en-US" dirty="0" smtClean="0"/>
+          </a:p>
+          <a:p>
             <a:endParaRPr lang="da-DK" dirty="0"/>
           </a:p>
         </p:txBody>
       </p:sp>
-      <p:sp>
-        <p:nvSpPr>
-          <p:cNvPr id="4" name="TextBox 3"/>
-          <p:cNvSpPr txBox="1"/>
+      <p:pic>
+        <p:nvPicPr>
+          <p:cNvPr id="5123" name="Picture 3"/>
+          <p:cNvPicPr>
+            <a:picLocks noChangeAspect="1" noChangeArrowheads="1"/>
+          </p:cNvPicPr>
           <p:nvPr/>
-        </p:nvSpPr>
-        <p:spPr>
+        </p:nvPicPr>
+        <p:blipFill>
+          <a:blip r:embed="rId3" cstate="print"/>
+          <a:srcRect/>
+          <a:stretch>
+            <a:fillRect/>
+          </a:stretch>
+        </p:blipFill>
+        <p:spPr bwMode="auto">
           <a:xfrm>
-            <a:off x="1500166" y="2500306"/>
-            <a:ext cx="2571768" cy="369332"/>
+            <a:off x="928662" y="2285992"/>
+            <a:ext cx="2817832" cy="357190"/>
           </a:xfrm>
           <a:prstGeom prst="rect">
             <a:avLst/>
           </a:prstGeom>
           <a:noFill/>
+          <a:ln w="9525">
+            <a:noFill/>
+            <a:miter lim="800000"/>
+            <a:headEnd/>
+            <a:tailEnd/>
+          </a:ln>
         </p:spPr>
-        <p:txBody>
-          <a:bodyPr wrap="square" rtlCol="0">
-            <a:spAutoFit/>
-          </a:bodyPr>
-          <a:lstStyle/>
-          <a:p>
-            <a:endParaRPr lang="en-US" dirty="0"/>
-          </a:p>
-        </p:txBody>
-      </p:sp>
+      </p:pic>
+      <p:pic>
+        <p:nvPicPr>
+          <p:cNvPr id="5124" name="Picture 4"/>
+          <p:cNvPicPr>
+            <a:picLocks noChangeAspect="1" noChangeArrowheads="1"/>
+          </p:cNvPicPr>
+          <p:nvPr/>
+        </p:nvPicPr>
+        <p:blipFill>
+          <a:blip r:embed="rId4" cstate="print"/>
+          <a:srcRect/>
+          <a:stretch>
+            <a:fillRect/>
+          </a:stretch>
+        </p:blipFill>
+        <p:spPr bwMode="auto">
+          <a:xfrm>
+            <a:off x="928662" y="3429000"/>
+            <a:ext cx="3512368" cy="357190"/>
+          </a:xfrm>
+          <a:prstGeom prst="rect">
+            <a:avLst/>
+          </a:prstGeom>
+          <a:noFill/>
+          <a:ln w="9525">
+            <a:noFill/>
+            <a:miter lim="800000"/>
+            <a:headEnd/>
+            <a:tailEnd/>
+          </a:ln>
+        </p:spPr>
+      </p:pic>
+      <p:pic>
+        <p:nvPicPr>
+          <p:cNvPr id="5125" name="Picture 5"/>
+          <p:cNvPicPr>
+            <a:picLocks noChangeAspect="1" noChangeArrowheads="1"/>
+          </p:cNvPicPr>
+          <p:nvPr/>
+        </p:nvPicPr>
+        <p:blipFill>
+          <a:blip r:embed="rId5" cstate="print"/>
+          <a:srcRect/>
+          <a:stretch>
+            <a:fillRect/>
+          </a:stretch>
+        </p:blipFill>
+        <p:spPr bwMode="auto">
+          <a:xfrm>
+            <a:off x="928662" y="4857760"/>
+            <a:ext cx="3357586" cy="354412"/>
+          </a:xfrm>
+          <a:prstGeom prst="rect">
+            <a:avLst/>
+          </a:prstGeom>
+          <a:noFill/>
+          <a:ln w="9525">
+            <a:noFill/>
+            <a:miter lim="800000"/>
+            <a:headEnd/>
+            <a:tailEnd/>
+          </a:ln>
+        </p:spPr>
+      </p:pic>
     </p:spTree>
   </p:cSld>
   <p:clrMapOvr>
@@ -5271,21 +5816,79 @@
             <p:ph idx="1"/>
           </p:nvPr>
         </p:nvSpPr>
-        <p:spPr/>
-        <p:txBody>
-          <a:bodyPr/>
-          <a:lstStyle/>
-          <a:p>
-            <a:r>
-              <a:rPr lang="en-US" dirty="0" smtClean="0"/>
-              <a:t>Scope is the range in which a variable can be referenced.</a:t>
-            </a:r>
+        <p:spPr>
+          <a:xfrm>
+            <a:off x="457200" y="1600200"/>
+            <a:ext cx="8229600" cy="4972072"/>
+          </a:xfrm>
+        </p:spPr>
+        <p:txBody>
+          <a:bodyPr/>
+          <a:lstStyle/>
+          <a:p>
+            <a:r>
+              <a:rPr lang="en-US" dirty="0" smtClean="0"/>
+              <a:t>Scope is the range in which a variable can be referenced</a:t>
+            </a:r>
+            <a:r>
+              <a:rPr lang="en-US" dirty="0" smtClean="0"/>
+              <a:t>.</a:t>
+            </a:r>
+          </a:p>
+          <a:p>
+            <a:r>
+              <a:rPr lang="en-US" dirty="0" smtClean="0"/>
+              <a:t>Access modifier influence the scope</a:t>
+            </a:r>
+          </a:p>
+          <a:p>
+            <a:pPr lvl="1"/>
+            <a:r>
+              <a:rPr lang="en-US" sz="1800" dirty="0" smtClean="0"/>
+              <a:t>i.e. Private makes the method or field only visible within the class  </a:t>
+            </a:r>
+            <a:endParaRPr lang="en-US" sz="1800" dirty="0" smtClean="0"/>
+          </a:p>
+          <a:p>
+            <a:endParaRPr lang="en-US" dirty="0" smtClean="0"/>
           </a:p>
           <a:p>
             <a:endParaRPr lang="da-DK" dirty="0"/>
           </a:p>
         </p:txBody>
       </p:sp>
+      <p:pic>
+        <p:nvPicPr>
+          <p:cNvPr id="3074" name="Picture 2"/>
+          <p:cNvPicPr>
+            <a:picLocks noChangeAspect="1" noChangeArrowheads="1"/>
+          </p:cNvPicPr>
+          <p:nvPr/>
+        </p:nvPicPr>
+        <p:blipFill>
+          <a:blip r:embed="rId3" cstate="print"/>
+          <a:srcRect/>
+          <a:stretch>
+            <a:fillRect/>
+          </a:stretch>
+        </p:blipFill>
+        <p:spPr bwMode="auto">
+          <a:xfrm>
+            <a:off x="785786" y="4000504"/>
+            <a:ext cx="7643865" cy="2434941"/>
+          </a:xfrm>
+          <a:prstGeom prst="rect">
+            <a:avLst/>
+          </a:prstGeom>
+          <a:noFill/>
+          <a:ln w="9525">
+            <a:noFill/>
+            <a:miter lim="800000"/>
+            <a:headEnd/>
+            <a:tailEnd/>
+          </a:ln>
+        </p:spPr>
+      </p:pic>
     </p:spTree>
   </p:cSld>
   <p:clrMapOvr>
